--- a/R-UDF FORE SALES ORDER AR INVOICE ORDER TYPE.pptx
+++ b/R-UDF FORE SALES ORDER AR INVOICE ORDER TYPE.pptx
@@ -7,11 +7,8 @@
   <p:sldIdLst>
     <p:sldId id="260" r:id="rId2"/>
     <p:sldId id="256" r:id="rId3"/>
-    <p:sldId id="258" r:id="rId4"/>
-    <p:sldId id="261" r:id="rId5"/>
-    <p:sldId id="262" r:id="rId6"/>
-    <p:sldId id="263" r:id="rId7"/>
-    <p:sldId id="257" r:id="rId8"/>
+    <p:sldId id="263" r:id="rId4"/>
+    <p:sldId id="257" r:id="rId5"/>
   </p:sldIdLst>
   <p:sldSz cx="12192000" cy="6858000"/>
   <p:notesSz cx="6858000" cy="9144000"/>
@@ -3250,8 +3247,8 @@
             </p:nvSpPr>
             <p:spPr>
               <a:xfrm>
-                <a:off x="5128641" y="452935"/>
-                <a:ext cx="731520" cy="769441"/>
+                <a:off x="5110699" y="452935"/>
+                <a:ext cx="749462" cy="769441"/>
               </a:xfrm>
               <a:prstGeom prst="rect">
                 <a:avLst/>
@@ -3272,7 +3269,7 @@
                     </a:solidFill>
                     <a:latin typeface="Arial Black" panose="020B0A04020102020204" pitchFamily="34" charset="0"/>
                   </a:rPr>
-                  <a:t>1</a:t>
+                  <a:t>&gt;</a:t>
                 </a:r>
                 <a:endParaRPr lang="en-US" sz="4400" dirty="0">
                   <a:solidFill>
@@ -3292,8 +3289,8 @@
           </p:nvSpPr>
           <p:spPr>
             <a:xfrm>
-              <a:off x="3944610" y="1206933"/>
-              <a:ext cx="7083082" cy="707886"/>
+              <a:off x="5139334" y="449204"/>
+              <a:ext cx="4958521" cy="6370975"/>
             </a:xfrm>
             <a:prstGeom prst="rect">
               <a:avLst/>
@@ -3306,9 +3303,12 @@
             </a:bodyPr>
             <a:lstStyle/>
             <a:p>
-              <a:pPr algn="ctr"/>
+              <a:pPr marL="742950" indent="-742950">
+                <a:buFont typeface="+mj-lt"/>
+                <a:buAutoNum type="arabicPeriod"/>
+              </a:pPr>
               <a:r>
-                <a:rPr lang="en-US" sz="4000" dirty="0" smtClean="0">
+                <a:rPr lang="en-US" sz="2400" dirty="0" smtClean="0">
                   <a:solidFill>
                     <a:schemeClr val="bg1"/>
                   </a:solidFill>
@@ -3321,9 +3321,238 @@
                   </a:effectLst>
                   <a:latin typeface="Arial Black" panose="020B0A04020102020204" pitchFamily="34" charset="0"/>
                 </a:rPr>
-                <a:t>JOB ORDER #</a:t>
+                <a:t>JOB ORDER </a:t>
               </a:r>
-              <a:endParaRPr lang="en-US" sz="4000" dirty="0">
+              <a:r>
+                <a:rPr lang="en-US" sz="2400" dirty="0" smtClean="0">
+                  <a:solidFill>
+                    <a:schemeClr val="bg1"/>
+                  </a:solidFill>
+                  <a:effectLst>
+                    <a:outerShdw blurRad="38100" dist="38100" dir="2700000" algn="tl">
+                      <a:srgbClr val="000000">
+                        <a:alpha val="43137"/>
+                      </a:srgbClr>
+                    </a:outerShdw>
+                  </a:effectLst>
+                  <a:latin typeface="Arial Black" panose="020B0A04020102020204" pitchFamily="34" charset="0"/>
+                </a:rPr>
+                <a:t>#</a:t>
+              </a:r>
+            </a:p>
+            <a:p>
+              <a:pPr marL="742950" indent="-742950">
+                <a:buFont typeface="+mj-lt"/>
+                <a:buAutoNum type="arabicPeriod"/>
+              </a:pPr>
+              <a:endParaRPr lang="en-US" sz="2400" dirty="0" smtClean="0">
+                <a:solidFill>
+                  <a:schemeClr val="bg1"/>
+                </a:solidFill>
+                <a:effectLst>
+                  <a:outerShdw blurRad="38100" dist="38100" dir="2700000" algn="tl">
+                    <a:srgbClr val="000000">
+                      <a:alpha val="43137"/>
+                    </a:srgbClr>
+                  </a:outerShdw>
+                </a:effectLst>
+                <a:latin typeface="Arial Black" panose="020B0A04020102020204" pitchFamily="34" charset="0"/>
+              </a:endParaRPr>
+            </a:p>
+            <a:p>
+              <a:pPr marL="742950" indent="-742950">
+                <a:lnSpc>
+                  <a:spcPct val="150000"/>
+                </a:lnSpc>
+                <a:buFont typeface="+mj-lt"/>
+                <a:buAutoNum type="arabicPeriod"/>
+              </a:pPr>
+              <a:r>
+                <a:rPr lang="en-US" sz="2400" dirty="0" smtClean="0">
+                  <a:solidFill>
+                    <a:schemeClr val="bg1"/>
+                  </a:solidFill>
+                  <a:effectLst>
+                    <a:outerShdw blurRad="38100" dist="38100" dir="2700000" algn="tl">
+                      <a:srgbClr val="000000">
+                        <a:alpha val="43137"/>
+                      </a:srgbClr>
+                    </a:outerShdw>
+                  </a:effectLst>
+                  <a:latin typeface="Arial Black" panose="020B0A04020102020204" pitchFamily="34" charset="0"/>
+                </a:rPr>
+                <a:t>SALE INVOICE REF NO. (MANUAL INVOICE) </a:t>
+              </a:r>
+            </a:p>
+            <a:p>
+              <a:pPr marL="742950" indent="-742950">
+                <a:lnSpc>
+                  <a:spcPct val="150000"/>
+                </a:lnSpc>
+                <a:buFont typeface="+mj-lt"/>
+                <a:buAutoNum type="arabicPeriod"/>
+              </a:pPr>
+              <a:endParaRPr lang="en-US" sz="2400" dirty="0" smtClean="0">
+                <a:solidFill>
+                  <a:schemeClr val="bg1"/>
+                </a:solidFill>
+                <a:effectLst>
+                  <a:outerShdw blurRad="38100" dist="38100" dir="2700000" algn="tl">
+                    <a:srgbClr val="000000">
+                      <a:alpha val="43137"/>
+                    </a:srgbClr>
+                  </a:outerShdw>
+                </a:effectLst>
+                <a:latin typeface="Arial Black" panose="020B0A04020102020204" pitchFamily="34" charset="0"/>
+              </a:endParaRPr>
+            </a:p>
+            <a:p>
+              <a:pPr marL="742950" indent="-742950">
+                <a:lnSpc>
+                  <a:spcPct val="150000"/>
+                </a:lnSpc>
+                <a:buFont typeface="+mj-lt"/>
+                <a:buAutoNum type="arabicPeriod"/>
+              </a:pPr>
+              <a:r>
+                <a:rPr lang="en-US" sz="2400" dirty="0" smtClean="0">
+                  <a:solidFill>
+                    <a:schemeClr val="bg1"/>
+                  </a:solidFill>
+                  <a:effectLst>
+                    <a:outerShdw blurRad="38100" dist="38100" dir="2700000" algn="tl">
+                      <a:srgbClr val="000000">
+                        <a:alpha val="43137"/>
+                      </a:srgbClr>
+                    </a:outerShdw>
+                  </a:effectLst>
+                  <a:latin typeface="Arial Black" panose="020B0A04020102020204" pitchFamily="34" charset="0"/>
+                </a:rPr>
+                <a:t>NAME OF TINTER        (IF NO-BLACK)</a:t>
+              </a:r>
+            </a:p>
+            <a:p>
+              <a:pPr marL="742950" indent="-742950">
+                <a:lnSpc>
+                  <a:spcPct val="150000"/>
+                </a:lnSpc>
+                <a:buFont typeface="+mj-lt"/>
+                <a:buAutoNum type="arabicPeriod"/>
+              </a:pPr>
+              <a:endParaRPr lang="en-US" sz="2400" dirty="0" smtClean="0">
+                <a:solidFill>
+                  <a:schemeClr val="bg1"/>
+                </a:solidFill>
+                <a:effectLst>
+                  <a:outerShdw blurRad="38100" dist="38100" dir="2700000" algn="tl">
+                    <a:srgbClr val="000000">
+                      <a:alpha val="43137"/>
+                    </a:srgbClr>
+                  </a:outerShdw>
+                </a:effectLst>
+                <a:latin typeface="Arial Black" panose="020B0A04020102020204" pitchFamily="34" charset="0"/>
+              </a:endParaRPr>
+            </a:p>
+            <a:p>
+              <a:pPr marL="742950" indent="-742950">
+                <a:lnSpc>
+                  <a:spcPct val="150000"/>
+                </a:lnSpc>
+                <a:buFont typeface="+mj-lt"/>
+                <a:buAutoNum type="arabicPeriod"/>
+              </a:pPr>
+              <a:r>
+                <a:rPr lang="en-US" sz="2400" dirty="0" smtClean="0">
+                  <a:solidFill>
+                    <a:schemeClr val="bg1"/>
+                  </a:solidFill>
+                  <a:effectLst>
+                    <a:outerShdw blurRad="38100" dist="38100" dir="2700000" algn="tl">
+                      <a:srgbClr val="000000">
+                        <a:alpha val="43137"/>
+                      </a:srgbClr>
+                    </a:outerShdw>
+                  </a:effectLst>
+                  <a:latin typeface="Arial Black" panose="020B0A04020102020204" pitchFamily="34" charset="0"/>
+                </a:rPr>
+                <a:t>INSTALLER NAME</a:t>
+              </a:r>
+            </a:p>
+            <a:p>
+              <a:pPr marL="1200150" lvl="1" indent="-742950">
+                <a:lnSpc>
+                  <a:spcPct val="150000"/>
+                </a:lnSpc>
+                <a:buFont typeface="Wingdings" panose="05000000000000000000" pitchFamily="2" charset="2"/>
+                <a:buChar char="Ø"/>
+              </a:pPr>
+              <a:r>
+                <a:rPr lang="en-US" sz="2400" dirty="0" smtClean="0">
+                  <a:solidFill>
+                    <a:schemeClr val="bg1"/>
+                  </a:solidFill>
+                  <a:effectLst>
+                    <a:outerShdw blurRad="38100" dist="38100" dir="2700000" algn="tl">
+                      <a:srgbClr val="000000">
+                        <a:alpha val="43137"/>
+                      </a:srgbClr>
+                    </a:outerShdw>
+                  </a:effectLst>
+                  <a:latin typeface="Arial Black" panose="020B0A04020102020204" pitchFamily="34" charset="0"/>
+                </a:rPr>
+                <a:t>NAME # 1</a:t>
+              </a:r>
+            </a:p>
+            <a:p>
+              <a:pPr marL="1200150" lvl="1" indent="-742950">
+                <a:lnSpc>
+                  <a:spcPct val="150000"/>
+                </a:lnSpc>
+                <a:buFont typeface="Wingdings" panose="05000000000000000000" pitchFamily="2" charset="2"/>
+                <a:buChar char="Ø"/>
+              </a:pPr>
+              <a:r>
+                <a:rPr lang="en-US" sz="2400" dirty="0" smtClean="0">
+                  <a:solidFill>
+                    <a:schemeClr val="bg1"/>
+                  </a:solidFill>
+                  <a:effectLst>
+                    <a:outerShdw blurRad="38100" dist="38100" dir="2700000" algn="tl">
+                      <a:srgbClr val="000000">
+                        <a:alpha val="43137"/>
+                      </a:srgbClr>
+                    </a:outerShdw>
+                  </a:effectLst>
+                  <a:latin typeface="Arial Black" panose="020B0A04020102020204" pitchFamily="34" charset="0"/>
+                </a:rPr>
+                <a:t>NAME # 2</a:t>
+              </a:r>
+            </a:p>
+            <a:p>
+              <a:pPr marL="1200150" lvl="1" indent="-742950">
+                <a:lnSpc>
+                  <a:spcPct val="150000"/>
+                </a:lnSpc>
+                <a:buFont typeface="Wingdings" panose="05000000000000000000" pitchFamily="2" charset="2"/>
+                <a:buChar char="Ø"/>
+              </a:pPr>
+              <a:r>
+                <a:rPr lang="en-US" sz="2400" dirty="0" smtClean="0">
+                  <a:solidFill>
+                    <a:schemeClr val="bg1"/>
+                  </a:solidFill>
+                  <a:effectLst>
+                    <a:outerShdw blurRad="38100" dist="38100" dir="2700000" algn="tl">
+                      <a:srgbClr val="000000">
+                        <a:alpha val="43137"/>
+                      </a:srgbClr>
+                    </a:outerShdw>
+                  </a:effectLst>
+                  <a:latin typeface="Arial Black" panose="020B0A04020102020204" pitchFamily="34" charset="0"/>
+                </a:rPr>
+                <a:t>NAME # 3</a:t>
+              </a:r>
+              <a:endParaRPr lang="en-US" sz="2400" dirty="0">
                 <a:solidFill>
                   <a:schemeClr val="bg1"/>
                 </a:solidFill>
@@ -3349,9 +3578,9 @@
         <p:grpSpPr>
           <a:xfrm>
             <a:off x="-6429304" y="0"/>
-            <a:ext cx="11366695" cy="6858000"/>
+            <a:ext cx="11366695" cy="7373602"/>
             <a:chOff x="-725193" y="10554"/>
-            <a:chExt cx="11366695" cy="6858000"/>
+            <a:chExt cx="11366695" cy="7373602"/>
           </a:xfrm>
         </p:grpSpPr>
         <p:grpSp>
@@ -3512,7 +3741,7 @@
                   </a:solidFill>
                   <a:latin typeface="Arial Black" panose="020B0A04020102020204" pitchFamily="34" charset="0"/>
                 </a:rPr>
-                <a:t>2</a:t>
+                <a:t>&gt;</a:t>
               </a:r>
             </a:p>
           </p:txBody>
@@ -3525,8 +3754,8 @@
           </p:nvSpPr>
           <p:spPr>
             <a:xfrm>
-              <a:off x="3075704" y="439000"/>
-              <a:ext cx="6003619" cy="1077218"/>
+              <a:off x="3889825" y="274517"/>
+              <a:ext cx="4934977" cy="7109639"/>
             </a:xfrm>
             <a:prstGeom prst="rect">
               <a:avLst/>
@@ -3539,9 +3768,15 @@
             </a:bodyPr>
             <a:lstStyle/>
             <a:p>
-              <a:pPr algn="ctr"/>
+              <a:pPr marL="514350" indent="-514350">
+                <a:lnSpc>
+                  <a:spcPct val="150000"/>
+                </a:lnSpc>
+                <a:buFont typeface="+mj-lt"/>
+                <a:buAutoNum type="arabicPeriod" startAt="5"/>
+              </a:pPr>
               <a:r>
-                <a:rPr lang="en-US" sz="3200" dirty="0" smtClean="0">
+                <a:rPr lang="en-US" sz="2400" dirty="0" smtClean="0">
                   <a:solidFill>
                     <a:schemeClr val="bg1"/>
                   </a:solidFill>
@@ -3554,9 +3789,259 @@
                   </a:effectLst>
                   <a:latin typeface="Arial Black" panose="020B0A04020102020204" pitchFamily="34" charset="0"/>
                 </a:rPr>
-                <a:t>SALES INVOICE REF. NO (MANUAL INVOICE)</a:t>
+                <a:t>STATUS OF INVOICE REF</a:t>
               </a:r>
-              <a:endParaRPr lang="en-US" sz="3200" dirty="0">
+            </a:p>
+            <a:p>
+              <a:pPr marL="514350" indent="-514350">
+                <a:lnSpc>
+                  <a:spcPct val="150000"/>
+                </a:lnSpc>
+                <a:buFont typeface="+mj-lt"/>
+                <a:buAutoNum type="arabicPeriod" startAt="5"/>
+              </a:pPr>
+              <a:endParaRPr lang="en-US" sz="2400" dirty="0" smtClean="0">
+                <a:solidFill>
+                  <a:schemeClr val="bg1"/>
+                </a:solidFill>
+                <a:effectLst>
+                  <a:outerShdw blurRad="38100" dist="38100" dir="2700000" algn="tl">
+                    <a:srgbClr val="000000">
+                      <a:alpha val="43137"/>
+                    </a:srgbClr>
+                  </a:outerShdw>
+                </a:effectLst>
+                <a:latin typeface="Arial Black" panose="020B0A04020102020204" pitchFamily="34" charset="0"/>
+              </a:endParaRPr>
+            </a:p>
+            <a:p>
+              <a:pPr marL="514350" indent="-514350">
+                <a:lnSpc>
+                  <a:spcPct val="150000"/>
+                </a:lnSpc>
+                <a:buFont typeface="+mj-lt"/>
+                <a:buAutoNum type="arabicPeriod" startAt="5"/>
+              </a:pPr>
+              <a:r>
+                <a:rPr lang="en-US" sz="2400" dirty="0" smtClean="0">
+                  <a:solidFill>
+                    <a:schemeClr val="bg1"/>
+                  </a:solidFill>
+                  <a:effectLst>
+                    <a:outerShdw blurRad="38100" dist="38100" dir="2700000" algn="tl">
+                      <a:srgbClr val="000000">
+                        <a:alpha val="43137"/>
+                      </a:srgbClr>
+                    </a:outerShdw>
+                  </a:effectLst>
+                  <a:latin typeface="Arial Black" panose="020B0A04020102020204" pitchFamily="34" charset="0"/>
+                </a:rPr>
+                <a:t>FOR TAKE OUT → Y / N</a:t>
+              </a:r>
+            </a:p>
+            <a:p>
+              <a:pPr>
+                <a:lnSpc>
+                  <a:spcPct val="150000"/>
+                </a:lnSpc>
+              </a:pPr>
+              <a:r>
+                <a:rPr lang="en-US" sz="2400" dirty="0">
+                  <a:solidFill>
+                    <a:schemeClr val="bg1"/>
+                  </a:solidFill>
+                  <a:effectLst>
+                    <a:outerShdw blurRad="38100" dist="38100" dir="2700000" algn="tl">
+                      <a:srgbClr val="000000">
+                        <a:alpha val="43137"/>
+                      </a:srgbClr>
+                    </a:outerShdw>
+                  </a:effectLst>
+                  <a:latin typeface="Arial Black" panose="020B0A04020102020204" pitchFamily="34" charset="0"/>
+                </a:rPr>
+                <a:t>	</a:t>
+              </a:r>
+              <a:endParaRPr lang="en-US" sz="2400" dirty="0" smtClean="0">
+                <a:solidFill>
+                  <a:schemeClr val="bg1"/>
+                </a:solidFill>
+                <a:effectLst>
+                  <a:outerShdw blurRad="38100" dist="38100" dir="2700000" algn="tl">
+                    <a:srgbClr val="000000">
+                      <a:alpha val="43137"/>
+                    </a:srgbClr>
+                  </a:outerShdw>
+                </a:effectLst>
+                <a:latin typeface="Arial Black" panose="020B0A04020102020204" pitchFamily="34" charset="0"/>
+              </a:endParaRPr>
+            </a:p>
+            <a:p>
+              <a:pPr marL="514350" indent="-514350">
+                <a:lnSpc>
+                  <a:spcPct val="150000"/>
+                </a:lnSpc>
+                <a:buFont typeface="+mj-lt"/>
+                <a:buAutoNum type="arabicPeriod" startAt="5"/>
+              </a:pPr>
+              <a:r>
+                <a:rPr lang="en-US" sz="2400" dirty="0" smtClean="0">
+                  <a:solidFill>
+                    <a:schemeClr val="bg1"/>
+                  </a:solidFill>
+                  <a:effectLst>
+                    <a:outerShdw blurRad="38100" dist="38100" dir="2700000" algn="tl">
+                      <a:srgbClr val="000000">
+                        <a:alpha val="43137"/>
+                      </a:srgbClr>
+                    </a:outerShdw>
+                  </a:effectLst>
+                  <a:latin typeface="Arial Black" panose="020B0A04020102020204" pitchFamily="34" charset="0"/>
+                </a:rPr>
+                <a:t>OWNER = PERSON WHO TRANSACTED SO / AR</a:t>
+              </a:r>
+            </a:p>
+            <a:p>
+              <a:pPr marL="514350" indent="-514350">
+                <a:lnSpc>
+                  <a:spcPct val="150000"/>
+                </a:lnSpc>
+                <a:buFont typeface="+mj-lt"/>
+                <a:buAutoNum type="arabicPeriod" startAt="5"/>
+              </a:pPr>
+              <a:endParaRPr lang="en-US" sz="2400" dirty="0" smtClean="0">
+                <a:solidFill>
+                  <a:schemeClr val="bg1"/>
+                </a:solidFill>
+                <a:effectLst>
+                  <a:outerShdw blurRad="38100" dist="38100" dir="2700000" algn="tl">
+                    <a:srgbClr val="000000">
+                      <a:alpha val="43137"/>
+                    </a:srgbClr>
+                  </a:outerShdw>
+                </a:effectLst>
+                <a:latin typeface="Arial Black" panose="020B0A04020102020204" pitchFamily="34" charset="0"/>
+              </a:endParaRPr>
+            </a:p>
+            <a:p>
+              <a:pPr marL="514350" indent="-514350">
+                <a:lnSpc>
+                  <a:spcPct val="150000"/>
+                </a:lnSpc>
+                <a:buFont typeface="+mj-lt"/>
+                <a:buAutoNum type="arabicPeriod" startAt="5"/>
+              </a:pPr>
+              <a:r>
+                <a:rPr lang="en-US" sz="2400" dirty="0" smtClean="0">
+                  <a:solidFill>
+                    <a:schemeClr val="bg1"/>
+                  </a:solidFill>
+                  <a:effectLst>
+                    <a:outerShdw blurRad="38100" dist="38100" dir="2700000" algn="tl">
+                      <a:srgbClr val="000000">
+                        <a:alpha val="43137"/>
+                      </a:srgbClr>
+                    </a:outerShdw>
+                  </a:effectLst>
+                  <a:latin typeface="Arial Black" panose="020B0A04020102020204" pitchFamily="34" charset="0"/>
+                </a:rPr>
+                <a:t>REMARKS = REQUIRED IF ITEM CODE :</a:t>
+              </a:r>
+            </a:p>
+            <a:p>
+              <a:pPr marL="971550" lvl="1" indent="-514350">
+                <a:buFont typeface="+mj-lt"/>
+                <a:buAutoNum type="alphaUcPeriod"/>
+              </a:pPr>
+              <a:r>
+                <a:rPr lang="en-US" sz="2400" dirty="0" smtClean="0">
+                  <a:solidFill>
+                    <a:schemeClr val="bg1"/>
+                  </a:solidFill>
+                  <a:effectLst>
+                    <a:outerShdw blurRad="38100" dist="38100" dir="2700000" algn="tl">
+                      <a:srgbClr val="000000">
+                        <a:alpha val="43137"/>
+                      </a:srgbClr>
+                    </a:outerShdw>
+                  </a:effectLst>
+                  <a:latin typeface="Arial Black" panose="020B0A04020102020204" pitchFamily="34" charset="0"/>
+                </a:rPr>
+                <a:t>DSUN</a:t>
+              </a:r>
+            </a:p>
+            <a:p>
+              <a:pPr marL="971550" lvl="1" indent="-514350">
+                <a:buFont typeface="+mj-lt"/>
+                <a:buAutoNum type="alphaUcPeriod"/>
+              </a:pPr>
+              <a:r>
+                <a:rPr lang="en-US" sz="2400" dirty="0" smtClean="0">
+                  <a:solidFill>
+                    <a:schemeClr val="bg1"/>
+                  </a:solidFill>
+                  <a:effectLst>
+                    <a:outerShdw blurRad="38100" dist="38100" dir="2700000" algn="tl">
+                      <a:srgbClr val="000000">
+                        <a:alpha val="43137"/>
+                      </a:srgbClr>
+                    </a:outerShdw>
+                  </a:effectLst>
+                  <a:latin typeface="Arial Black" panose="020B0A04020102020204" pitchFamily="34" charset="0"/>
+                </a:rPr>
+                <a:t>LAUN</a:t>
+              </a:r>
+            </a:p>
+            <a:p>
+              <a:pPr marL="971550" lvl="1" indent="-514350">
+                <a:buFont typeface="+mj-lt"/>
+                <a:buAutoNum type="alphaUcPeriod"/>
+              </a:pPr>
+              <a:r>
+                <a:rPr lang="en-US" sz="2400" dirty="0" smtClean="0">
+                  <a:solidFill>
+                    <a:schemeClr val="bg1"/>
+                  </a:solidFill>
+                  <a:effectLst>
+                    <a:outerShdw blurRad="38100" dist="38100" dir="2700000" algn="tl">
+                      <a:srgbClr val="000000">
+                        <a:alpha val="43137"/>
+                      </a:srgbClr>
+                    </a:outerShdw>
+                  </a:effectLst>
+                  <a:latin typeface="Arial Black" panose="020B0A04020102020204" pitchFamily="34" charset="0"/>
+                </a:rPr>
+                <a:t>LAOS</a:t>
+              </a:r>
+            </a:p>
+            <a:p>
+              <a:pPr marL="971550" lvl="1" indent="-514350">
+                <a:buFont typeface="+mj-lt"/>
+                <a:buAutoNum type="alphaUcPeriod"/>
+              </a:pPr>
+              <a:r>
+                <a:rPr lang="en-US" sz="2400" dirty="0" smtClean="0">
+                  <a:solidFill>
+                    <a:schemeClr val="bg1"/>
+                  </a:solidFill>
+                  <a:effectLst>
+                    <a:outerShdw blurRad="38100" dist="38100" dir="2700000" algn="tl">
+                      <a:srgbClr val="000000">
+                        <a:alpha val="43137"/>
+                      </a:srgbClr>
+                    </a:outerShdw>
+                  </a:effectLst>
+                  <a:latin typeface="Arial Black" panose="020B0A04020102020204" pitchFamily="34" charset="0"/>
+                </a:rPr>
+                <a:t>NOBC</a:t>
+              </a:r>
+            </a:p>
+            <a:p>
+              <a:pPr lvl="1">
+                <a:lnSpc>
+                  <a:spcPct val="150000"/>
+                </a:lnSpc>
+              </a:pPr>
+              <a:endParaRPr lang="en-US" sz="2400" dirty="0" smtClean="0">
                 <a:solidFill>
                   <a:schemeClr val="bg1"/>
                 </a:solidFill>
@@ -3582,9 +4067,9 @@
         <p:grpSpPr>
           <a:xfrm>
             <a:off x="-7547014" y="0"/>
-            <a:ext cx="11366695" cy="6858000"/>
+            <a:ext cx="11366695" cy="7521690"/>
             <a:chOff x="-1842903" y="10554"/>
-            <a:chExt cx="11366695" cy="6858000"/>
+            <a:chExt cx="11366695" cy="7521690"/>
           </a:xfrm>
         </p:grpSpPr>
         <p:grpSp>
@@ -3744,7 +4229,7 @@
                   </a:solidFill>
                   <a:latin typeface="Arial Black" panose="020B0A04020102020204" pitchFamily="34" charset="0"/>
                 </a:rPr>
-                <a:t>3</a:t>
+                <a:t>&gt;</a:t>
               </a:r>
               <a:endParaRPr lang="en-US" sz="4400" dirty="0">
                 <a:solidFill>
@@ -3763,8 +4248,8 @@
           </p:nvSpPr>
           <p:spPr>
             <a:xfrm>
-              <a:off x="1912506" y="2227803"/>
-              <a:ext cx="6708980" cy="1077218"/>
+              <a:off x="2827498" y="237939"/>
+              <a:ext cx="5106411" cy="7294305"/>
             </a:xfrm>
             <a:prstGeom prst="rect">
               <a:avLst/>
@@ -3777,9 +4262,15 @@
             </a:bodyPr>
             <a:lstStyle/>
             <a:p>
-              <a:pPr algn="ctr"/>
+              <a:pPr marL="514350" indent="-514350">
+                <a:lnSpc>
+                  <a:spcPct val="150000"/>
+                </a:lnSpc>
+                <a:buFont typeface="+mj-lt"/>
+                <a:buAutoNum type="arabicPeriod" startAt="9"/>
+              </a:pPr>
               <a:r>
-                <a:rPr lang="en-US" sz="3200" dirty="0" smtClean="0">
+                <a:rPr lang="en-US" sz="2400" dirty="0" smtClean="0">
                   <a:solidFill>
                     <a:schemeClr val="bg1"/>
                   </a:solidFill>
@@ -3792,13 +4283,41 @@
                   </a:effectLst>
                   <a:latin typeface="Arial Black" panose="020B0A04020102020204" pitchFamily="34" charset="0"/>
                 </a:rPr>
-                <a:t>NAME OF TINTER</a:t>
+                <a:t> FOR TINT SERVICE          		↓                           	YES OR NO</a:t>
               </a:r>
             </a:p>
             <a:p>
-              <a:pPr algn="ctr"/>
+              <a:pPr marL="514350" indent="-514350">
+                <a:lnSpc>
+                  <a:spcPct val="150000"/>
+                </a:lnSpc>
+                <a:buFont typeface="+mj-lt"/>
+                <a:buAutoNum type="arabicPeriod" startAt="9"/>
+              </a:pPr>
+              <a:endParaRPr lang="en-US" sz="2400" dirty="0" smtClean="0">
+                <a:solidFill>
+                  <a:schemeClr val="bg1"/>
+                </a:solidFill>
+                <a:effectLst>
+                  <a:outerShdw blurRad="38100" dist="38100" dir="2700000" algn="tl">
+                    <a:srgbClr val="000000">
+                      <a:alpha val="43137"/>
+                    </a:srgbClr>
+                  </a:outerShdw>
+                </a:effectLst>
+                <a:latin typeface="Arial Black" panose="020B0A04020102020204" pitchFamily="34" charset="0"/>
+              </a:endParaRPr>
+            </a:p>
+            <a:p>
+              <a:pPr marL="514350" indent="-514350">
+                <a:lnSpc>
+                  <a:spcPct val="150000"/>
+                </a:lnSpc>
+                <a:buFont typeface="+mj-lt"/>
+                <a:buAutoNum type="arabicPeriod" startAt="9"/>
+              </a:pPr>
               <a:r>
-                <a:rPr lang="en-US" sz="3200" dirty="0" smtClean="0">
+                <a:rPr lang="en-US" sz="2400" dirty="0" smtClean="0">
                   <a:solidFill>
                     <a:schemeClr val="bg1"/>
                   </a:solidFill>
@@ -3811,9 +4330,134 @@
                   </a:effectLst>
                   <a:latin typeface="Arial Black" panose="020B0A04020102020204" pitchFamily="34" charset="0"/>
                 </a:rPr>
-                <a:t>(IF NO-BLACK)</a:t>
+                <a:t> TRANSACTION TYPE HEAD OFFICE (NONE OF THE ABOVE)</a:t>
               </a:r>
-              <a:endParaRPr lang="en-US" sz="3200" dirty="0">
+            </a:p>
+            <a:p>
+              <a:pPr marL="514350" indent="-514350">
+                <a:lnSpc>
+                  <a:spcPct val="150000"/>
+                </a:lnSpc>
+                <a:buFont typeface="+mj-lt"/>
+                <a:buAutoNum type="arabicPeriod" startAt="9"/>
+              </a:pPr>
+              <a:endParaRPr lang="en-US" sz="2400" dirty="0" smtClean="0">
+                <a:solidFill>
+                  <a:schemeClr val="bg1"/>
+                </a:solidFill>
+                <a:effectLst>
+                  <a:outerShdw blurRad="38100" dist="38100" dir="2700000" algn="tl">
+                    <a:srgbClr val="000000">
+                      <a:alpha val="43137"/>
+                    </a:srgbClr>
+                  </a:outerShdw>
+                </a:effectLst>
+                <a:latin typeface="Arial Black" panose="020B0A04020102020204" pitchFamily="34" charset="0"/>
+              </a:endParaRPr>
+            </a:p>
+            <a:p>
+              <a:pPr marL="514350" indent="-514350">
+                <a:lnSpc>
+                  <a:spcPct val="150000"/>
+                </a:lnSpc>
+                <a:buFont typeface="+mj-lt"/>
+                <a:buAutoNum type="arabicPeriod" startAt="9"/>
+              </a:pPr>
+              <a:r>
+                <a:rPr lang="en-US" sz="2400" dirty="0" smtClean="0">
+                  <a:solidFill>
+                    <a:schemeClr val="bg1"/>
+                  </a:solidFill>
+                  <a:effectLst>
+                    <a:outerShdw blurRad="38100" dist="38100" dir="2700000" algn="tl">
+                      <a:srgbClr val="000000">
+                        <a:alpha val="43137"/>
+                      </a:srgbClr>
+                    </a:outerShdw>
+                  </a:effectLst>
+                  <a:latin typeface="Arial Black" panose="020B0A04020102020204" pitchFamily="34" charset="0"/>
+                </a:rPr>
+                <a:t> CONSIGNED ITEMS</a:t>
+              </a:r>
+            </a:p>
+            <a:p>
+              <a:pPr marL="514350" indent="-514350">
+                <a:lnSpc>
+                  <a:spcPct val="150000"/>
+                </a:lnSpc>
+                <a:buFont typeface="+mj-lt"/>
+                <a:buAutoNum type="arabicPeriod" startAt="9"/>
+              </a:pPr>
+              <a:endParaRPr lang="en-US" sz="2400" dirty="0" smtClean="0">
+                <a:solidFill>
+                  <a:schemeClr val="bg1"/>
+                </a:solidFill>
+                <a:effectLst>
+                  <a:outerShdw blurRad="38100" dist="38100" dir="2700000" algn="tl">
+                    <a:srgbClr val="000000">
+                      <a:alpha val="43137"/>
+                    </a:srgbClr>
+                  </a:outerShdw>
+                </a:effectLst>
+                <a:latin typeface="Arial Black" panose="020B0A04020102020204" pitchFamily="34" charset="0"/>
+              </a:endParaRPr>
+            </a:p>
+            <a:p>
+              <a:pPr marL="514350" indent="-514350">
+                <a:lnSpc>
+                  <a:spcPct val="150000"/>
+                </a:lnSpc>
+                <a:buFont typeface="+mj-lt"/>
+                <a:buAutoNum type="arabicPeriod" startAt="9"/>
+              </a:pPr>
+              <a:r>
+                <a:rPr lang="en-US" sz="2400" dirty="0" smtClean="0">
+                  <a:solidFill>
+                    <a:schemeClr val="bg1"/>
+                  </a:solidFill>
+                  <a:effectLst>
+                    <a:outerShdw blurRad="38100" dist="38100" dir="2700000" algn="tl">
+                      <a:srgbClr val="000000">
+                        <a:alpha val="43137"/>
+                      </a:srgbClr>
+                    </a:outerShdw>
+                  </a:effectLst>
+                  <a:latin typeface="Arial Black" panose="020B0A04020102020204" pitchFamily="34" charset="0"/>
+                </a:rPr>
+                <a:t> DEALER’S AGENT N/A</a:t>
+              </a:r>
+            </a:p>
+            <a:p>
+              <a:pPr marL="514350" indent="-514350">
+                <a:lnSpc>
+                  <a:spcPct val="150000"/>
+                </a:lnSpc>
+                <a:buFont typeface="+mj-lt"/>
+                <a:buAutoNum type="arabicPeriod" startAt="9"/>
+              </a:pPr>
+              <a:endParaRPr lang="en-US" sz="2400" dirty="0" smtClean="0">
+                <a:solidFill>
+                  <a:schemeClr val="bg1"/>
+                </a:solidFill>
+                <a:effectLst>
+                  <a:outerShdw blurRad="38100" dist="38100" dir="2700000" algn="tl">
+                    <a:srgbClr val="000000">
+                      <a:alpha val="43137"/>
+                    </a:srgbClr>
+                  </a:outerShdw>
+                </a:effectLst>
+                <a:latin typeface="Arial Black" panose="020B0A04020102020204" pitchFamily="34" charset="0"/>
+              </a:endParaRPr>
+            </a:p>
+            <a:p>
+              <a:pPr marL="514350" indent="-514350">
+                <a:lnSpc>
+                  <a:spcPct val="150000"/>
+                </a:lnSpc>
+                <a:buFont typeface="+mj-lt"/>
+                <a:buAutoNum type="arabicPeriod" startAt="9"/>
+              </a:pPr>
+              <a:endParaRPr lang="en-US" sz="2400" dirty="0">
                 <a:solidFill>
                   <a:schemeClr val="bg1"/>
                 </a:solidFill>
@@ -3839,9 +4483,9 @@
         <p:grpSpPr>
           <a:xfrm>
             <a:off x="-8664724" y="10554"/>
-            <a:ext cx="11366695" cy="6858000"/>
+            <a:ext cx="11366695" cy="6971652"/>
             <a:chOff x="-3305943" y="0"/>
-            <a:chExt cx="11366695" cy="6858000"/>
+            <a:chExt cx="11366695" cy="6971652"/>
           </a:xfrm>
         </p:grpSpPr>
         <p:grpSp>
@@ -4014,8 +4658,8 @@
           </p:nvSpPr>
           <p:spPr>
             <a:xfrm>
-              <a:off x="1363860" y="1502170"/>
-              <a:ext cx="4924406" cy="2677656"/>
+              <a:off x="1305003" y="231345"/>
+              <a:ext cx="5087292" cy="6740307"/>
             </a:xfrm>
             <a:prstGeom prst="rect">
               <a:avLst/>
@@ -4028,9 +4672,15 @@
             </a:bodyPr>
             <a:lstStyle/>
             <a:p>
-              <a:pPr algn="ctr"/>
+              <a:pPr marL="514350" indent="-514350">
+                <a:lnSpc>
+                  <a:spcPct val="150000"/>
+                </a:lnSpc>
+                <a:buFont typeface="+mj-lt"/>
+                <a:buAutoNum type="arabicPeriod" startAt="13"/>
+              </a:pPr>
               <a:r>
-                <a:rPr lang="en-US" sz="2800" dirty="0" smtClean="0">
+                <a:rPr lang="en-US" sz="2400" dirty="0" smtClean="0">
                   <a:solidFill>
                     <a:schemeClr val="bg1"/>
                   </a:solidFill>
@@ -4043,12 +4693,50 @@
                   </a:effectLst>
                   <a:latin typeface="Arial Black" panose="020B0A04020102020204" pitchFamily="34" charset="0"/>
                 </a:rPr>
-                <a:t>NAME OF INSTALLER 1</a:t>
+                <a:t> STATUS </a:t>
+              </a:r>
+              <a:r>
+                <a:rPr lang="en-US" sz="2400" dirty="0">
+                  <a:solidFill>
+                    <a:schemeClr val="bg1"/>
+                  </a:solidFill>
+                  <a:effectLst>
+                    <a:outerShdw blurRad="38100" dist="38100" dir="2700000" algn="tl">
+                      <a:srgbClr val="000000">
+                        <a:alpha val="43137"/>
+                      </a:srgbClr>
+                    </a:outerShdw>
+                  </a:effectLst>
+                  <a:latin typeface="Arial Black" panose="020B0A04020102020204" pitchFamily="34" charset="0"/>
+                </a:rPr>
+                <a:t>OF INVOICE </a:t>
+              </a:r>
+              <a:r>
+                <a:rPr lang="en-US" sz="2400" dirty="0" smtClean="0">
+                  <a:solidFill>
+                    <a:schemeClr val="bg1"/>
+                  </a:solidFill>
+                  <a:effectLst>
+                    <a:outerShdw blurRad="38100" dist="38100" dir="2700000" algn="tl">
+                      <a:srgbClr val="000000">
+                        <a:alpha val="43137"/>
+                      </a:srgbClr>
+                    </a:outerShdw>
+                  </a:effectLst>
+                  <a:latin typeface="Arial Black" panose="020B0A04020102020204" pitchFamily="34" charset="0"/>
+                </a:rPr>
+                <a:t>REF</a:t>
               </a:r>
             </a:p>
             <a:p>
-              <a:pPr algn="ctr"/>
-              <a:endParaRPr lang="en-US" sz="2800" dirty="0" smtClean="0">
+              <a:pPr marL="514350" indent="-514350">
+                <a:lnSpc>
+                  <a:spcPct val="150000"/>
+                </a:lnSpc>
+                <a:buFont typeface="+mj-lt"/>
+                <a:buAutoNum type="arabicPeriod" startAt="13"/>
+              </a:pPr>
+              <a:endParaRPr lang="en-US" sz="2400" dirty="0" smtClean="0">
                 <a:solidFill>
                   <a:schemeClr val="bg1"/>
                 </a:solidFill>
@@ -4063,9 +4751,15 @@
               </a:endParaRPr>
             </a:p>
             <a:p>
-              <a:pPr algn="ctr"/>
+              <a:pPr marL="514350" indent="-514350">
+                <a:lnSpc>
+                  <a:spcPct val="150000"/>
+                </a:lnSpc>
+                <a:buFont typeface="+mj-lt"/>
+                <a:buAutoNum type="arabicPeriod" startAt="13"/>
+              </a:pPr>
               <a:r>
-                <a:rPr lang="en-US" sz="2800" dirty="0" smtClean="0">
+                <a:rPr lang="en-US" sz="2400" dirty="0">
                   <a:solidFill>
                     <a:schemeClr val="bg1"/>
                   </a:solidFill>
@@ -4078,12 +4772,34 @@
                   </a:effectLst>
                   <a:latin typeface="Arial Black" panose="020B0A04020102020204" pitchFamily="34" charset="0"/>
                 </a:rPr>
-                <a:t>NAME OF INSTALLER 2</a:t>
+                <a:t> </a:t>
+              </a:r>
+              <a:r>
+                <a:rPr lang="en-US" sz="2400" dirty="0" smtClean="0">
+                  <a:solidFill>
+                    <a:schemeClr val="bg1"/>
+                  </a:solidFill>
+                  <a:effectLst>
+                    <a:outerShdw blurRad="38100" dist="38100" dir="2700000" algn="tl">
+                      <a:srgbClr val="000000">
+                        <a:alpha val="43137"/>
+                      </a:srgbClr>
+                    </a:outerShdw>
+                  </a:effectLst>
+                  <a:latin typeface="Arial Black" panose="020B0A04020102020204" pitchFamily="34" charset="0"/>
+                </a:rPr>
+                <a:t>POST BILLED = Y    (TO12) = N</a:t>
               </a:r>
             </a:p>
             <a:p>
-              <a:pPr algn="ctr"/>
-              <a:endParaRPr lang="en-US" sz="2800" dirty="0" smtClean="0">
+              <a:pPr marL="514350" indent="-514350">
+                <a:lnSpc>
+                  <a:spcPct val="150000"/>
+                </a:lnSpc>
+                <a:buFont typeface="+mj-lt"/>
+                <a:buAutoNum type="arabicPeriod" startAt="13"/>
+              </a:pPr>
+              <a:endParaRPr lang="en-US" sz="2400" dirty="0" smtClean="0">
                 <a:solidFill>
                   <a:schemeClr val="bg1"/>
                 </a:solidFill>
@@ -4098,9 +4814,15 @@
               </a:endParaRPr>
             </a:p>
             <a:p>
-              <a:pPr algn="ctr"/>
+              <a:pPr marL="514350" indent="-514350">
+                <a:lnSpc>
+                  <a:spcPct val="150000"/>
+                </a:lnSpc>
+                <a:buFont typeface="+mj-lt"/>
+                <a:buAutoNum type="arabicPeriod" startAt="13"/>
+              </a:pPr>
               <a:r>
-                <a:rPr lang="en-US" sz="2800" dirty="0" smtClean="0">
+                <a:rPr lang="en-US" sz="2400" dirty="0" smtClean="0">
                   <a:solidFill>
                     <a:schemeClr val="bg1"/>
                   </a:solidFill>
@@ -4113,12 +4835,132 @@
                   </a:effectLst>
                   <a:latin typeface="Arial Black" panose="020B0A04020102020204" pitchFamily="34" charset="0"/>
                 </a:rPr>
-                <a:t>NAME OF INSTALLER 3</a:t>
+                <a:t> ICD STAFF</a:t>
               </a:r>
             </a:p>
             <a:p>
-              <a:pPr algn="ctr"/>
-              <a:endParaRPr lang="en-US" sz="2800" dirty="0">
+              <a:pPr marL="514350" indent="-514350">
+                <a:lnSpc>
+                  <a:spcPct val="150000"/>
+                </a:lnSpc>
+                <a:buFont typeface="+mj-lt"/>
+                <a:buAutoNum type="arabicPeriod" startAt="13"/>
+              </a:pPr>
+              <a:endParaRPr lang="en-US" sz="2400" dirty="0" smtClean="0">
+                <a:solidFill>
+                  <a:schemeClr val="bg1"/>
+                </a:solidFill>
+                <a:effectLst>
+                  <a:outerShdw blurRad="38100" dist="38100" dir="2700000" algn="tl">
+                    <a:srgbClr val="000000">
+                      <a:alpha val="43137"/>
+                    </a:srgbClr>
+                  </a:outerShdw>
+                </a:effectLst>
+                <a:latin typeface="Arial Black" panose="020B0A04020102020204" pitchFamily="34" charset="0"/>
+              </a:endParaRPr>
+            </a:p>
+            <a:p>
+              <a:pPr marL="514350" indent="-514350">
+                <a:lnSpc>
+                  <a:spcPct val="150000"/>
+                </a:lnSpc>
+                <a:buFont typeface="+mj-lt"/>
+                <a:buAutoNum type="arabicPeriod" startAt="13"/>
+              </a:pPr>
+              <a:r>
+                <a:rPr lang="en-US" sz="2400" dirty="0">
+                  <a:solidFill>
+                    <a:schemeClr val="bg1"/>
+                  </a:solidFill>
+                  <a:effectLst>
+                    <a:outerShdw blurRad="38100" dist="38100" dir="2700000" algn="tl">
+                      <a:srgbClr val="000000">
+                        <a:alpha val="43137"/>
+                      </a:srgbClr>
+                    </a:outerShdw>
+                  </a:effectLst>
+                  <a:latin typeface="Arial Black" panose="020B0A04020102020204" pitchFamily="34" charset="0"/>
+                </a:rPr>
+                <a:t> </a:t>
+              </a:r>
+              <a:r>
+                <a:rPr lang="en-US" sz="2400" dirty="0" smtClean="0">
+                  <a:solidFill>
+                    <a:schemeClr val="bg1"/>
+                  </a:solidFill>
+                  <a:effectLst>
+                    <a:outerShdw blurRad="38100" dist="38100" dir="2700000" algn="tl">
+                      <a:srgbClr val="000000">
+                        <a:alpha val="43137"/>
+                      </a:srgbClr>
+                    </a:outerShdw>
+                  </a:effectLst>
+                  <a:latin typeface="Arial Black" panose="020B0A04020102020204" pitchFamily="34" charset="0"/>
+                </a:rPr>
+                <a:t>CC MANAGER = VMG INVOICE</a:t>
+              </a:r>
+              <a:endParaRPr lang="en-US" sz="2400" dirty="0">
+                <a:solidFill>
+                  <a:schemeClr val="bg1"/>
+                </a:solidFill>
+                <a:effectLst>
+                  <a:outerShdw blurRad="38100" dist="38100" dir="2700000" algn="tl">
+                    <a:srgbClr val="000000">
+                      <a:alpha val="43137"/>
+                    </a:srgbClr>
+                  </a:outerShdw>
+                </a:effectLst>
+                <a:latin typeface="Arial Black" panose="020B0A04020102020204" pitchFamily="34" charset="0"/>
+              </a:endParaRPr>
+            </a:p>
+            <a:p>
+              <a:pPr lvl="1">
+                <a:lnSpc>
+                  <a:spcPct val="150000"/>
+                </a:lnSpc>
+              </a:pPr>
+              <a:endParaRPr lang="en-US" sz="2400" dirty="0">
+                <a:solidFill>
+                  <a:schemeClr val="bg1"/>
+                </a:solidFill>
+                <a:effectLst>
+                  <a:outerShdw blurRad="38100" dist="38100" dir="2700000" algn="tl">
+                    <a:srgbClr val="000000">
+                      <a:alpha val="43137"/>
+                    </a:srgbClr>
+                  </a:outerShdw>
+                </a:effectLst>
+                <a:latin typeface="Arial Black" panose="020B0A04020102020204" pitchFamily="34" charset="0"/>
+              </a:endParaRPr>
+            </a:p>
+            <a:p>
+              <a:pPr lvl="1">
+                <a:lnSpc>
+                  <a:spcPct val="150000"/>
+                </a:lnSpc>
+              </a:pPr>
+              <a:endParaRPr lang="en-US" sz="2400" dirty="0" smtClean="0">
+                <a:solidFill>
+                  <a:schemeClr val="bg1"/>
+                </a:solidFill>
+                <a:effectLst>
+                  <a:outerShdw blurRad="38100" dist="38100" dir="2700000" algn="tl">
+                    <a:srgbClr val="000000">
+                      <a:alpha val="43137"/>
+                    </a:srgbClr>
+                  </a:outerShdw>
+                </a:effectLst>
+                <a:latin typeface="Arial Black" panose="020B0A04020102020204" pitchFamily="34" charset="0"/>
+              </a:endParaRPr>
+            </a:p>
+            <a:p>
+              <a:pPr lvl="1">
+                <a:lnSpc>
+                  <a:spcPct val="150000"/>
+                </a:lnSpc>
+              </a:pPr>
+              <a:endParaRPr lang="en-US" sz="2400" dirty="0">
                 <a:solidFill>
                   <a:schemeClr val="bg1"/>
                 </a:solidFill>
@@ -4319,8 +5161,8 @@
           </p:nvSpPr>
           <p:spPr>
             <a:xfrm>
-              <a:off x="-326173" y="1512724"/>
-              <a:ext cx="6435539" cy="1077218"/>
+              <a:off x="-63231" y="331969"/>
+              <a:ext cx="6435539" cy="4282198"/>
             </a:xfrm>
             <a:prstGeom prst="rect">
               <a:avLst/>
@@ -4333,9 +5175,15 @@
             </a:bodyPr>
             <a:lstStyle/>
             <a:p>
-              <a:pPr algn="ctr"/>
+              <a:pPr marL="514350" indent="-514350">
+                <a:lnSpc>
+                  <a:spcPct val="150000"/>
+                </a:lnSpc>
+                <a:buFont typeface="+mj-lt"/>
+                <a:buAutoNum type="arabicPeriod" startAt="17"/>
+              </a:pPr>
               <a:r>
-                <a:rPr lang="en-US" sz="3200" dirty="0" smtClean="0">
+                <a:rPr lang="en-US" sz="2400" dirty="0" smtClean="0">
                   <a:solidFill>
                     <a:schemeClr val="bg1"/>
                   </a:solidFill>
@@ -4348,9 +5196,114 @@
                   </a:effectLst>
                   <a:latin typeface="Arial Black" panose="020B0A04020102020204" pitchFamily="34" charset="0"/>
                 </a:rPr>
-                <a:t>STATUS OF INVOICE (BLANK)</a:t>
+                <a:t> MANUAL DOC SERIES = (MANUAKL INVOICE)</a:t>
               </a:r>
-              <a:endParaRPr lang="en-US" sz="3200" dirty="0">
+            </a:p>
+            <a:p>
+              <a:pPr marL="514350" indent="-514350">
+                <a:lnSpc>
+                  <a:spcPct val="150000"/>
+                </a:lnSpc>
+                <a:buFont typeface="+mj-lt"/>
+                <a:buAutoNum type="arabicPeriod" startAt="17"/>
+              </a:pPr>
+              <a:endParaRPr lang="en-US" sz="2400" dirty="0" smtClean="0">
+                <a:solidFill>
+                  <a:schemeClr val="bg1"/>
+                </a:solidFill>
+                <a:effectLst>
+                  <a:outerShdw blurRad="38100" dist="38100" dir="2700000" algn="tl">
+                    <a:srgbClr val="000000">
+                      <a:alpha val="43137"/>
+                    </a:srgbClr>
+                  </a:outerShdw>
+                </a:effectLst>
+                <a:latin typeface="Arial Black" panose="020B0A04020102020204" pitchFamily="34" charset="0"/>
+              </a:endParaRPr>
+            </a:p>
+            <a:p>
+              <a:pPr marL="514350" indent="-514350">
+                <a:lnSpc>
+                  <a:spcPct val="150000"/>
+                </a:lnSpc>
+                <a:buFont typeface="+mj-lt"/>
+                <a:buAutoNum type="arabicPeriod" startAt="17"/>
+              </a:pPr>
+              <a:r>
+                <a:rPr lang="en-US" sz="2400" dirty="0" smtClean="0">
+                  <a:solidFill>
+                    <a:schemeClr val="bg1"/>
+                  </a:solidFill>
+                  <a:effectLst>
+                    <a:outerShdw blurRad="38100" dist="38100" dir="2700000" algn="tl">
+                      <a:srgbClr val="000000">
+                        <a:alpha val="43137"/>
+                      </a:srgbClr>
+                    </a:outerShdw>
+                  </a:effectLst>
+                  <a:latin typeface="Arial Black" panose="020B0A04020102020204" pitchFamily="34" charset="0"/>
+                </a:rPr>
+                <a:t>CUSTOMER REF NUMBER (HEADER) = (MANUAL INVOICE)</a:t>
+              </a:r>
+              <a:endParaRPr lang="en-US" sz="2400" dirty="0">
+                <a:solidFill>
+                  <a:schemeClr val="bg1"/>
+                </a:solidFill>
+                <a:effectLst>
+                  <a:outerShdw blurRad="38100" dist="38100" dir="2700000" algn="tl">
+                    <a:srgbClr val="000000">
+                      <a:alpha val="43137"/>
+                    </a:srgbClr>
+                  </a:outerShdw>
+                </a:effectLst>
+                <a:latin typeface="Arial Black" panose="020B0A04020102020204" pitchFamily="34" charset="0"/>
+              </a:endParaRPr>
+            </a:p>
+            <a:p>
+              <a:pPr marL="514350" indent="-514350">
+                <a:lnSpc>
+                  <a:spcPct val="150000"/>
+                </a:lnSpc>
+                <a:buFont typeface="+mj-lt"/>
+                <a:buAutoNum type="arabicPeriod" startAt="17"/>
+              </a:pPr>
+              <a:endParaRPr lang="en-US" sz="2400" dirty="0">
+                <a:solidFill>
+                  <a:schemeClr val="bg1"/>
+                </a:solidFill>
+                <a:effectLst>
+                  <a:outerShdw blurRad="38100" dist="38100" dir="2700000" algn="tl">
+                    <a:srgbClr val="000000">
+                      <a:alpha val="43137"/>
+                    </a:srgbClr>
+                  </a:outerShdw>
+                </a:effectLst>
+                <a:latin typeface="Arial Black" panose="020B0A04020102020204" pitchFamily="34" charset="0"/>
+              </a:endParaRPr>
+            </a:p>
+            <a:p>
+              <a:pPr lvl="1"/>
+              <a:endParaRPr lang="en-US" sz="2400" dirty="0">
+                <a:solidFill>
+                  <a:schemeClr val="bg1"/>
+                </a:solidFill>
+                <a:effectLst>
+                  <a:outerShdw blurRad="38100" dist="38100" dir="2700000" algn="tl">
+                    <a:srgbClr val="000000">
+                      <a:alpha val="43137"/>
+                    </a:srgbClr>
+                  </a:outerShdw>
+                </a:effectLst>
+                <a:latin typeface="Arial Black" panose="020B0A04020102020204" pitchFamily="34" charset="0"/>
+              </a:endParaRPr>
+            </a:p>
+            <a:p>
+              <a:pPr lvl="1">
+                <a:lnSpc>
+                  <a:spcPct val="150000"/>
+                </a:lnSpc>
+              </a:pPr>
+              <a:endParaRPr lang="en-US" sz="2400" dirty="0">
                 <a:solidFill>
                   <a:schemeClr val="bg1"/>
                 </a:solidFill>
@@ -4486,7 +5439,7 @@
                                     <p:cond delay="0"/>
                                   </p:stCondLst>
                                   <p:childTnLst>
-                                    <p:animMotion origin="layout" path="M 4.58333E-6 0 L 0.48398 -0.00394 " pathEditMode="relative" rAng="0" ptsTypes="AA">
+                                    <p:animMotion origin="layout" path="M 4.58333E-6 3.7037E-7 L 0.48398 -0.00394 " pathEditMode="relative" rAng="0" ptsTypes="AA">
                                       <p:cBhvr>
                                         <p:cTn id="14" dur="2000" fill="hold"/>
                                         <p:tgtEl>
@@ -4526,7 +5479,7 @@
                                     <p:cond delay="0"/>
                                   </p:stCondLst>
                                   <p:childTnLst>
-                                    <p:animMotion origin="layout" path="M 1.25E-6 -3.7037E-7 L 0.48893 0.00162 " pathEditMode="relative" rAng="0" ptsTypes="AA">
+                                    <p:animMotion origin="layout" path="M 1.25E-6 -2.22222E-6 L 0.48893 0.00162 " pathEditMode="relative" rAng="0" ptsTypes="AA">
                                       <p:cBhvr>
                                         <p:cTn id="18" dur="2000" fill="hold"/>
                                         <p:tgtEl>
@@ -4566,7 +5519,7 @@
                                     <p:cond delay="0"/>
                                   </p:stCondLst>
                                   <p:childTnLst>
-                                    <p:animMotion origin="layout" path="M -2.08333E-6 7.40741E-7 L 0.49779 -0.00695 " pathEditMode="relative" rAng="0" ptsTypes="AA">
+                                    <p:animMotion origin="layout" path="M -1.25E-6 7.40741E-7 L 0.49779 -0.00695 " pathEditMode="relative" rAng="0" ptsTypes="AA">
                                       <p:cBhvr>
                                         <p:cTn id="22" dur="2000" fill="hold"/>
                                         <p:tgtEl>
@@ -4638,4203 +5591,6 @@
           <a:chExt cx="0" cy="0"/>
         </a:xfrm>
       </p:grpSpPr>
-      <p:grpSp>
-        <p:nvGrpSpPr>
-          <p:cNvPr id="41" name="Group 40"/>
-          <p:cNvGrpSpPr/>
-          <p:nvPr/>
-        </p:nvGrpSpPr>
-        <p:grpSpPr>
-          <a:xfrm>
-            <a:off x="-5311594" y="0"/>
-            <a:ext cx="11368379" cy="6858000"/>
-            <a:chOff x="392517" y="10554"/>
-            <a:chExt cx="11368379" cy="6858000"/>
-          </a:xfrm>
-        </p:grpSpPr>
-        <p:grpSp>
-          <p:nvGrpSpPr>
-            <p:cNvPr id="39" name="Group 38"/>
-            <p:cNvGrpSpPr/>
-            <p:nvPr/>
-          </p:nvGrpSpPr>
-          <p:grpSpPr>
-            <a:xfrm>
-              <a:off x="392517" y="10554"/>
-              <a:ext cx="11368379" cy="6858000"/>
-              <a:chOff x="-5506534" y="0"/>
-              <a:chExt cx="11368379" cy="6858000"/>
-            </a:xfrm>
-          </p:grpSpPr>
-          <p:grpSp>
-            <p:nvGrpSpPr>
-              <p:cNvPr id="17" name="Group 16"/>
-              <p:cNvGrpSpPr/>
-              <p:nvPr/>
-            </p:nvGrpSpPr>
-            <p:grpSpPr>
-              <a:xfrm>
-                <a:off x="-5506534" y="0"/>
-                <a:ext cx="11366695" cy="6858000"/>
-                <a:chOff x="0" y="0"/>
-                <a:chExt cx="11366695" cy="6858000"/>
-              </a:xfrm>
-              <a:effectLst>
-                <a:outerShdw blurRad="50800" dist="38100" sx="60000" sy="60000" algn="l" rotWithShape="0">
-                  <a:prstClr val="black">
-                    <a:alpha val="60000"/>
-                  </a:prstClr>
-                </a:outerShdw>
-              </a:effectLst>
-            </p:grpSpPr>
-            <p:sp>
-              <p:nvSpPr>
-                <p:cNvPr id="15" name="Rectangle 14"/>
-                <p:cNvSpPr/>
-                <p:nvPr/>
-              </p:nvSpPr>
-              <p:spPr>
-                <a:xfrm>
-                  <a:off x="0" y="0"/>
-                  <a:ext cx="10635175" cy="6858000"/>
-                </a:xfrm>
-                <a:prstGeom prst="rect">
-                  <a:avLst/>
-                </a:prstGeom>
-                <a:solidFill>
-                  <a:srgbClr val="F4B54B"/>
-                </a:solidFill>
-                <a:ln>
-                  <a:noFill/>
-                </a:ln>
-                <a:effectLst>
-                  <a:outerShdw blurRad="50800" dist="38100" algn="l" rotWithShape="0">
-                    <a:prstClr val="black">
-                      <a:alpha val="40000"/>
-                    </a:prstClr>
-                  </a:outerShdw>
-                </a:effectLst>
-              </p:spPr>
-              <p:style>
-                <a:lnRef idx="2">
-                  <a:schemeClr val="accent1">
-                    <a:shade val="50000"/>
-                  </a:schemeClr>
-                </a:lnRef>
-                <a:fillRef idx="1">
-                  <a:schemeClr val="accent1"/>
-                </a:fillRef>
-                <a:effectRef idx="0">
-                  <a:schemeClr val="accent1"/>
-                </a:effectRef>
-                <a:fontRef idx="minor">
-                  <a:schemeClr val="lt1"/>
-                </a:fontRef>
-              </p:style>
-              <p:txBody>
-                <a:bodyPr rtlCol="0" anchor="ctr"/>
-                <a:lstStyle/>
-                <a:p>
-                  <a:pPr algn="ctr"/>
-                  <a:endParaRPr lang="en-US"/>
-                </a:p>
-              </p:txBody>
-            </p:sp>
-            <p:sp>
-              <p:nvSpPr>
-                <p:cNvPr id="16" name="Round Same Side Corner Rectangle 15"/>
-                <p:cNvSpPr/>
-                <p:nvPr/>
-              </p:nvSpPr>
-              <p:spPr>
-                <a:xfrm rot="5400000">
-                  <a:off x="10600006" y="5479368"/>
-                  <a:ext cx="801858" cy="731520"/>
-                </a:xfrm>
-                <a:prstGeom prst="round2SameRect">
-                  <a:avLst/>
-                </a:prstGeom>
-                <a:solidFill>
-                  <a:srgbClr val="F4B54B"/>
-                </a:solidFill>
-                <a:ln>
-                  <a:noFill/>
-                </a:ln>
-                <a:effectLst>
-                  <a:outerShdw blurRad="50800" dist="38100" algn="l" rotWithShape="0">
-                    <a:prstClr val="black">
-                      <a:alpha val="40000"/>
-                    </a:prstClr>
-                  </a:outerShdw>
-                </a:effectLst>
-              </p:spPr>
-              <p:style>
-                <a:lnRef idx="2">
-                  <a:schemeClr val="accent1">
-                    <a:shade val="50000"/>
-                  </a:schemeClr>
-                </a:lnRef>
-                <a:fillRef idx="1">
-                  <a:schemeClr val="accent1"/>
-                </a:fillRef>
-                <a:effectRef idx="0">
-                  <a:schemeClr val="accent1"/>
-                </a:effectRef>
-                <a:fontRef idx="minor">
-                  <a:schemeClr val="lt1"/>
-                </a:fontRef>
-              </p:style>
-              <p:txBody>
-                <a:bodyPr rtlCol="0" anchor="ctr"/>
-                <a:lstStyle/>
-                <a:p>
-                  <a:pPr algn="ctr"/>
-                  <a:endParaRPr lang="en-US" dirty="0"/>
-                </a:p>
-              </p:txBody>
-            </p:sp>
-          </p:grpSp>
-          <p:sp>
-            <p:nvSpPr>
-              <p:cNvPr id="32" name="TextBox 31"/>
-              <p:cNvSpPr txBox="1"/>
-              <p:nvPr/>
-            </p:nvSpPr>
-            <p:spPr>
-              <a:xfrm>
-                <a:off x="5130325" y="5458713"/>
-                <a:ext cx="731520" cy="769441"/>
-              </a:xfrm>
-              <a:prstGeom prst="rect">
-                <a:avLst/>
-              </a:prstGeom>
-              <a:noFill/>
-            </p:spPr>
-            <p:txBody>
-              <a:bodyPr wrap="square" rtlCol="0">
-                <a:spAutoFit/>
-              </a:bodyPr>
-              <a:lstStyle/>
-              <a:p>
-                <a:pPr algn="ctr"/>
-                <a:r>
-                  <a:rPr lang="en-US" sz="4400" dirty="0">
-                    <a:solidFill>
-                      <a:schemeClr val="bg1"/>
-                    </a:solidFill>
-                    <a:latin typeface="Arial Black" panose="020B0A04020102020204" pitchFamily="34" charset="0"/>
-                  </a:rPr>
-                  <a:t>6</a:t>
-                </a:r>
-              </a:p>
-            </p:txBody>
-          </p:sp>
-        </p:grpSp>
-        <p:sp>
-          <p:nvSpPr>
-            <p:cNvPr id="40" name="TextBox 39"/>
-            <p:cNvSpPr txBox="1"/>
-            <p:nvPr/>
-          </p:nvSpPr>
-          <p:spPr>
-            <a:xfrm>
-              <a:off x="3867866" y="1529377"/>
-              <a:ext cx="7083082" cy="1938992"/>
-            </a:xfrm>
-            <a:prstGeom prst="rect">
-              <a:avLst/>
-            </a:prstGeom>
-            <a:noFill/>
-          </p:spPr>
-          <p:txBody>
-            <a:bodyPr wrap="square" rtlCol="0">
-              <a:spAutoFit/>
-            </a:bodyPr>
-            <a:lstStyle/>
-            <a:p>
-              <a:pPr algn="ctr"/>
-              <a:r>
-                <a:rPr lang="en-US" sz="4000" dirty="0" smtClean="0">
-                  <a:solidFill>
-                    <a:schemeClr val="bg1"/>
-                  </a:solidFill>
-                  <a:effectLst>
-                    <a:outerShdw blurRad="38100" dist="38100" dir="2700000" algn="tl">
-                      <a:srgbClr val="000000">
-                        <a:alpha val="43137"/>
-                      </a:srgbClr>
-                    </a:outerShdw>
-                  </a:effectLst>
-                  <a:latin typeface="Arial Black" panose="020B0A04020102020204" pitchFamily="34" charset="0"/>
-                </a:rPr>
-                <a:t>FOR TAKE OUT</a:t>
-              </a:r>
-            </a:p>
-            <a:p>
-              <a:pPr algn="ctr"/>
-              <a:r>
-                <a:rPr lang="en-US" sz="4000" dirty="0">
-                  <a:solidFill>
-                    <a:schemeClr val="bg1"/>
-                  </a:solidFill>
-                  <a:effectLst>
-                    <a:outerShdw blurRad="38100" dist="38100" dir="2700000" algn="tl">
-                      <a:srgbClr val="000000">
-                        <a:alpha val="43137"/>
-                      </a:srgbClr>
-                    </a:outerShdw>
-                  </a:effectLst>
-                  <a:latin typeface="Arial Black" panose="020B0A04020102020204" pitchFamily="34" charset="0"/>
-                </a:rPr>
-                <a:t>↓</a:t>
-              </a:r>
-            </a:p>
-            <a:p>
-              <a:pPr algn="ctr"/>
-              <a:r>
-                <a:rPr lang="en-US" sz="4000" dirty="0" smtClean="0">
-                  <a:solidFill>
-                    <a:schemeClr val="bg1"/>
-                  </a:solidFill>
-                  <a:effectLst>
-                    <a:outerShdw blurRad="38100" dist="38100" dir="2700000" algn="tl">
-                      <a:srgbClr val="000000">
-                        <a:alpha val="43137"/>
-                      </a:srgbClr>
-                    </a:outerShdw>
-                  </a:effectLst>
-                  <a:latin typeface="Arial Black" panose="020B0A04020102020204" pitchFamily="34" charset="0"/>
-                </a:rPr>
-                <a:t>YES / NO </a:t>
-              </a:r>
-              <a:endParaRPr lang="en-US" sz="4000" dirty="0">
-                <a:solidFill>
-                  <a:schemeClr val="bg1"/>
-                </a:solidFill>
-                <a:effectLst>
-                  <a:outerShdw blurRad="38100" dist="38100" dir="2700000" algn="tl">
-                    <a:srgbClr val="000000">
-                      <a:alpha val="43137"/>
-                    </a:srgbClr>
-                  </a:outerShdw>
-                </a:effectLst>
-                <a:latin typeface="Arial Black" panose="020B0A04020102020204" pitchFamily="34" charset="0"/>
-              </a:endParaRPr>
-            </a:p>
-          </p:txBody>
-        </p:sp>
-      </p:grpSp>
-      <p:grpSp>
-        <p:nvGrpSpPr>
-          <p:cNvPr id="44" name="Group 43"/>
-          <p:cNvGrpSpPr/>
-          <p:nvPr/>
-        </p:nvGrpSpPr>
-        <p:grpSpPr>
-          <a:xfrm>
-            <a:off x="-6429304" y="0"/>
-            <a:ext cx="11366695" cy="6858000"/>
-            <a:chOff x="-725193" y="10554"/>
-            <a:chExt cx="11366695" cy="6858000"/>
-          </a:xfrm>
-        </p:grpSpPr>
-        <p:grpSp>
-          <p:nvGrpSpPr>
-            <p:cNvPr id="18" name="Group 17"/>
-            <p:cNvGrpSpPr/>
-            <p:nvPr/>
-          </p:nvGrpSpPr>
-          <p:grpSpPr>
-            <a:xfrm>
-              <a:off x="-725193" y="10554"/>
-              <a:ext cx="11366695" cy="6858000"/>
-              <a:chOff x="0" y="0"/>
-              <a:chExt cx="11366695" cy="6858000"/>
-            </a:xfrm>
-            <a:effectLst>
-              <a:outerShdw blurRad="50800" dist="38100" sx="60000" sy="60000" algn="l" rotWithShape="0">
-                <a:prstClr val="black">
-                  <a:alpha val="60000"/>
-                </a:prstClr>
-              </a:outerShdw>
-            </a:effectLst>
-          </p:grpSpPr>
-          <p:sp>
-            <p:nvSpPr>
-              <p:cNvPr id="19" name="Rectangle 18"/>
-              <p:cNvSpPr/>
-              <p:nvPr/>
-            </p:nvSpPr>
-            <p:spPr>
-              <a:xfrm>
-                <a:off x="0" y="0"/>
-                <a:ext cx="10635175" cy="6858000"/>
-              </a:xfrm>
-              <a:prstGeom prst="rect">
-                <a:avLst/>
-              </a:prstGeom>
-              <a:solidFill>
-                <a:srgbClr val="A2C84E"/>
-              </a:solidFill>
-              <a:ln>
-                <a:noFill/>
-              </a:ln>
-              <a:effectLst>
-                <a:outerShdw blurRad="50800" dist="38100" algn="l" rotWithShape="0">
-                  <a:prstClr val="black">
-                    <a:alpha val="40000"/>
-                  </a:prstClr>
-                </a:outerShdw>
-              </a:effectLst>
-            </p:spPr>
-            <p:style>
-              <a:lnRef idx="2">
-                <a:schemeClr val="accent1">
-                  <a:shade val="50000"/>
-                </a:schemeClr>
-              </a:lnRef>
-              <a:fillRef idx="1">
-                <a:schemeClr val="accent1"/>
-              </a:fillRef>
-              <a:effectRef idx="0">
-                <a:schemeClr val="accent1"/>
-              </a:effectRef>
-              <a:fontRef idx="minor">
-                <a:schemeClr val="lt1"/>
-              </a:fontRef>
-            </p:style>
-            <p:txBody>
-              <a:bodyPr rtlCol="0" anchor="ctr"/>
-              <a:lstStyle/>
-              <a:p>
-                <a:pPr algn="ctr"/>
-                <a:endParaRPr lang="en-US"/>
-              </a:p>
-            </p:txBody>
-          </p:sp>
-          <p:sp>
-            <p:nvSpPr>
-              <p:cNvPr id="20" name="Round Same Side Corner Rectangle 19"/>
-              <p:cNvSpPr/>
-              <p:nvPr/>
-            </p:nvSpPr>
-            <p:spPr>
-              <a:xfrm rot="5400000">
-                <a:off x="10600006" y="4677510"/>
-                <a:ext cx="801858" cy="731520"/>
-              </a:xfrm>
-              <a:prstGeom prst="round2SameRect">
-                <a:avLst/>
-              </a:prstGeom>
-              <a:solidFill>
-                <a:srgbClr val="A2C84E"/>
-              </a:solidFill>
-              <a:ln>
-                <a:noFill/>
-              </a:ln>
-              <a:effectLst>
-                <a:outerShdw blurRad="50800" dist="38100" algn="l" rotWithShape="0">
-                  <a:prstClr val="black">
-                    <a:alpha val="40000"/>
-                  </a:prstClr>
-                </a:outerShdw>
-              </a:effectLst>
-            </p:spPr>
-            <p:style>
-              <a:lnRef idx="2">
-                <a:schemeClr val="accent1">
-                  <a:shade val="50000"/>
-                </a:schemeClr>
-              </a:lnRef>
-              <a:fillRef idx="1">
-                <a:schemeClr val="accent1"/>
-              </a:fillRef>
-              <a:effectRef idx="0">
-                <a:schemeClr val="accent1"/>
-              </a:effectRef>
-              <a:fontRef idx="minor">
-                <a:schemeClr val="lt1"/>
-              </a:fontRef>
-            </p:style>
-            <p:txBody>
-              <a:bodyPr rtlCol="0" anchor="ctr"/>
-              <a:lstStyle/>
-              <a:p>
-                <a:pPr algn="ctr"/>
-                <a:endParaRPr lang="en-US"/>
-              </a:p>
-            </p:txBody>
-          </p:sp>
-        </p:grpSp>
-        <p:sp>
-          <p:nvSpPr>
-            <p:cNvPr id="33" name="TextBox 32"/>
-            <p:cNvSpPr txBox="1"/>
-            <p:nvPr/>
-          </p:nvSpPr>
-          <p:spPr>
-            <a:xfrm>
-              <a:off x="9897152" y="4669103"/>
-              <a:ext cx="731520" cy="769441"/>
-            </a:xfrm>
-            <a:prstGeom prst="rect">
-              <a:avLst/>
-            </a:prstGeom>
-            <a:noFill/>
-          </p:spPr>
-          <p:txBody>
-            <a:bodyPr wrap="square" rtlCol="0">
-              <a:spAutoFit/>
-            </a:bodyPr>
-            <a:lstStyle/>
-            <a:p>
-              <a:pPr algn="ctr"/>
-              <a:r>
-                <a:rPr lang="en-US" sz="4400" dirty="0" smtClean="0">
-                  <a:solidFill>
-                    <a:schemeClr val="bg1"/>
-                  </a:solidFill>
-                  <a:latin typeface="Arial Black" panose="020B0A04020102020204" pitchFamily="34" charset="0"/>
-                </a:rPr>
-                <a:t>7</a:t>
-              </a:r>
-              <a:endParaRPr lang="en-US" sz="4400" dirty="0">
-                <a:solidFill>
-                  <a:schemeClr val="bg1"/>
-                </a:solidFill>
-                <a:latin typeface="Arial Black" panose="020B0A04020102020204" pitchFamily="34" charset="0"/>
-              </a:endParaRPr>
-            </a:p>
-          </p:txBody>
-        </p:sp>
-        <p:sp>
-          <p:nvSpPr>
-            <p:cNvPr id="42" name="TextBox 41"/>
-            <p:cNvSpPr txBox="1"/>
-            <p:nvPr/>
-          </p:nvSpPr>
-          <p:spPr>
-            <a:xfrm>
-              <a:off x="2826900" y="2213289"/>
-              <a:ext cx="6417883" cy="1077218"/>
-            </a:xfrm>
-            <a:prstGeom prst="rect">
-              <a:avLst/>
-            </a:prstGeom>
-            <a:noFill/>
-          </p:spPr>
-          <p:txBody>
-            <a:bodyPr wrap="square" rtlCol="0">
-              <a:spAutoFit/>
-            </a:bodyPr>
-            <a:lstStyle/>
-            <a:p>
-              <a:pPr algn="ctr"/>
-              <a:r>
-                <a:rPr lang="en-US" sz="3200" dirty="0" smtClean="0">
-                  <a:solidFill>
-                    <a:schemeClr val="bg1"/>
-                  </a:solidFill>
-                  <a:effectLst>
-                    <a:outerShdw blurRad="38100" dist="38100" dir="2700000" algn="tl">
-                      <a:srgbClr val="000000">
-                        <a:alpha val="43137"/>
-                      </a:srgbClr>
-                    </a:outerShdw>
-                  </a:effectLst>
-                  <a:latin typeface="Arial Black" panose="020B0A04020102020204" pitchFamily="34" charset="0"/>
-                </a:rPr>
-                <a:t>OWNER = PERSON WHO TRANSACTED SO/AR</a:t>
-              </a:r>
-              <a:endParaRPr lang="en-US" sz="3200" dirty="0">
-                <a:solidFill>
-                  <a:schemeClr val="bg1"/>
-                </a:solidFill>
-                <a:effectLst>
-                  <a:outerShdw blurRad="38100" dist="38100" dir="2700000" algn="tl">
-                    <a:srgbClr val="000000">
-                      <a:alpha val="43137"/>
-                    </a:srgbClr>
-                  </a:outerShdw>
-                </a:effectLst>
-                <a:latin typeface="Arial Black" panose="020B0A04020102020204" pitchFamily="34" charset="0"/>
-              </a:endParaRPr>
-            </a:p>
-          </p:txBody>
-        </p:sp>
-      </p:grpSp>
-      <p:grpSp>
-        <p:nvGrpSpPr>
-          <p:cNvPr id="46" name="Group 45"/>
-          <p:cNvGrpSpPr/>
-          <p:nvPr/>
-        </p:nvGrpSpPr>
-        <p:grpSpPr>
-          <a:xfrm>
-            <a:off x="-7547014" y="28815"/>
-            <a:ext cx="11381441" cy="6858000"/>
-            <a:chOff x="-1842903" y="39369"/>
-            <a:chExt cx="11381441" cy="6858000"/>
-          </a:xfrm>
-        </p:grpSpPr>
-        <p:grpSp>
-          <p:nvGrpSpPr>
-            <p:cNvPr id="21" name="Group 20"/>
-            <p:cNvGrpSpPr/>
-            <p:nvPr/>
-          </p:nvGrpSpPr>
-          <p:grpSpPr>
-            <a:xfrm>
-              <a:off x="-1842903" y="39369"/>
-              <a:ext cx="11366695" cy="6858000"/>
-              <a:chOff x="0" y="28815"/>
-              <a:chExt cx="11366695" cy="6858000"/>
-            </a:xfrm>
-            <a:solidFill>
-              <a:srgbClr val="E7BF5F"/>
-            </a:solidFill>
-            <a:effectLst>
-              <a:outerShdw blurRad="50800" dist="38100" sx="60000" sy="60000" algn="l" rotWithShape="0">
-                <a:prstClr val="black">
-                  <a:alpha val="60000"/>
-                </a:prstClr>
-              </a:outerShdw>
-            </a:effectLst>
-          </p:grpSpPr>
-          <p:sp>
-            <p:nvSpPr>
-              <p:cNvPr id="22" name="Rectangle 21"/>
-              <p:cNvSpPr/>
-              <p:nvPr/>
-            </p:nvSpPr>
-            <p:spPr>
-              <a:xfrm>
-                <a:off x="0" y="28815"/>
-                <a:ext cx="10635175" cy="6858000"/>
-              </a:xfrm>
-              <a:prstGeom prst="rect">
-                <a:avLst/>
-              </a:prstGeom>
-              <a:solidFill>
-                <a:srgbClr val="4BC298"/>
-              </a:solidFill>
-              <a:ln>
-                <a:noFill/>
-              </a:ln>
-              <a:effectLst>
-                <a:outerShdw blurRad="50800" dist="38100" algn="l" rotWithShape="0">
-                  <a:prstClr val="black">
-                    <a:alpha val="40000"/>
-                  </a:prstClr>
-                </a:outerShdw>
-              </a:effectLst>
-            </p:spPr>
-            <p:style>
-              <a:lnRef idx="2">
-                <a:schemeClr val="accent1">
-                  <a:shade val="50000"/>
-                </a:schemeClr>
-              </a:lnRef>
-              <a:fillRef idx="1">
-                <a:schemeClr val="accent1"/>
-              </a:fillRef>
-              <a:effectRef idx="0">
-                <a:schemeClr val="accent1"/>
-              </a:effectRef>
-              <a:fontRef idx="minor">
-                <a:schemeClr val="lt1"/>
-              </a:fontRef>
-            </p:style>
-            <p:txBody>
-              <a:bodyPr rtlCol="0" anchor="ctr"/>
-              <a:lstStyle/>
-              <a:p>
-                <a:pPr algn="ctr"/>
-                <a:endParaRPr lang="en-US"/>
-              </a:p>
-            </p:txBody>
-          </p:sp>
-          <p:sp>
-            <p:nvSpPr>
-              <p:cNvPr id="23" name="Round Same Side Corner Rectangle 22"/>
-              <p:cNvSpPr/>
-              <p:nvPr/>
-            </p:nvSpPr>
-            <p:spPr>
-              <a:xfrm rot="5400000">
-                <a:off x="10600006" y="3875652"/>
-                <a:ext cx="801858" cy="731520"/>
-              </a:xfrm>
-              <a:prstGeom prst="round2SameRect">
-                <a:avLst/>
-              </a:prstGeom>
-              <a:solidFill>
-                <a:srgbClr val="4BC298"/>
-              </a:solidFill>
-              <a:ln>
-                <a:noFill/>
-              </a:ln>
-              <a:effectLst>
-                <a:outerShdw blurRad="50800" dist="38100" algn="l" rotWithShape="0">
-                  <a:prstClr val="black">
-                    <a:alpha val="40000"/>
-                  </a:prstClr>
-                </a:outerShdw>
-              </a:effectLst>
-            </p:spPr>
-            <p:style>
-              <a:lnRef idx="2">
-                <a:schemeClr val="accent1">
-                  <a:shade val="50000"/>
-                </a:schemeClr>
-              </a:lnRef>
-              <a:fillRef idx="1">
-                <a:schemeClr val="accent1"/>
-              </a:fillRef>
-              <a:effectRef idx="0">
-                <a:schemeClr val="accent1"/>
-              </a:effectRef>
-              <a:fontRef idx="minor">
-                <a:schemeClr val="lt1"/>
-              </a:fontRef>
-            </p:style>
-            <p:txBody>
-              <a:bodyPr rtlCol="0" anchor="ctr"/>
-              <a:lstStyle/>
-              <a:p>
-                <a:pPr algn="ctr"/>
-                <a:endParaRPr lang="en-US"/>
-              </a:p>
-            </p:txBody>
-          </p:sp>
-        </p:grpSp>
-        <p:sp>
-          <p:nvSpPr>
-            <p:cNvPr id="34" name="TextBox 33"/>
-            <p:cNvSpPr txBox="1"/>
-            <p:nvPr/>
-          </p:nvSpPr>
-          <p:spPr>
-            <a:xfrm>
-              <a:off x="8807018" y="3861592"/>
-              <a:ext cx="731520" cy="769441"/>
-            </a:xfrm>
-            <a:prstGeom prst="rect">
-              <a:avLst/>
-            </a:prstGeom>
-            <a:noFill/>
-          </p:spPr>
-          <p:txBody>
-            <a:bodyPr wrap="square" rtlCol="0">
-              <a:spAutoFit/>
-            </a:bodyPr>
-            <a:lstStyle/>
-            <a:p>
-              <a:pPr algn="ctr"/>
-              <a:r>
-                <a:rPr lang="en-US" sz="4400" dirty="0">
-                  <a:solidFill>
-                    <a:schemeClr val="bg1"/>
-                  </a:solidFill>
-                  <a:latin typeface="Arial Black" panose="020B0A04020102020204" pitchFamily="34" charset="0"/>
-                </a:rPr>
-                <a:t>8</a:t>
-              </a:r>
-            </a:p>
-          </p:txBody>
-        </p:sp>
-        <p:sp>
-          <p:nvSpPr>
-            <p:cNvPr id="45" name="TextBox 44"/>
-            <p:cNvSpPr txBox="1"/>
-            <p:nvPr/>
-          </p:nvSpPr>
-          <p:spPr>
-            <a:xfrm>
-              <a:off x="1912506" y="2227803"/>
-              <a:ext cx="6523068" cy="3539430"/>
-            </a:xfrm>
-            <a:prstGeom prst="rect">
-              <a:avLst/>
-            </a:prstGeom>
-            <a:noFill/>
-          </p:spPr>
-          <p:txBody>
-            <a:bodyPr wrap="square" rtlCol="0">
-              <a:spAutoFit/>
-            </a:bodyPr>
-            <a:lstStyle/>
-            <a:p>
-              <a:pPr algn="ctr"/>
-              <a:r>
-                <a:rPr lang="en-US" sz="3200" dirty="0" smtClean="0">
-                  <a:solidFill>
-                    <a:schemeClr val="bg1"/>
-                  </a:solidFill>
-                  <a:effectLst>
-                    <a:outerShdw blurRad="38100" dist="38100" dir="2700000" algn="tl">
-                      <a:srgbClr val="000000">
-                        <a:alpha val="43137"/>
-                      </a:srgbClr>
-                    </a:outerShdw>
-                  </a:effectLst>
-                  <a:latin typeface="Arial Black" panose="020B0A04020102020204" pitchFamily="34" charset="0"/>
-                </a:rPr>
-                <a:t>REMARK = REQUIRED </a:t>
-              </a:r>
-            </a:p>
-            <a:p>
-              <a:pPr algn="ctr"/>
-              <a:r>
-                <a:rPr lang="en-US" sz="3200" dirty="0" smtClean="0">
-                  <a:solidFill>
-                    <a:schemeClr val="bg1"/>
-                  </a:solidFill>
-                  <a:effectLst>
-                    <a:outerShdw blurRad="38100" dist="38100" dir="2700000" algn="tl">
-                      <a:srgbClr val="000000">
-                        <a:alpha val="43137"/>
-                      </a:srgbClr>
-                    </a:outerShdw>
-                  </a:effectLst>
-                  <a:latin typeface="Arial Black" panose="020B0A04020102020204" pitchFamily="34" charset="0"/>
-                </a:rPr>
-                <a:t>IF THE CODE</a:t>
-              </a:r>
-            </a:p>
-            <a:p>
-              <a:pPr algn="ctr"/>
-              <a:endParaRPr lang="en-US" sz="3200" dirty="0" smtClean="0">
-                <a:solidFill>
-                  <a:schemeClr val="bg1"/>
-                </a:solidFill>
-                <a:effectLst>
-                  <a:outerShdw blurRad="38100" dist="38100" dir="2700000" algn="tl">
-                    <a:srgbClr val="000000">
-                      <a:alpha val="43137"/>
-                    </a:srgbClr>
-                  </a:outerShdw>
-                </a:effectLst>
-                <a:latin typeface="Arial Black" panose="020B0A04020102020204" pitchFamily="34" charset="0"/>
-              </a:endParaRPr>
-            </a:p>
-            <a:p>
-              <a:pPr marL="514350" indent="-514350" algn="ctr">
-                <a:buFont typeface="+mj-lt"/>
-                <a:buAutoNum type="alphaUcPeriod"/>
-              </a:pPr>
-              <a:r>
-                <a:rPr lang="en-US" sz="3200" dirty="0" smtClean="0">
-                  <a:solidFill>
-                    <a:schemeClr val="bg1"/>
-                  </a:solidFill>
-                  <a:effectLst>
-                    <a:outerShdw blurRad="38100" dist="38100" dir="2700000" algn="tl">
-                      <a:srgbClr val="000000">
-                        <a:alpha val="43137"/>
-                      </a:srgbClr>
-                    </a:outerShdw>
-                  </a:effectLst>
-                  <a:latin typeface="Arial Black" panose="020B0A04020102020204" pitchFamily="34" charset="0"/>
-                </a:rPr>
-                <a:t>DSUN</a:t>
-              </a:r>
-            </a:p>
-            <a:p>
-              <a:pPr marL="514350" indent="-514350" algn="ctr">
-                <a:buFont typeface="+mj-lt"/>
-                <a:buAutoNum type="alphaUcPeriod"/>
-              </a:pPr>
-              <a:r>
-                <a:rPr lang="en-US" sz="3200" dirty="0" smtClean="0">
-                  <a:solidFill>
-                    <a:schemeClr val="bg1"/>
-                  </a:solidFill>
-                  <a:effectLst>
-                    <a:outerShdw blurRad="38100" dist="38100" dir="2700000" algn="tl">
-                      <a:srgbClr val="000000">
-                        <a:alpha val="43137"/>
-                      </a:srgbClr>
-                    </a:outerShdw>
-                  </a:effectLst>
-                  <a:latin typeface="Arial Black" panose="020B0A04020102020204" pitchFamily="34" charset="0"/>
-                </a:rPr>
-                <a:t>LAUN</a:t>
-              </a:r>
-            </a:p>
-            <a:p>
-              <a:pPr marL="514350" indent="-514350" algn="ctr">
-                <a:buFont typeface="+mj-lt"/>
-                <a:buAutoNum type="alphaUcPeriod"/>
-              </a:pPr>
-              <a:r>
-                <a:rPr lang="en-US" sz="3200" dirty="0" smtClean="0">
-                  <a:solidFill>
-                    <a:schemeClr val="bg1"/>
-                  </a:solidFill>
-                  <a:effectLst>
-                    <a:outerShdw blurRad="38100" dist="38100" dir="2700000" algn="tl">
-                      <a:srgbClr val="000000">
-                        <a:alpha val="43137"/>
-                      </a:srgbClr>
-                    </a:outerShdw>
-                  </a:effectLst>
-                  <a:latin typeface="Arial Black" panose="020B0A04020102020204" pitchFamily="34" charset="0"/>
-                </a:rPr>
-                <a:t>LAOS</a:t>
-              </a:r>
-            </a:p>
-            <a:p>
-              <a:pPr marL="514350" indent="-514350" algn="ctr">
-                <a:buFont typeface="+mj-lt"/>
-                <a:buAutoNum type="alphaUcPeriod"/>
-              </a:pPr>
-              <a:r>
-                <a:rPr lang="en-US" sz="3200" dirty="0" smtClean="0">
-                  <a:solidFill>
-                    <a:schemeClr val="bg1"/>
-                  </a:solidFill>
-                  <a:effectLst>
-                    <a:outerShdw blurRad="38100" dist="38100" dir="2700000" algn="tl">
-                      <a:srgbClr val="000000">
-                        <a:alpha val="43137"/>
-                      </a:srgbClr>
-                    </a:outerShdw>
-                  </a:effectLst>
-                  <a:latin typeface="Arial Black" panose="020B0A04020102020204" pitchFamily="34" charset="0"/>
-                </a:rPr>
-                <a:t>NOBC</a:t>
-              </a:r>
-              <a:endParaRPr lang="en-US" sz="3200" dirty="0">
-                <a:solidFill>
-                  <a:schemeClr val="bg1"/>
-                </a:solidFill>
-                <a:effectLst>
-                  <a:outerShdw blurRad="38100" dist="38100" dir="2700000" algn="tl">
-                    <a:srgbClr val="000000">
-                      <a:alpha val="43137"/>
-                    </a:srgbClr>
-                  </a:outerShdw>
-                </a:effectLst>
-                <a:latin typeface="Arial Black" panose="020B0A04020102020204" pitchFamily="34" charset="0"/>
-              </a:endParaRPr>
-            </a:p>
-          </p:txBody>
-        </p:sp>
-      </p:grpSp>
-      <p:grpSp>
-        <p:nvGrpSpPr>
-          <p:cNvPr id="48" name="Group 47"/>
-          <p:cNvGrpSpPr/>
-          <p:nvPr/>
-        </p:nvGrpSpPr>
-        <p:grpSpPr>
-          <a:xfrm>
-            <a:off x="-8664724" y="10554"/>
-            <a:ext cx="11366695" cy="6858000"/>
-            <a:chOff x="-3305943" y="0"/>
-            <a:chExt cx="11366695" cy="6858000"/>
-          </a:xfrm>
-        </p:grpSpPr>
-        <p:grpSp>
-          <p:nvGrpSpPr>
-            <p:cNvPr id="24" name="Group 23"/>
-            <p:cNvGrpSpPr/>
-            <p:nvPr/>
-          </p:nvGrpSpPr>
-          <p:grpSpPr>
-            <a:xfrm>
-              <a:off x="-3305943" y="0"/>
-              <a:ext cx="11366695" cy="6858000"/>
-              <a:chOff x="0" y="0"/>
-              <a:chExt cx="11366695" cy="6858000"/>
-            </a:xfrm>
-            <a:solidFill>
-              <a:srgbClr val="E9A039"/>
-            </a:solidFill>
-            <a:effectLst>
-              <a:outerShdw blurRad="50800" dist="38100" sx="60000" sy="60000" algn="l" rotWithShape="0">
-                <a:prstClr val="black">
-                  <a:alpha val="60000"/>
-                </a:prstClr>
-              </a:outerShdw>
-            </a:effectLst>
-          </p:grpSpPr>
-          <p:sp>
-            <p:nvSpPr>
-              <p:cNvPr id="25" name="Rectangle 24"/>
-              <p:cNvSpPr/>
-              <p:nvPr/>
-            </p:nvSpPr>
-            <p:spPr>
-              <a:xfrm>
-                <a:off x="0" y="0"/>
-                <a:ext cx="10635175" cy="6858000"/>
-              </a:xfrm>
-              <a:prstGeom prst="rect">
-                <a:avLst/>
-              </a:prstGeom>
-              <a:solidFill>
-                <a:srgbClr val="4CB5D3"/>
-              </a:solidFill>
-              <a:ln>
-                <a:noFill/>
-              </a:ln>
-              <a:effectLst>
-                <a:outerShdw blurRad="50800" dist="38100" algn="l" rotWithShape="0">
-                  <a:prstClr val="black">
-                    <a:alpha val="40000"/>
-                  </a:prstClr>
-                </a:outerShdw>
-              </a:effectLst>
-            </p:spPr>
-            <p:style>
-              <a:lnRef idx="2">
-                <a:schemeClr val="accent1">
-                  <a:shade val="50000"/>
-                </a:schemeClr>
-              </a:lnRef>
-              <a:fillRef idx="1">
-                <a:schemeClr val="accent1"/>
-              </a:fillRef>
-              <a:effectRef idx="0">
-                <a:schemeClr val="accent1"/>
-              </a:effectRef>
-              <a:fontRef idx="minor">
-                <a:schemeClr val="lt1"/>
-              </a:fontRef>
-            </p:style>
-            <p:txBody>
-              <a:bodyPr rtlCol="0" anchor="ctr"/>
-              <a:lstStyle/>
-              <a:p>
-                <a:pPr algn="ctr"/>
-                <a:endParaRPr lang="en-US"/>
-              </a:p>
-            </p:txBody>
-          </p:sp>
-          <p:sp>
-            <p:nvSpPr>
-              <p:cNvPr id="26" name="Round Same Side Corner Rectangle 25"/>
-              <p:cNvSpPr/>
-              <p:nvPr/>
-            </p:nvSpPr>
-            <p:spPr>
-              <a:xfrm rot="5400000">
-                <a:off x="10600006" y="3073794"/>
-                <a:ext cx="801858" cy="731520"/>
-              </a:xfrm>
-              <a:prstGeom prst="round2SameRect">
-                <a:avLst/>
-              </a:prstGeom>
-              <a:solidFill>
-                <a:srgbClr val="4CB5D3"/>
-              </a:solidFill>
-              <a:ln>
-                <a:noFill/>
-              </a:ln>
-              <a:effectLst>
-                <a:outerShdw blurRad="50800" dist="38100" algn="l" rotWithShape="0">
-                  <a:prstClr val="black">
-                    <a:alpha val="40000"/>
-                  </a:prstClr>
-                </a:outerShdw>
-              </a:effectLst>
-            </p:spPr>
-            <p:style>
-              <a:lnRef idx="2">
-                <a:schemeClr val="accent1">
-                  <a:shade val="50000"/>
-                </a:schemeClr>
-              </a:lnRef>
-              <a:fillRef idx="1">
-                <a:schemeClr val="accent1"/>
-              </a:fillRef>
-              <a:effectRef idx="0">
-                <a:schemeClr val="accent1"/>
-              </a:effectRef>
-              <a:fontRef idx="minor">
-                <a:schemeClr val="lt1"/>
-              </a:fontRef>
-            </p:style>
-            <p:txBody>
-              <a:bodyPr rtlCol="0" anchor="ctr"/>
-              <a:lstStyle/>
-              <a:p>
-                <a:pPr algn="ctr"/>
-                <a:endParaRPr lang="en-US"/>
-              </a:p>
-            </p:txBody>
-          </p:sp>
-        </p:grpSp>
-        <p:sp>
-          <p:nvSpPr>
-            <p:cNvPr id="35" name="TextBox 34"/>
-            <p:cNvSpPr txBox="1"/>
-            <p:nvPr/>
-          </p:nvSpPr>
-          <p:spPr>
-            <a:xfrm>
-              <a:off x="7329232" y="3029718"/>
-              <a:ext cx="731520" cy="769441"/>
-            </a:xfrm>
-            <a:prstGeom prst="rect">
-              <a:avLst/>
-            </a:prstGeom>
-            <a:noFill/>
-          </p:spPr>
-          <p:txBody>
-            <a:bodyPr wrap="square" rtlCol="0">
-              <a:spAutoFit/>
-            </a:bodyPr>
-            <a:lstStyle/>
-            <a:p>
-              <a:pPr algn="ctr"/>
-              <a:r>
-                <a:rPr lang="en-US" sz="4400" dirty="0" smtClean="0">
-                  <a:solidFill>
-                    <a:schemeClr val="bg1"/>
-                  </a:solidFill>
-                  <a:latin typeface="Arial Black" panose="020B0A04020102020204" pitchFamily="34" charset="0"/>
-                </a:rPr>
-                <a:t>9</a:t>
-              </a:r>
-              <a:endParaRPr lang="en-US" sz="4400" dirty="0">
-                <a:solidFill>
-                  <a:schemeClr val="bg1"/>
-                </a:solidFill>
-                <a:latin typeface="Arial Black" panose="020B0A04020102020204" pitchFamily="34" charset="0"/>
-              </a:endParaRPr>
-            </a:p>
-          </p:txBody>
-        </p:sp>
-        <p:sp>
-          <p:nvSpPr>
-            <p:cNvPr id="47" name="TextBox 46"/>
-            <p:cNvSpPr txBox="1"/>
-            <p:nvPr/>
-          </p:nvSpPr>
-          <p:spPr>
-            <a:xfrm>
-              <a:off x="1363860" y="1502170"/>
-              <a:ext cx="4924406" cy="1384995"/>
-            </a:xfrm>
-            <a:prstGeom prst="rect">
-              <a:avLst/>
-            </a:prstGeom>
-            <a:noFill/>
-          </p:spPr>
-          <p:txBody>
-            <a:bodyPr wrap="square" rtlCol="0">
-              <a:spAutoFit/>
-            </a:bodyPr>
-            <a:lstStyle/>
-            <a:p>
-              <a:pPr algn="ctr"/>
-              <a:r>
-                <a:rPr lang="en-US" sz="2800" dirty="0" smtClean="0">
-                  <a:solidFill>
-                    <a:schemeClr val="bg1"/>
-                  </a:solidFill>
-                  <a:effectLst>
-                    <a:outerShdw blurRad="38100" dist="38100" dir="2700000" algn="tl">
-                      <a:srgbClr val="000000">
-                        <a:alpha val="43137"/>
-                      </a:srgbClr>
-                    </a:outerShdw>
-                  </a:effectLst>
-                  <a:latin typeface="Arial Black" panose="020B0A04020102020204" pitchFamily="34" charset="0"/>
-                </a:rPr>
-                <a:t>FOR TINT SERVICE?</a:t>
-              </a:r>
-            </a:p>
-            <a:p>
-              <a:pPr algn="ctr"/>
-              <a:r>
-                <a:rPr lang="en-US" sz="2800" dirty="0" smtClean="0">
-                  <a:solidFill>
-                    <a:schemeClr val="bg1"/>
-                  </a:solidFill>
-                  <a:effectLst>
-                    <a:outerShdw blurRad="38100" dist="38100" dir="2700000" algn="tl">
-                      <a:srgbClr val="000000">
-                        <a:alpha val="43137"/>
-                      </a:srgbClr>
-                    </a:outerShdw>
-                  </a:effectLst>
-                  <a:latin typeface="Arial Black" panose="020B0A04020102020204" pitchFamily="34" charset="0"/>
-                </a:rPr>
-                <a:t>↓</a:t>
-              </a:r>
-            </a:p>
-            <a:p>
-              <a:pPr algn="ctr"/>
-              <a:r>
-                <a:rPr lang="en-US" sz="2800" dirty="0" smtClean="0">
-                  <a:solidFill>
-                    <a:schemeClr val="bg1"/>
-                  </a:solidFill>
-                  <a:effectLst>
-                    <a:outerShdw blurRad="38100" dist="38100" dir="2700000" algn="tl">
-                      <a:srgbClr val="000000">
-                        <a:alpha val="43137"/>
-                      </a:srgbClr>
-                    </a:outerShdw>
-                  </a:effectLst>
-                  <a:latin typeface="Arial Black" panose="020B0A04020102020204" pitchFamily="34" charset="0"/>
-                </a:rPr>
-                <a:t>NO / YES</a:t>
-              </a:r>
-              <a:endParaRPr lang="en-US" sz="2800" dirty="0">
-                <a:solidFill>
-                  <a:schemeClr val="bg1"/>
-                </a:solidFill>
-                <a:effectLst>
-                  <a:outerShdw blurRad="38100" dist="38100" dir="2700000" algn="tl">
-                    <a:srgbClr val="000000">
-                      <a:alpha val="43137"/>
-                    </a:srgbClr>
-                  </a:outerShdw>
-                </a:effectLst>
-                <a:latin typeface="Arial Black" panose="020B0A04020102020204" pitchFamily="34" charset="0"/>
-              </a:endParaRPr>
-            </a:p>
-          </p:txBody>
-        </p:sp>
-      </p:grpSp>
-      <p:grpSp>
-        <p:nvGrpSpPr>
-          <p:cNvPr id="50" name="Group 49"/>
-          <p:cNvGrpSpPr/>
-          <p:nvPr/>
-        </p:nvGrpSpPr>
-        <p:grpSpPr>
-          <a:xfrm>
-            <a:off x="-9782434" y="21108"/>
-            <a:ext cx="11431358" cy="6858000"/>
-            <a:chOff x="-4078323" y="31662"/>
-            <a:chExt cx="11431358" cy="6858000"/>
-          </a:xfrm>
-        </p:grpSpPr>
-        <p:grpSp>
-          <p:nvGrpSpPr>
-            <p:cNvPr id="27" name="Group 26"/>
-            <p:cNvGrpSpPr/>
-            <p:nvPr/>
-          </p:nvGrpSpPr>
-          <p:grpSpPr>
-            <a:xfrm>
-              <a:off x="-4078323" y="31662"/>
-              <a:ext cx="11366695" cy="6858000"/>
-              <a:chOff x="0" y="0"/>
-              <a:chExt cx="11366695" cy="6858000"/>
-            </a:xfrm>
-            <a:solidFill>
-              <a:srgbClr val="CF7133"/>
-            </a:solidFill>
-            <a:effectLst>
-              <a:outerShdw blurRad="50800" dist="38100" sx="60000" sy="60000" algn="l" rotWithShape="0">
-                <a:prstClr val="black">
-                  <a:alpha val="60000"/>
-                </a:prstClr>
-              </a:outerShdw>
-            </a:effectLst>
-          </p:grpSpPr>
-          <p:sp>
-            <p:nvSpPr>
-              <p:cNvPr id="28" name="Rectangle 27"/>
-              <p:cNvSpPr/>
-              <p:nvPr/>
-            </p:nvSpPr>
-            <p:spPr>
-              <a:xfrm>
-                <a:off x="0" y="0"/>
-                <a:ext cx="10635175" cy="6858000"/>
-              </a:xfrm>
-              <a:prstGeom prst="rect">
-                <a:avLst/>
-              </a:prstGeom>
-              <a:solidFill>
-                <a:srgbClr val="9167E3"/>
-              </a:solidFill>
-              <a:ln>
-                <a:noFill/>
-              </a:ln>
-              <a:effectLst>
-                <a:outerShdw blurRad="50800" dist="38100" algn="l" rotWithShape="0">
-                  <a:prstClr val="black">
-                    <a:alpha val="40000"/>
-                  </a:prstClr>
-                </a:outerShdw>
-              </a:effectLst>
-            </p:spPr>
-            <p:style>
-              <a:lnRef idx="2">
-                <a:schemeClr val="accent1">
-                  <a:shade val="50000"/>
-                </a:schemeClr>
-              </a:lnRef>
-              <a:fillRef idx="1">
-                <a:schemeClr val="accent1"/>
-              </a:fillRef>
-              <a:effectRef idx="0">
-                <a:schemeClr val="accent1"/>
-              </a:effectRef>
-              <a:fontRef idx="minor">
-                <a:schemeClr val="lt1"/>
-              </a:fontRef>
-            </p:style>
-            <p:txBody>
-              <a:bodyPr rtlCol="0" anchor="ctr"/>
-              <a:lstStyle/>
-              <a:p>
-                <a:pPr algn="ctr"/>
-                <a:endParaRPr lang="en-US"/>
-              </a:p>
-            </p:txBody>
-          </p:sp>
-          <p:sp>
-            <p:nvSpPr>
-              <p:cNvPr id="29" name="Round Same Side Corner Rectangle 28"/>
-              <p:cNvSpPr/>
-              <p:nvPr/>
-            </p:nvSpPr>
-            <p:spPr>
-              <a:xfrm rot="5400000">
-                <a:off x="10600006" y="2271936"/>
-                <a:ext cx="801858" cy="731520"/>
-              </a:xfrm>
-              <a:prstGeom prst="round2SameRect">
-                <a:avLst/>
-              </a:prstGeom>
-              <a:solidFill>
-                <a:srgbClr val="9167E3"/>
-              </a:solidFill>
-              <a:ln>
-                <a:noFill/>
-              </a:ln>
-              <a:effectLst>
-                <a:outerShdw blurRad="50800" dist="38100" algn="l" rotWithShape="0">
-                  <a:prstClr val="black">
-                    <a:alpha val="40000"/>
-                  </a:prstClr>
-                </a:outerShdw>
-              </a:effectLst>
-            </p:spPr>
-            <p:style>
-              <a:lnRef idx="2">
-                <a:schemeClr val="accent1">
-                  <a:shade val="50000"/>
-                </a:schemeClr>
-              </a:lnRef>
-              <a:fillRef idx="1">
-                <a:schemeClr val="accent1"/>
-              </a:fillRef>
-              <a:effectRef idx="0">
-                <a:schemeClr val="accent1"/>
-              </a:effectRef>
-              <a:fontRef idx="minor">
-                <a:schemeClr val="lt1"/>
-              </a:fontRef>
-            </p:style>
-            <p:txBody>
-              <a:bodyPr rtlCol="0" anchor="ctr"/>
-              <a:lstStyle/>
-              <a:p>
-                <a:pPr algn="ctr"/>
-                <a:endParaRPr lang="en-US"/>
-              </a:p>
-            </p:txBody>
-          </p:sp>
-        </p:grpSp>
-        <p:sp>
-          <p:nvSpPr>
-            <p:cNvPr id="36" name="TextBox 35"/>
-            <p:cNvSpPr txBox="1"/>
-            <p:nvPr/>
-          </p:nvSpPr>
-          <p:spPr>
-            <a:xfrm>
-              <a:off x="6377345" y="2320715"/>
-              <a:ext cx="975690" cy="707886"/>
-            </a:xfrm>
-            <a:prstGeom prst="rect">
-              <a:avLst/>
-            </a:prstGeom>
-            <a:noFill/>
-          </p:spPr>
-          <p:txBody>
-            <a:bodyPr wrap="square" rtlCol="0">
-              <a:spAutoFit/>
-            </a:bodyPr>
-            <a:lstStyle/>
-            <a:p>
-              <a:pPr algn="ctr"/>
-              <a:r>
-                <a:rPr lang="en-US" sz="3900" dirty="0" smtClean="0">
-                  <a:solidFill>
-                    <a:schemeClr val="bg1"/>
-                  </a:solidFill>
-                  <a:latin typeface="Arial Black" panose="020B0A04020102020204" pitchFamily="34" charset="0"/>
-                </a:rPr>
-                <a:t>10</a:t>
-              </a:r>
-              <a:endParaRPr lang="en-US" sz="3900" dirty="0">
-                <a:solidFill>
-                  <a:schemeClr val="bg1"/>
-                </a:solidFill>
-                <a:latin typeface="Arial Black" panose="020B0A04020102020204" pitchFamily="34" charset="0"/>
-              </a:endParaRPr>
-            </a:p>
-          </p:txBody>
-        </p:sp>
-        <p:sp>
-          <p:nvSpPr>
-            <p:cNvPr id="49" name="TextBox 48"/>
-            <p:cNvSpPr txBox="1"/>
-            <p:nvPr/>
-          </p:nvSpPr>
-          <p:spPr>
-            <a:xfrm>
-              <a:off x="-326173" y="1512724"/>
-              <a:ext cx="6122013" cy="1569660"/>
-            </a:xfrm>
-            <a:prstGeom prst="rect">
-              <a:avLst/>
-            </a:prstGeom>
-            <a:noFill/>
-          </p:spPr>
-          <p:txBody>
-            <a:bodyPr wrap="square" rtlCol="0">
-              <a:spAutoFit/>
-            </a:bodyPr>
-            <a:lstStyle/>
-            <a:p>
-              <a:pPr algn="ctr"/>
-              <a:r>
-                <a:rPr lang="en-US" sz="3200" dirty="0" smtClean="0">
-                  <a:solidFill>
-                    <a:schemeClr val="bg1"/>
-                  </a:solidFill>
-                  <a:effectLst>
-                    <a:outerShdw blurRad="38100" dist="38100" dir="2700000" algn="tl">
-                      <a:srgbClr val="000000">
-                        <a:alpha val="43137"/>
-                      </a:srgbClr>
-                    </a:outerShdw>
-                  </a:effectLst>
-                  <a:latin typeface="Arial Black" panose="020B0A04020102020204" pitchFamily="34" charset="0"/>
-                </a:rPr>
-                <a:t>TRANSACTION TYPE HERO OFFICE </a:t>
-              </a:r>
-            </a:p>
-            <a:p>
-              <a:pPr algn="ctr"/>
-              <a:r>
-                <a:rPr lang="en-US" sz="3200" dirty="0" smtClean="0">
-                  <a:solidFill>
-                    <a:schemeClr val="bg1"/>
-                  </a:solidFill>
-                  <a:effectLst>
-                    <a:outerShdw blurRad="38100" dist="38100" dir="2700000" algn="tl">
-                      <a:srgbClr val="000000">
-                        <a:alpha val="43137"/>
-                      </a:srgbClr>
-                    </a:outerShdw>
-                  </a:effectLst>
-                  <a:latin typeface="Arial Black" panose="020B0A04020102020204" pitchFamily="34" charset="0"/>
-                </a:rPr>
-                <a:t>(NONE OF THE ABOVE)</a:t>
-              </a:r>
-              <a:endParaRPr lang="en-US" sz="3200" dirty="0">
-                <a:solidFill>
-                  <a:schemeClr val="bg1"/>
-                </a:solidFill>
-                <a:effectLst>
-                  <a:outerShdw blurRad="38100" dist="38100" dir="2700000" algn="tl">
-                    <a:srgbClr val="000000">
-                      <a:alpha val="43137"/>
-                    </a:srgbClr>
-                  </a:outerShdw>
-                </a:effectLst>
-                <a:latin typeface="Arial Black" panose="020B0A04020102020204" pitchFamily="34" charset="0"/>
-              </a:endParaRPr>
-            </a:p>
-          </p:txBody>
-        </p:sp>
-      </p:grpSp>
-    </p:spTree>
-    <p:extLst>
-      <p:ext uri="{BB962C8B-B14F-4D97-AF65-F5344CB8AC3E}">
-        <p14:creationId xmlns:p14="http://schemas.microsoft.com/office/powerpoint/2010/main" val="2199752763"/>
-      </p:ext>
-    </p:extLst>
-  </p:cSld>
-  <p:clrMapOvr>
-    <a:masterClrMapping/>
-  </p:clrMapOvr>
-  <mc:AlternateContent xmlns:mc="http://schemas.openxmlformats.org/markup-compatibility/2006" xmlns:p14="http://schemas.microsoft.com/office/powerpoint/2010/main">
-    <mc:Choice Requires="p14">
-      <p:transition spd="slow" p14:dur="1300">
-        <p14:pan dir="r"/>
-      </p:transition>
-    </mc:Choice>
-    <mc:Fallback xmlns="">
-      <p:transition spd="slow">
-        <p:fade/>
-      </p:transition>
-    </mc:Fallback>
-  </mc:AlternateContent>
-  <p:timing>
-    <p:tnLst>
-      <p:par>
-        <p:cTn id="1" dur="indefinite" restart="never" nodeType="tmRoot">
-          <p:childTnLst>
-            <p:seq concurrent="1" nextAc="seek">
-              <p:cTn id="2" dur="indefinite" nodeType="mainSeq">
-                <p:childTnLst>
-                  <p:par>
-                    <p:cTn id="3" fill="hold">
-                      <p:stCondLst>
-                        <p:cond delay="indefinite"/>
-                      </p:stCondLst>
-                      <p:childTnLst>
-                        <p:par>
-                          <p:cTn id="4" fill="hold">
-                            <p:stCondLst>
-                              <p:cond delay="0"/>
-                            </p:stCondLst>
-                            <p:childTnLst>
-                              <p:par>
-                                <p:cTn id="5" presetID="63" presetClass="path" presetSubtype="0" accel="50000" decel="50000" fill="hold" nodeType="clickEffect">
-                                  <p:stCondLst>
-                                    <p:cond delay="0"/>
-                                  </p:stCondLst>
-                                  <p:childTnLst>
-                                    <p:animMotion origin="layout" path="M 1.25E-6 0 L 0.47279 0.00208 " pathEditMode="relative" rAng="0" ptsTypes="AA">
-                                      <p:cBhvr>
-                                        <p:cTn id="6" dur="2000" fill="hold"/>
-                                        <p:tgtEl>
-                                          <p:spTgt spid="41"/>
-                                        </p:tgtEl>
-                                        <p:attrNameLst>
-                                          <p:attrName>ppt_x</p:attrName>
-                                          <p:attrName>ppt_y</p:attrName>
-                                        </p:attrNameLst>
-                                      </p:cBhvr>
-                                      <p:rCtr x="23633" y="93"/>
-                                    </p:animMotion>
-                                  </p:childTnLst>
-                                </p:cTn>
-                              </p:par>
-                            </p:childTnLst>
-                          </p:cTn>
-                        </p:par>
-                      </p:childTnLst>
-                    </p:cTn>
-                  </p:par>
-                  <p:par>
-                    <p:cTn id="7" fill="hold">
-                      <p:stCondLst>
-                        <p:cond delay="indefinite"/>
-                      </p:stCondLst>
-                      <p:childTnLst>
-                        <p:par>
-                          <p:cTn id="8" fill="hold">
-                            <p:stCondLst>
-                              <p:cond delay="0"/>
-                            </p:stCondLst>
-                            <p:childTnLst>
-                              <p:par>
-                                <p:cTn id="9" presetID="63" presetClass="path" presetSubtype="0" accel="50000" decel="50000" fill="hold" nodeType="clickEffect">
-                                  <p:stCondLst>
-                                    <p:cond delay="0"/>
-                                  </p:stCondLst>
-                                  <p:childTnLst>
-                                    <p:animMotion origin="layout" path="M -2.08333E-6 0 L 0.47839 -0.00394 " pathEditMode="relative" rAng="0" ptsTypes="AA">
-                                      <p:cBhvr>
-                                        <p:cTn id="10" dur="2000" fill="hold"/>
-                                        <p:tgtEl>
-                                          <p:spTgt spid="44"/>
-                                        </p:tgtEl>
-                                        <p:attrNameLst>
-                                          <p:attrName>ppt_x</p:attrName>
-                                          <p:attrName>ppt_y</p:attrName>
-                                        </p:attrNameLst>
-                                      </p:cBhvr>
-                                      <p:rCtr x="23919" y="-208"/>
-                                    </p:animMotion>
-                                  </p:childTnLst>
-                                </p:cTn>
-                              </p:par>
-                            </p:childTnLst>
-                          </p:cTn>
-                        </p:par>
-                      </p:childTnLst>
-                    </p:cTn>
-                  </p:par>
-                  <p:par>
-                    <p:cTn id="11" fill="hold">
-                      <p:stCondLst>
-                        <p:cond delay="indefinite"/>
-                      </p:stCondLst>
-                      <p:childTnLst>
-                        <p:par>
-                          <p:cTn id="12" fill="hold">
-                            <p:stCondLst>
-                              <p:cond delay="0"/>
-                            </p:stCondLst>
-                            <p:childTnLst>
-                              <p:par>
-                                <p:cTn id="13" presetID="63" presetClass="path" presetSubtype="0" accel="50000" decel="50000" fill="hold" nodeType="clickEffect">
-                                  <p:stCondLst>
-                                    <p:cond delay="0"/>
-                                  </p:stCondLst>
-                                  <p:childTnLst>
-                                    <p:animMotion origin="layout" path="M 3.54167E-6 3.33333E-6 L 0.48398 -0.00394 " pathEditMode="relative" rAng="0" ptsTypes="AA">
-                                      <p:cBhvr>
-                                        <p:cTn id="14" dur="2000" fill="hold"/>
-                                        <p:tgtEl>
-                                          <p:spTgt spid="46"/>
-                                        </p:tgtEl>
-                                        <p:attrNameLst>
-                                          <p:attrName>ppt_x</p:attrName>
-                                          <p:attrName>ppt_y</p:attrName>
-                                        </p:attrNameLst>
-                                      </p:cBhvr>
-                                      <p:rCtr x="24193" y="-208"/>
-                                    </p:animMotion>
-                                  </p:childTnLst>
-                                </p:cTn>
-                              </p:par>
-                            </p:childTnLst>
-                          </p:cTn>
-                        </p:par>
-                      </p:childTnLst>
-                    </p:cTn>
-                  </p:par>
-                  <p:par>
-                    <p:cTn id="15" fill="hold">
-                      <p:stCondLst>
-                        <p:cond delay="indefinite"/>
-                      </p:stCondLst>
-                      <p:childTnLst>
-                        <p:par>
-                          <p:cTn id="16" fill="hold">
-                            <p:stCondLst>
-                              <p:cond delay="0"/>
-                            </p:stCondLst>
-                            <p:childTnLst>
-                              <p:par>
-                                <p:cTn id="17" presetID="63" presetClass="path" presetSubtype="0" accel="50000" decel="50000" fill="hold" nodeType="clickEffect">
-                                  <p:stCondLst>
-                                    <p:cond delay="0"/>
-                                  </p:stCondLst>
-                                  <p:childTnLst>
-                                    <p:animMotion origin="layout" path="M 1.25E-6 -3.7037E-7 L 0.48893 0.00162 " pathEditMode="relative" rAng="0" ptsTypes="AA">
-                                      <p:cBhvr>
-                                        <p:cTn id="18" dur="2000" fill="hold"/>
-                                        <p:tgtEl>
-                                          <p:spTgt spid="48"/>
-                                        </p:tgtEl>
-                                        <p:attrNameLst>
-                                          <p:attrName>ppt_x</p:attrName>
-                                          <p:attrName>ppt_y</p:attrName>
-                                        </p:attrNameLst>
-                                      </p:cBhvr>
-                                      <p:rCtr x="24453" y="69"/>
-                                    </p:animMotion>
-                                  </p:childTnLst>
-                                </p:cTn>
-                              </p:par>
-                            </p:childTnLst>
-                          </p:cTn>
-                        </p:par>
-                      </p:childTnLst>
-                    </p:cTn>
-                  </p:par>
-                  <p:par>
-                    <p:cTn id="19" fill="hold">
-                      <p:stCondLst>
-                        <p:cond delay="indefinite"/>
-                      </p:stCondLst>
-                      <p:childTnLst>
-                        <p:par>
-                          <p:cTn id="20" fill="hold">
-                            <p:stCondLst>
-                              <p:cond delay="0"/>
-                            </p:stCondLst>
-                            <p:childTnLst>
-                              <p:par>
-                                <p:cTn id="21" presetID="63" presetClass="path" presetSubtype="0" accel="50000" decel="50000" fill="hold" nodeType="clickEffect">
-                                  <p:stCondLst>
-                                    <p:cond delay="0"/>
-                                  </p:stCondLst>
-                                  <p:childTnLst>
-                                    <p:animMotion origin="layout" path="M 3.54167E-6 7.40741E-7 L 0.49778 -0.00695 " pathEditMode="relative" rAng="0" ptsTypes="AA">
-                                      <p:cBhvr>
-                                        <p:cTn id="22" dur="2000" fill="hold"/>
-                                        <p:tgtEl>
-                                          <p:spTgt spid="50"/>
-                                        </p:tgtEl>
-                                        <p:attrNameLst>
-                                          <p:attrName>ppt_x</p:attrName>
-                                          <p:attrName>ppt_y</p:attrName>
-                                        </p:attrNameLst>
-                                      </p:cBhvr>
-                                      <p:rCtr x="24896" y="-347"/>
-                                    </p:animMotion>
-                                  </p:childTnLst>
-                                </p:cTn>
-                              </p:par>
-                            </p:childTnLst>
-                          </p:cTn>
-                        </p:par>
-                      </p:childTnLst>
-                    </p:cTn>
-                  </p:par>
-                </p:childTnLst>
-              </p:cTn>
-              <p:prevCondLst>
-                <p:cond evt="onPrev" delay="0">
-                  <p:tgtEl>
-                    <p:sldTgt/>
-                  </p:tgtEl>
-                </p:cond>
-              </p:prevCondLst>
-              <p:nextCondLst>
-                <p:cond evt="onNext" delay="0">
-                  <p:tgtEl>
-                    <p:sldTgt/>
-                  </p:tgtEl>
-                </p:cond>
-              </p:nextCondLst>
-            </p:seq>
-          </p:childTnLst>
-        </p:cTn>
-      </p:par>
-    </p:tnLst>
-  </p:timing>
-</p:sld>
-</file>
-
-<file path=ppt/slides/slide4.xml><?xml version="1.0" encoding="utf-8"?>
-<p:sld xmlns:a="http://schemas.openxmlformats.org/drawingml/2006/main" xmlns:r="http://schemas.openxmlformats.org/officeDocument/2006/relationships" xmlns:p="http://schemas.openxmlformats.org/presentationml/2006/main">
-  <p:cSld>
-    <p:bg>
-      <p:bgPr>
-        <a:solidFill>
-          <a:srgbClr val="6F6F6F"/>
-        </a:solidFill>
-        <a:effectLst/>
-      </p:bgPr>
-    </p:bg>
-    <p:spTree>
-      <p:nvGrpSpPr>
-        <p:cNvPr id="1" name=""/>
-        <p:cNvGrpSpPr/>
-        <p:nvPr/>
-      </p:nvGrpSpPr>
-      <p:grpSpPr>
-        <a:xfrm>
-          <a:off x="0" y="0"/>
-          <a:ext cx="0" cy="0"/>
-          <a:chOff x="0" y="0"/>
-          <a:chExt cx="0" cy="0"/>
-        </a:xfrm>
-      </p:grpSpPr>
-      <p:grpSp>
-        <p:nvGrpSpPr>
-          <p:cNvPr id="41" name="Group 40"/>
-          <p:cNvGrpSpPr/>
-          <p:nvPr/>
-        </p:nvGrpSpPr>
-        <p:grpSpPr>
-          <a:xfrm>
-            <a:off x="-5311594" y="0"/>
-            <a:ext cx="11385744" cy="6858000"/>
-            <a:chOff x="392517" y="10554"/>
-            <a:chExt cx="11385744" cy="6858000"/>
-          </a:xfrm>
-        </p:grpSpPr>
-        <p:grpSp>
-          <p:nvGrpSpPr>
-            <p:cNvPr id="39" name="Group 38"/>
-            <p:cNvGrpSpPr/>
-            <p:nvPr/>
-          </p:nvGrpSpPr>
-          <p:grpSpPr>
-            <a:xfrm>
-              <a:off x="392517" y="10554"/>
-              <a:ext cx="11385744" cy="6858000"/>
-              <a:chOff x="-5506534" y="0"/>
-              <a:chExt cx="11385744" cy="6858000"/>
-            </a:xfrm>
-          </p:grpSpPr>
-          <p:grpSp>
-            <p:nvGrpSpPr>
-              <p:cNvPr id="17" name="Group 16"/>
-              <p:cNvGrpSpPr/>
-              <p:nvPr/>
-            </p:nvGrpSpPr>
-            <p:grpSpPr>
-              <a:xfrm>
-                <a:off x="-5506534" y="0"/>
-                <a:ext cx="11366695" cy="6858000"/>
-                <a:chOff x="0" y="0"/>
-                <a:chExt cx="11366695" cy="6858000"/>
-              </a:xfrm>
-              <a:effectLst>
-                <a:outerShdw blurRad="50800" dist="38100" sx="60000" sy="60000" algn="l" rotWithShape="0">
-                  <a:prstClr val="black">
-                    <a:alpha val="60000"/>
-                  </a:prstClr>
-                </a:outerShdw>
-              </a:effectLst>
-            </p:grpSpPr>
-            <p:sp>
-              <p:nvSpPr>
-                <p:cNvPr id="15" name="Rectangle 14"/>
-                <p:cNvSpPr/>
-                <p:nvPr/>
-              </p:nvSpPr>
-              <p:spPr>
-                <a:xfrm>
-                  <a:off x="0" y="0"/>
-                  <a:ext cx="10635175" cy="6858000"/>
-                </a:xfrm>
-                <a:prstGeom prst="rect">
-                  <a:avLst/>
-                </a:prstGeom>
-                <a:solidFill>
-                  <a:srgbClr val="BFBFA5"/>
-                </a:solidFill>
-                <a:ln>
-                  <a:noFill/>
-                </a:ln>
-                <a:effectLst>
-                  <a:outerShdw blurRad="50800" dist="38100" algn="l" rotWithShape="0">
-                    <a:prstClr val="black">
-                      <a:alpha val="40000"/>
-                    </a:prstClr>
-                  </a:outerShdw>
-                </a:effectLst>
-              </p:spPr>
-              <p:style>
-                <a:lnRef idx="2">
-                  <a:schemeClr val="accent1">
-                    <a:shade val="50000"/>
-                  </a:schemeClr>
-                </a:lnRef>
-                <a:fillRef idx="1">
-                  <a:schemeClr val="accent1"/>
-                </a:fillRef>
-                <a:effectRef idx="0">
-                  <a:schemeClr val="accent1"/>
-                </a:effectRef>
-                <a:fontRef idx="minor">
-                  <a:schemeClr val="lt1"/>
-                </a:fontRef>
-              </p:style>
-              <p:txBody>
-                <a:bodyPr rtlCol="0" anchor="ctr"/>
-                <a:lstStyle/>
-                <a:p>
-                  <a:pPr algn="ctr"/>
-                  <a:endParaRPr lang="en-US"/>
-                </a:p>
-              </p:txBody>
-            </p:sp>
-            <p:sp>
-              <p:nvSpPr>
-                <p:cNvPr id="16" name="Round Same Side Corner Rectangle 15"/>
-                <p:cNvSpPr/>
-                <p:nvPr/>
-              </p:nvSpPr>
-              <p:spPr>
-                <a:xfrm rot="5400000">
-                  <a:off x="10600006" y="5479368"/>
-                  <a:ext cx="801858" cy="731520"/>
-                </a:xfrm>
-                <a:prstGeom prst="round2SameRect">
-                  <a:avLst/>
-                </a:prstGeom>
-                <a:solidFill>
-                  <a:srgbClr val="BFBFA5"/>
-                </a:solidFill>
-                <a:ln>
-                  <a:noFill/>
-                </a:ln>
-                <a:effectLst>
-                  <a:outerShdw blurRad="50800" dist="38100" algn="l" rotWithShape="0">
-                    <a:prstClr val="black">
-                      <a:alpha val="40000"/>
-                    </a:prstClr>
-                  </a:outerShdw>
-                </a:effectLst>
-              </p:spPr>
-              <p:style>
-                <a:lnRef idx="2">
-                  <a:schemeClr val="accent1">
-                    <a:shade val="50000"/>
-                  </a:schemeClr>
-                </a:lnRef>
-                <a:fillRef idx="1">
-                  <a:schemeClr val="accent1"/>
-                </a:fillRef>
-                <a:effectRef idx="0">
-                  <a:schemeClr val="accent1"/>
-                </a:effectRef>
-                <a:fontRef idx="minor">
-                  <a:schemeClr val="lt1"/>
-                </a:fontRef>
-              </p:style>
-              <p:txBody>
-                <a:bodyPr rtlCol="0" anchor="ctr"/>
-                <a:lstStyle/>
-                <a:p>
-                  <a:pPr algn="ctr"/>
-                  <a:endParaRPr lang="en-US" dirty="0"/>
-                </a:p>
-              </p:txBody>
-            </p:sp>
-          </p:grpSp>
-          <p:sp>
-            <p:nvSpPr>
-              <p:cNvPr id="32" name="TextBox 31"/>
-              <p:cNvSpPr txBox="1"/>
-              <p:nvPr/>
-            </p:nvSpPr>
-            <p:spPr>
-              <a:xfrm>
-                <a:off x="4910459" y="5495726"/>
-                <a:ext cx="968751" cy="692497"/>
-              </a:xfrm>
-              <a:prstGeom prst="rect">
-                <a:avLst/>
-              </a:prstGeom>
-              <a:noFill/>
-            </p:spPr>
-            <p:txBody>
-              <a:bodyPr wrap="square" rtlCol="0">
-                <a:spAutoFit/>
-              </a:bodyPr>
-              <a:lstStyle/>
-              <a:p>
-                <a:pPr algn="ctr"/>
-                <a:r>
-                  <a:rPr lang="en-US" sz="3900" dirty="0" smtClean="0">
-                    <a:solidFill>
-                      <a:schemeClr val="bg1"/>
-                    </a:solidFill>
-                    <a:latin typeface="Arial Black" panose="020B0A04020102020204" pitchFamily="34" charset="0"/>
-                  </a:rPr>
-                  <a:t>11</a:t>
-                </a:r>
-                <a:endParaRPr lang="en-US" sz="3900" dirty="0">
-                  <a:solidFill>
-                    <a:schemeClr val="bg1"/>
-                  </a:solidFill>
-                  <a:latin typeface="Arial Black" panose="020B0A04020102020204" pitchFamily="34" charset="0"/>
-                </a:endParaRPr>
-              </a:p>
-            </p:txBody>
-          </p:sp>
-        </p:grpSp>
-        <p:sp>
-          <p:nvSpPr>
-            <p:cNvPr id="40" name="TextBox 39"/>
-            <p:cNvSpPr txBox="1"/>
-            <p:nvPr/>
-          </p:nvSpPr>
-          <p:spPr>
-            <a:xfrm>
-              <a:off x="3867866" y="1529377"/>
-              <a:ext cx="7083082" cy="707886"/>
-            </a:xfrm>
-            <a:prstGeom prst="rect">
-              <a:avLst/>
-            </a:prstGeom>
-            <a:noFill/>
-          </p:spPr>
-          <p:txBody>
-            <a:bodyPr wrap="square" rtlCol="0">
-              <a:spAutoFit/>
-            </a:bodyPr>
-            <a:lstStyle/>
-            <a:p>
-              <a:pPr algn="ctr"/>
-              <a:r>
-                <a:rPr lang="en-US" sz="4000" dirty="0" smtClean="0">
-                  <a:solidFill>
-                    <a:schemeClr val="bg1"/>
-                  </a:solidFill>
-                  <a:effectLst>
-                    <a:outerShdw blurRad="38100" dist="38100" dir="2700000" algn="tl">
-                      <a:srgbClr val="000000">
-                        <a:alpha val="43137"/>
-                      </a:srgbClr>
-                    </a:outerShdw>
-                  </a:effectLst>
-                  <a:latin typeface="Arial Black" panose="020B0A04020102020204" pitchFamily="34" charset="0"/>
-                </a:rPr>
-                <a:t>CONSIGNED ITEM</a:t>
-              </a:r>
-              <a:endParaRPr lang="en-US" sz="4000" dirty="0">
-                <a:solidFill>
-                  <a:schemeClr val="bg1"/>
-                </a:solidFill>
-                <a:effectLst>
-                  <a:outerShdw blurRad="38100" dist="38100" dir="2700000" algn="tl">
-                    <a:srgbClr val="000000">
-                      <a:alpha val="43137"/>
-                    </a:srgbClr>
-                  </a:outerShdw>
-                </a:effectLst>
-                <a:latin typeface="Arial Black" panose="020B0A04020102020204" pitchFamily="34" charset="0"/>
-              </a:endParaRPr>
-            </a:p>
-          </p:txBody>
-        </p:sp>
-      </p:grpSp>
-      <p:grpSp>
-        <p:nvGrpSpPr>
-          <p:cNvPr id="44" name="Group 43"/>
-          <p:cNvGrpSpPr/>
-          <p:nvPr/>
-        </p:nvGrpSpPr>
-        <p:grpSpPr>
-          <a:xfrm>
-            <a:off x="-6429304" y="0"/>
-            <a:ext cx="11385745" cy="6858000"/>
-            <a:chOff x="-725193" y="10554"/>
-            <a:chExt cx="11385745" cy="6858000"/>
-          </a:xfrm>
-        </p:grpSpPr>
-        <p:grpSp>
-          <p:nvGrpSpPr>
-            <p:cNvPr id="18" name="Group 17"/>
-            <p:cNvGrpSpPr/>
-            <p:nvPr/>
-          </p:nvGrpSpPr>
-          <p:grpSpPr>
-            <a:xfrm>
-              <a:off x="-725193" y="10554"/>
-              <a:ext cx="11366695" cy="6858000"/>
-              <a:chOff x="0" y="0"/>
-              <a:chExt cx="11366695" cy="6858000"/>
-            </a:xfrm>
-            <a:effectLst>
-              <a:outerShdw blurRad="50800" dist="38100" sx="60000" sy="60000" algn="l" rotWithShape="0">
-                <a:prstClr val="black">
-                  <a:alpha val="60000"/>
-                </a:prstClr>
-              </a:outerShdw>
-            </a:effectLst>
-          </p:grpSpPr>
-          <p:sp>
-            <p:nvSpPr>
-              <p:cNvPr id="19" name="Rectangle 18"/>
-              <p:cNvSpPr/>
-              <p:nvPr/>
-            </p:nvSpPr>
-            <p:spPr>
-              <a:xfrm>
-                <a:off x="0" y="0"/>
-                <a:ext cx="10635175" cy="6858000"/>
-              </a:xfrm>
-              <a:prstGeom prst="rect">
-                <a:avLst/>
-              </a:prstGeom>
-              <a:solidFill>
-                <a:srgbClr val="DCD084"/>
-              </a:solidFill>
-              <a:ln>
-                <a:noFill/>
-              </a:ln>
-              <a:effectLst>
-                <a:outerShdw blurRad="50800" dist="38100" algn="l" rotWithShape="0">
-                  <a:prstClr val="black">
-                    <a:alpha val="40000"/>
-                  </a:prstClr>
-                </a:outerShdw>
-              </a:effectLst>
-            </p:spPr>
-            <p:style>
-              <a:lnRef idx="2">
-                <a:schemeClr val="accent1">
-                  <a:shade val="50000"/>
-                </a:schemeClr>
-              </a:lnRef>
-              <a:fillRef idx="1">
-                <a:schemeClr val="accent1"/>
-              </a:fillRef>
-              <a:effectRef idx="0">
-                <a:schemeClr val="accent1"/>
-              </a:effectRef>
-              <a:fontRef idx="minor">
-                <a:schemeClr val="lt1"/>
-              </a:fontRef>
-            </p:style>
-            <p:txBody>
-              <a:bodyPr rtlCol="0" anchor="ctr"/>
-              <a:lstStyle/>
-              <a:p>
-                <a:pPr algn="ctr"/>
-                <a:endParaRPr lang="en-US"/>
-              </a:p>
-            </p:txBody>
-          </p:sp>
-          <p:sp>
-            <p:nvSpPr>
-              <p:cNvPr id="20" name="Round Same Side Corner Rectangle 19"/>
-              <p:cNvSpPr/>
-              <p:nvPr/>
-            </p:nvSpPr>
-            <p:spPr>
-              <a:xfrm rot="5400000">
-                <a:off x="10600006" y="4677510"/>
-                <a:ext cx="801858" cy="731520"/>
-              </a:xfrm>
-              <a:prstGeom prst="round2SameRect">
-                <a:avLst/>
-              </a:prstGeom>
-              <a:solidFill>
-                <a:srgbClr val="DCD084"/>
-              </a:solidFill>
-              <a:ln>
-                <a:noFill/>
-              </a:ln>
-              <a:effectLst>
-                <a:outerShdw blurRad="50800" dist="38100" algn="l" rotWithShape="0">
-                  <a:prstClr val="black">
-                    <a:alpha val="40000"/>
-                  </a:prstClr>
-                </a:outerShdw>
-              </a:effectLst>
-            </p:spPr>
-            <p:style>
-              <a:lnRef idx="2">
-                <a:schemeClr val="accent1">
-                  <a:shade val="50000"/>
-                </a:schemeClr>
-              </a:lnRef>
-              <a:fillRef idx="1">
-                <a:schemeClr val="accent1"/>
-              </a:fillRef>
-              <a:effectRef idx="0">
-                <a:schemeClr val="accent1"/>
-              </a:effectRef>
-              <a:fontRef idx="minor">
-                <a:schemeClr val="lt1"/>
-              </a:fontRef>
-            </p:style>
-            <p:txBody>
-              <a:bodyPr rtlCol="0" anchor="ctr"/>
-              <a:lstStyle/>
-              <a:p>
-                <a:pPr algn="ctr"/>
-                <a:endParaRPr lang="en-US"/>
-              </a:p>
-            </p:txBody>
-          </p:sp>
-        </p:grpSp>
-        <p:sp>
-          <p:nvSpPr>
-            <p:cNvPr id="33" name="TextBox 32"/>
-            <p:cNvSpPr txBox="1"/>
-            <p:nvPr/>
-          </p:nvSpPr>
-          <p:spPr>
-            <a:xfrm>
-              <a:off x="9704611" y="4702708"/>
-              <a:ext cx="955941" cy="692497"/>
-            </a:xfrm>
-            <a:prstGeom prst="rect">
-              <a:avLst/>
-            </a:prstGeom>
-            <a:noFill/>
-          </p:spPr>
-          <p:txBody>
-            <a:bodyPr wrap="square" rtlCol="0">
-              <a:spAutoFit/>
-            </a:bodyPr>
-            <a:lstStyle/>
-            <a:p>
-              <a:pPr algn="ctr"/>
-              <a:r>
-                <a:rPr lang="en-US" sz="3900" dirty="0" smtClean="0">
-                  <a:solidFill>
-                    <a:schemeClr val="bg1"/>
-                  </a:solidFill>
-                  <a:latin typeface="Arial Black" panose="020B0A04020102020204" pitchFamily="34" charset="0"/>
-                </a:rPr>
-                <a:t>12</a:t>
-              </a:r>
-              <a:endParaRPr lang="en-US" sz="3900" dirty="0">
-                <a:solidFill>
-                  <a:schemeClr val="bg1"/>
-                </a:solidFill>
-                <a:latin typeface="Arial Black" panose="020B0A04020102020204" pitchFamily="34" charset="0"/>
-              </a:endParaRPr>
-            </a:p>
-          </p:txBody>
-        </p:sp>
-        <p:sp>
-          <p:nvSpPr>
-            <p:cNvPr id="42" name="TextBox 41"/>
-            <p:cNvSpPr txBox="1"/>
-            <p:nvPr/>
-          </p:nvSpPr>
-          <p:spPr>
-            <a:xfrm>
-              <a:off x="2826900" y="2213289"/>
-              <a:ext cx="6417883" cy="584775"/>
-            </a:xfrm>
-            <a:prstGeom prst="rect">
-              <a:avLst/>
-            </a:prstGeom>
-            <a:noFill/>
-          </p:spPr>
-          <p:txBody>
-            <a:bodyPr wrap="square" rtlCol="0">
-              <a:spAutoFit/>
-            </a:bodyPr>
-            <a:lstStyle/>
-            <a:p>
-              <a:pPr algn="ctr"/>
-              <a:r>
-                <a:rPr lang="en-US" sz="3200" dirty="0" smtClean="0">
-                  <a:solidFill>
-                    <a:schemeClr val="bg1"/>
-                  </a:solidFill>
-                  <a:effectLst>
-                    <a:outerShdw blurRad="38100" dist="38100" dir="2700000" algn="tl">
-                      <a:srgbClr val="000000">
-                        <a:alpha val="43137"/>
-                      </a:srgbClr>
-                    </a:outerShdw>
-                  </a:effectLst>
-                  <a:latin typeface="Arial Black" panose="020B0A04020102020204" pitchFamily="34" charset="0"/>
-                </a:rPr>
-                <a:t>DEALERS AGENT N/A</a:t>
-              </a:r>
-              <a:endParaRPr lang="en-US" sz="3200" dirty="0">
-                <a:solidFill>
-                  <a:schemeClr val="bg1"/>
-                </a:solidFill>
-                <a:effectLst>
-                  <a:outerShdw blurRad="38100" dist="38100" dir="2700000" algn="tl">
-                    <a:srgbClr val="000000">
-                      <a:alpha val="43137"/>
-                    </a:srgbClr>
-                  </a:outerShdw>
-                </a:effectLst>
-                <a:latin typeface="Arial Black" panose="020B0A04020102020204" pitchFamily="34" charset="0"/>
-              </a:endParaRPr>
-            </a:p>
-          </p:txBody>
-        </p:sp>
-      </p:grpSp>
-      <p:grpSp>
-        <p:nvGrpSpPr>
-          <p:cNvPr id="46" name="Group 45"/>
-          <p:cNvGrpSpPr/>
-          <p:nvPr/>
-        </p:nvGrpSpPr>
-        <p:grpSpPr>
-          <a:xfrm>
-            <a:off x="-7547014" y="0"/>
-            <a:ext cx="11385745" cy="6858000"/>
-            <a:chOff x="-1842903" y="10554"/>
-            <a:chExt cx="11385745" cy="6858000"/>
-          </a:xfrm>
-        </p:grpSpPr>
-        <p:grpSp>
-          <p:nvGrpSpPr>
-            <p:cNvPr id="21" name="Group 20"/>
-            <p:cNvGrpSpPr/>
-            <p:nvPr/>
-          </p:nvGrpSpPr>
-          <p:grpSpPr>
-            <a:xfrm>
-              <a:off x="-1842903" y="10554"/>
-              <a:ext cx="11366695" cy="6858000"/>
-              <a:chOff x="0" y="0"/>
-              <a:chExt cx="11366695" cy="6858000"/>
-            </a:xfrm>
-            <a:solidFill>
-              <a:srgbClr val="E7BF5F"/>
-            </a:solidFill>
-            <a:effectLst>
-              <a:outerShdw blurRad="50800" dist="38100" sx="60000" sy="60000" algn="l" rotWithShape="0">
-                <a:prstClr val="black">
-                  <a:alpha val="60000"/>
-                </a:prstClr>
-              </a:outerShdw>
-            </a:effectLst>
-          </p:grpSpPr>
-          <p:sp>
-            <p:nvSpPr>
-              <p:cNvPr id="22" name="Rectangle 21"/>
-              <p:cNvSpPr/>
-              <p:nvPr/>
-            </p:nvSpPr>
-            <p:spPr>
-              <a:xfrm>
-                <a:off x="0" y="0"/>
-                <a:ext cx="10635175" cy="6858000"/>
-              </a:xfrm>
-              <a:prstGeom prst="rect">
-                <a:avLst/>
-              </a:prstGeom>
-              <a:grpFill/>
-              <a:ln>
-                <a:noFill/>
-              </a:ln>
-              <a:effectLst>
-                <a:outerShdw blurRad="50800" dist="38100" algn="l" rotWithShape="0">
-                  <a:prstClr val="black">
-                    <a:alpha val="40000"/>
-                  </a:prstClr>
-                </a:outerShdw>
-              </a:effectLst>
-            </p:spPr>
-            <p:style>
-              <a:lnRef idx="2">
-                <a:schemeClr val="accent1">
-                  <a:shade val="50000"/>
-                </a:schemeClr>
-              </a:lnRef>
-              <a:fillRef idx="1">
-                <a:schemeClr val="accent1"/>
-              </a:fillRef>
-              <a:effectRef idx="0">
-                <a:schemeClr val="accent1"/>
-              </a:effectRef>
-              <a:fontRef idx="minor">
-                <a:schemeClr val="lt1"/>
-              </a:fontRef>
-            </p:style>
-            <p:txBody>
-              <a:bodyPr rtlCol="0" anchor="ctr"/>
-              <a:lstStyle/>
-              <a:p>
-                <a:pPr algn="ctr"/>
-                <a:endParaRPr lang="en-US"/>
-              </a:p>
-            </p:txBody>
-          </p:sp>
-          <p:sp>
-            <p:nvSpPr>
-              <p:cNvPr id="23" name="Round Same Side Corner Rectangle 22"/>
-              <p:cNvSpPr/>
-              <p:nvPr/>
-            </p:nvSpPr>
-            <p:spPr>
-              <a:xfrm rot="5400000">
-                <a:off x="10600006" y="3875652"/>
-                <a:ext cx="801858" cy="731520"/>
-              </a:xfrm>
-              <a:prstGeom prst="round2SameRect">
-                <a:avLst/>
-              </a:prstGeom>
-              <a:grpFill/>
-              <a:ln>
-                <a:noFill/>
-              </a:ln>
-              <a:effectLst>
-                <a:outerShdw blurRad="50800" dist="38100" algn="l" rotWithShape="0">
-                  <a:prstClr val="black">
-                    <a:alpha val="40000"/>
-                  </a:prstClr>
-                </a:outerShdw>
-              </a:effectLst>
-            </p:spPr>
-            <p:style>
-              <a:lnRef idx="2">
-                <a:schemeClr val="accent1">
-                  <a:shade val="50000"/>
-                </a:schemeClr>
-              </a:lnRef>
-              <a:fillRef idx="1">
-                <a:schemeClr val="accent1"/>
-              </a:fillRef>
-              <a:effectRef idx="0">
-                <a:schemeClr val="accent1"/>
-              </a:effectRef>
-              <a:fontRef idx="minor">
-                <a:schemeClr val="lt1"/>
-              </a:fontRef>
-            </p:style>
-            <p:txBody>
-              <a:bodyPr rtlCol="0" anchor="ctr"/>
-              <a:lstStyle/>
-              <a:p>
-                <a:pPr algn="ctr"/>
-                <a:endParaRPr lang="en-US"/>
-              </a:p>
-            </p:txBody>
-          </p:sp>
-        </p:grpSp>
-        <p:sp>
-          <p:nvSpPr>
-            <p:cNvPr id="34" name="TextBox 33"/>
-            <p:cNvSpPr txBox="1"/>
-            <p:nvPr/>
-          </p:nvSpPr>
-          <p:spPr>
-            <a:xfrm>
-              <a:off x="8605951" y="3902676"/>
-              <a:ext cx="936891" cy="692497"/>
-            </a:xfrm>
-            <a:prstGeom prst="rect">
-              <a:avLst/>
-            </a:prstGeom>
-            <a:noFill/>
-          </p:spPr>
-          <p:txBody>
-            <a:bodyPr wrap="square" rtlCol="0">
-              <a:spAutoFit/>
-            </a:bodyPr>
-            <a:lstStyle/>
-            <a:p>
-              <a:pPr algn="ctr"/>
-              <a:r>
-                <a:rPr lang="en-US" sz="3900" dirty="0" smtClean="0">
-                  <a:solidFill>
-                    <a:schemeClr val="bg1"/>
-                  </a:solidFill>
-                  <a:latin typeface="Arial Black" panose="020B0A04020102020204" pitchFamily="34" charset="0"/>
-                </a:rPr>
-                <a:t>13</a:t>
-              </a:r>
-              <a:endParaRPr lang="en-US" sz="3900" dirty="0">
-                <a:solidFill>
-                  <a:schemeClr val="bg1"/>
-                </a:solidFill>
-                <a:latin typeface="Arial Black" panose="020B0A04020102020204" pitchFamily="34" charset="0"/>
-              </a:endParaRPr>
-            </a:p>
-          </p:txBody>
-        </p:sp>
-        <p:sp>
-          <p:nvSpPr>
-            <p:cNvPr id="45" name="TextBox 44"/>
-            <p:cNvSpPr txBox="1"/>
-            <p:nvPr/>
-          </p:nvSpPr>
-          <p:spPr>
-            <a:xfrm>
-              <a:off x="1912506" y="2227803"/>
-              <a:ext cx="6708980" cy="1077218"/>
-            </a:xfrm>
-            <a:prstGeom prst="rect">
-              <a:avLst/>
-            </a:prstGeom>
-            <a:noFill/>
-          </p:spPr>
-          <p:txBody>
-            <a:bodyPr wrap="square" rtlCol="0">
-              <a:spAutoFit/>
-            </a:bodyPr>
-            <a:lstStyle/>
-            <a:p>
-              <a:pPr algn="ctr"/>
-              <a:r>
-                <a:rPr lang="en-US" sz="3200" dirty="0" smtClean="0">
-                  <a:solidFill>
-                    <a:schemeClr val="bg1"/>
-                  </a:solidFill>
-                  <a:effectLst>
-                    <a:outerShdw blurRad="38100" dist="38100" dir="2700000" algn="tl">
-                      <a:srgbClr val="000000">
-                        <a:alpha val="43137"/>
-                      </a:srgbClr>
-                    </a:outerShdw>
-                  </a:effectLst>
-                  <a:latin typeface="Arial Black" panose="020B0A04020102020204" pitchFamily="34" charset="0"/>
-                </a:rPr>
-                <a:t>POST BILLED = Y</a:t>
-              </a:r>
-            </a:p>
-            <a:p>
-              <a:pPr algn="ctr"/>
-              <a:r>
-                <a:rPr lang="en-US" sz="3200" dirty="0" smtClean="0">
-                  <a:solidFill>
-                    <a:schemeClr val="bg1"/>
-                  </a:solidFill>
-                  <a:effectLst>
-                    <a:outerShdw blurRad="38100" dist="38100" dir="2700000" algn="tl">
-                      <a:srgbClr val="000000">
-                        <a:alpha val="43137"/>
-                      </a:srgbClr>
-                    </a:outerShdw>
-                  </a:effectLst>
-                  <a:latin typeface="Arial Black" panose="020B0A04020102020204" pitchFamily="34" charset="0"/>
-                </a:rPr>
-                <a:t>(TO12) = N</a:t>
-              </a:r>
-              <a:endParaRPr lang="en-US" sz="3200" dirty="0">
-                <a:solidFill>
-                  <a:schemeClr val="bg1"/>
-                </a:solidFill>
-                <a:effectLst>
-                  <a:outerShdw blurRad="38100" dist="38100" dir="2700000" algn="tl">
-                    <a:srgbClr val="000000">
-                      <a:alpha val="43137"/>
-                    </a:srgbClr>
-                  </a:outerShdw>
-                </a:effectLst>
-                <a:latin typeface="Arial Black" panose="020B0A04020102020204" pitchFamily="34" charset="0"/>
-              </a:endParaRPr>
-            </a:p>
-          </p:txBody>
-        </p:sp>
-      </p:grpSp>
-      <p:grpSp>
-        <p:nvGrpSpPr>
-          <p:cNvPr id="48" name="Group 47"/>
-          <p:cNvGrpSpPr/>
-          <p:nvPr/>
-        </p:nvGrpSpPr>
-        <p:grpSpPr>
-          <a:xfrm>
-            <a:off x="-8664724" y="10554"/>
-            <a:ext cx="11385745" cy="6858000"/>
-            <a:chOff x="-3305943" y="0"/>
-            <a:chExt cx="11385745" cy="6858000"/>
-          </a:xfrm>
-        </p:grpSpPr>
-        <p:grpSp>
-          <p:nvGrpSpPr>
-            <p:cNvPr id="24" name="Group 23"/>
-            <p:cNvGrpSpPr/>
-            <p:nvPr/>
-          </p:nvGrpSpPr>
-          <p:grpSpPr>
-            <a:xfrm>
-              <a:off x="-3305943" y="0"/>
-              <a:ext cx="11366695" cy="6858000"/>
-              <a:chOff x="0" y="0"/>
-              <a:chExt cx="11366695" cy="6858000"/>
-            </a:xfrm>
-            <a:solidFill>
-              <a:srgbClr val="E9A039"/>
-            </a:solidFill>
-            <a:effectLst>
-              <a:outerShdw blurRad="50800" dist="38100" sx="60000" sy="60000" algn="l" rotWithShape="0">
-                <a:prstClr val="black">
-                  <a:alpha val="60000"/>
-                </a:prstClr>
-              </a:outerShdw>
-            </a:effectLst>
-          </p:grpSpPr>
-          <p:sp>
-            <p:nvSpPr>
-              <p:cNvPr id="25" name="Rectangle 24"/>
-              <p:cNvSpPr/>
-              <p:nvPr/>
-            </p:nvSpPr>
-            <p:spPr>
-              <a:xfrm>
-                <a:off x="0" y="0"/>
-                <a:ext cx="10635175" cy="6858000"/>
-              </a:xfrm>
-              <a:prstGeom prst="rect">
-                <a:avLst/>
-              </a:prstGeom>
-              <a:grpFill/>
-              <a:ln>
-                <a:noFill/>
-              </a:ln>
-              <a:effectLst>
-                <a:outerShdw blurRad="50800" dist="38100" algn="l" rotWithShape="0">
-                  <a:prstClr val="black">
-                    <a:alpha val="40000"/>
-                  </a:prstClr>
-                </a:outerShdw>
-              </a:effectLst>
-            </p:spPr>
-            <p:style>
-              <a:lnRef idx="2">
-                <a:schemeClr val="accent1">
-                  <a:shade val="50000"/>
-                </a:schemeClr>
-              </a:lnRef>
-              <a:fillRef idx="1">
-                <a:schemeClr val="accent1"/>
-              </a:fillRef>
-              <a:effectRef idx="0">
-                <a:schemeClr val="accent1"/>
-              </a:effectRef>
-              <a:fontRef idx="minor">
-                <a:schemeClr val="lt1"/>
-              </a:fontRef>
-            </p:style>
-            <p:txBody>
-              <a:bodyPr rtlCol="0" anchor="ctr"/>
-              <a:lstStyle/>
-              <a:p>
-                <a:pPr algn="ctr"/>
-                <a:endParaRPr lang="en-US"/>
-              </a:p>
-            </p:txBody>
-          </p:sp>
-          <p:sp>
-            <p:nvSpPr>
-              <p:cNvPr id="26" name="Round Same Side Corner Rectangle 25"/>
-              <p:cNvSpPr/>
-              <p:nvPr/>
-            </p:nvSpPr>
-            <p:spPr>
-              <a:xfrm rot="5400000">
-                <a:off x="10600006" y="3073794"/>
-                <a:ext cx="801858" cy="731520"/>
-              </a:xfrm>
-              <a:prstGeom prst="round2SameRect">
-                <a:avLst/>
-              </a:prstGeom>
-              <a:grpFill/>
-              <a:ln>
-                <a:noFill/>
-              </a:ln>
-              <a:effectLst>
-                <a:outerShdw blurRad="50800" dist="38100" algn="l" rotWithShape="0">
-                  <a:prstClr val="black">
-                    <a:alpha val="40000"/>
-                  </a:prstClr>
-                </a:outerShdw>
-              </a:effectLst>
-            </p:spPr>
-            <p:style>
-              <a:lnRef idx="2">
-                <a:schemeClr val="accent1">
-                  <a:shade val="50000"/>
-                </a:schemeClr>
-              </a:lnRef>
-              <a:fillRef idx="1">
-                <a:schemeClr val="accent1"/>
-              </a:fillRef>
-              <a:effectRef idx="0">
-                <a:schemeClr val="accent1"/>
-              </a:effectRef>
-              <a:fontRef idx="minor">
-                <a:schemeClr val="lt1"/>
-              </a:fontRef>
-            </p:style>
-            <p:txBody>
-              <a:bodyPr rtlCol="0" anchor="ctr"/>
-              <a:lstStyle/>
-              <a:p>
-                <a:pPr algn="ctr"/>
-                <a:endParaRPr lang="en-US"/>
-              </a:p>
-            </p:txBody>
-          </p:sp>
-        </p:grpSp>
-        <p:sp>
-          <p:nvSpPr>
-            <p:cNvPr id="35" name="TextBox 34"/>
-            <p:cNvSpPr txBox="1"/>
-            <p:nvPr/>
-          </p:nvSpPr>
-          <p:spPr>
-            <a:xfrm>
-              <a:off x="7168531" y="3081943"/>
-              <a:ext cx="911271" cy="692497"/>
-            </a:xfrm>
-            <a:prstGeom prst="rect">
-              <a:avLst/>
-            </a:prstGeom>
-            <a:noFill/>
-          </p:spPr>
-          <p:txBody>
-            <a:bodyPr wrap="square" rtlCol="0">
-              <a:spAutoFit/>
-            </a:bodyPr>
-            <a:lstStyle/>
-            <a:p>
-              <a:pPr algn="ctr"/>
-              <a:r>
-                <a:rPr lang="en-US" sz="3900" dirty="0" smtClean="0">
-                  <a:solidFill>
-                    <a:schemeClr val="bg1"/>
-                  </a:solidFill>
-                  <a:latin typeface="Arial Black" panose="020B0A04020102020204" pitchFamily="34" charset="0"/>
-                </a:rPr>
-                <a:t>14</a:t>
-              </a:r>
-              <a:endParaRPr lang="en-US" sz="3900" dirty="0">
-                <a:solidFill>
-                  <a:schemeClr val="bg1"/>
-                </a:solidFill>
-                <a:latin typeface="Arial Black" panose="020B0A04020102020204" pitchFamily="34" charset="0"/>
-              </a:endParaRPr>
-            </a:p>
-          </p:txBody>
-        </p:sp>
-        <p:sp>
-          <p:nvSpPr>
-            <p:cNvPr id="47" name="TextBox 46"/>
-            <p:cNvSpPr txBox="1"/>
-            <p:nvPr/>
-          </p:nvSpPr>
-          <p:spPr>
-            <a:xfrm>
-              <a:off x="1363860" y="1502170"/>
-              <a:ext cx="4924406" cy="523220"/>
-            </a:xfrm>
-            <a:prstGeom prst="rect">
-              <a:avLst/>
-            </a:prstGeom>
-            <a:noFill/>
-          </p:spPr>
-          <p:txBody>
-            <a:bodyPr wrap="square" rtlCol="0">
-              <a:spAutoFit/>
-            </a:bodyPr>
-            <a:lstStyle/>
-            <a:p>
-              <a:pPr algn="ctr"/>
-              <a:r>
-                <a:rPr lang="en-US" sz="2800" dirty="0" smtClean="0">
-                  <a:solidFill>
-                    <a:schemeClr val="bg1"/>
-                  </a:solidFill>
-                  <a:effectLst>
-                    <a:outerShdw blurRad="38100" dist="38100" dir="2700000" algn="tl">
-                      <a:srgbClr val="000000">
-                        <a:alpha val="43137"/>
-                      </a:srgbClr>
-                    </a:outerShdw>
-                  </a:effectLst>
-                  <a:latin typeface="Arial Black" panose="020B0A04020102020204" pitchFamily="34" charset="0"/>
-                </a:rPr>
-                <a:t>AREA MANAGER</a:t>
-              </a:r>
-              <a:endParaRPr lang="en-US" sz="2800" dirty="0">
-                <a:solidFill>
-                  <a:schemeClr val="bg1"/>
-                </a:solidFill>
-                <a:effectLst>
-                  <a:outerShdw blurRad="38100" dist="38100" dir="2700000" algn="tl">
-                    <a:srgbClr val="000000">
-                      <a:alpha val="43137"/>
-                    </a:srgbClr>
-                  </a:outerShdw>
-                </a:effectLst>
-                <a:latin typeface="Arial Black" panose="020B0A04020102020204" pitchFamily="34" charset="0"/>
-              </a:endParaRPr>
-            </a:p>
-          </p:txBody>
-        </p:sp>
-      </p:grpSp>
-      <p:grpSp>
-        <p:nvGrpSpPr>
-          <p:cNvPr id="50" name="Group 49"/>
-          <p:cNvGrpSpPr/>
-          <p:nvPr/>
-        </p:nvGrpSpPr>
-        <p:grpSpPr>
-          <a:xfrm>
-            <a:off x="-9782434" y="21108"/>
-            <a:ext cx="11385745" cy="6858000"/>
-            <a:chOff x="-4078323" y="31662"/>
-            <a:chExt cx="11385745" cy="6858000"/>
-          </a:xfrm>
-        </p:grpSpPr>
-        <p:grpSp>
-          <p:nvGrpSpPr>
-            <p:cNvPr id="27" name="Group 26"/>
-            <p:cNvGrpSpPr/>
-            <p:nvPr/>
-          </p:nvGrpSpPr>
-          <p:grpSpPr>
-            <a:xfrm>
-              <a:off x="-4078323" y="31662"/>
-              <a:ext cx="11366695" cy="6858000"/>
-              <a:chOff x="0" y="0"/>
-              <a:chExt cx="11366695" cy="6858000"/>
-            </a:xfrm>
-            <a:solidFill>
-              <a:srgbClr val="CF7133"/>
-            </a:solidFill>
-            <a:effectLst>
-              <a:outerShdw blurRad="50800" dist="38100" sx="60000" sy="60000" algn="l" rotWithShape="0">
-                <a:prstClr val="black">
-                  <a:alpha val="60000"/>
-                </a:prstClr>
-              </a:outerShdw>
-            </a:effectLst>
-          </p:grpSpPr>
-          <p:sp>
-            <p:nvSpPr>
-              <p:cNvPr id="28" name="Rectangle 27"/>
-              <p:cNvSpPr/>
-              <p:nvPr/>
-            </p:nvSpPr>
-            <p:spPr>
-              <a:xfrm>
-                <a:off x="0" y="0"/>
-                <a:ext cx="10635175" cy="6858000"/>
-              </a:xfrm>
-              <a:prstGeom prst="rect">
-                <a:avLst/>
-              </a:prstGeom>
-              <a:grpFill/>
-              <a:ln>
-                <a:noFill/>
-              </a:ln>
-              <a:effectLst>
-                <a:outerShdw blurRad="50800" dist="38100" algn="l" rotWithShape="0">
-                  <a:prstClr val="black">
-                    <a:alpha val="40000"/>
-                  </a:prstClr>
-                </a:outerShdw>
-              </a:effectLst>
-            </p:spPr>
-            <p:style>
-              <a:lnRef idx="2">
-                <a:schemeClr val="accent1">
-                  <a:shade val="50000"/>
-                </a:schemeClr>
-              </a:lnRef>
-              <a:fillRef idx="1">
-                <a:schemeClr val="accent1"/>
-              </a:fillRef>
-              <a:effectRef idx="0">
-                <a:schemeClr val="accent1"/>
-              </a:effectRef>
-              <a:fontRef idx="minor">
-                <a:schemeClr val="lt1"/>
-              </a:fontRef>
-            </p:style>
-            <p:txBody>
-              <a:bodyPr rtlCol="0" anchor="ctr"/>
-              <a:lstStyle/>
-              <a:p>
-                <a:pPr algn="ctr"/>
-                <a:endParaRPr lang="en-US"/>
-              </a:p>
-            </p:txBody>
-          </p:sp>
-          <p:sp>
-            <p:nvSpPr>
-              <p:cNvPr id="29" name="Round Same Side Corner Rectangle 28"/>
-              <p:cNvSpPr/>
-              <p:nvPr/>
-            </p:nvSpPr>
-            <p:spPr>
-              <a:xfrm rot="5400000">
-                <a:off x="10600006" y="2271936"/>
-                <a:ext cx="801858" cy="731520"/>
-              </a:xfrm>
-              <a:prstGeom prst="round2SameRect">
-                <a:avLst/>
-              </a:prstGeom>
-              <a:grpFill/>
-              <a:ln>
-                <a:noFill/>
-              </a:ln>
-              <a:effectLst>
-                <a:outerShdw blurRad="50800" dist="38100" algn="l" rotWithShape="0">
-                  <a:prstClr val="black">
-                    <a:alpha val="40000"/>
-                  </a:prstClr>
-                </a:outerShdw>
-              </a:effectLst>
-            </p:spPr>
-            <p:style>
-              <a:lnRef idx="2">
-                <a:schemeClr val="accent1">
-                  <a:shade val="50000"/>
-                </a:schemeClr>
-              </a:lnRef>
-              <a:fillRef idx="1">
-                <a:schemeClr val="accent1"/>
-              </a:fillRef>
-              <a:effectRef idx="0">
-                <a:schemeClr val="accent1"/>
-              </a:effectRef>
-              <a:fontRef idx="minor">
-                <a:schemeClr val="lt1"/>
-              </a:fontRef>
-            </p:style>
-            <p:txBody>
-              <a:bodyPr rtlCol="0" anchor="ctr"/>
-              <a:lstStyle/>
-              <a:p>
-                <a:pPr algn="ctr"/>
-                <a:endParaRPr lang="en-US"/>
-              </a:p>
-            </p:txBody>
-          </p:sp>
-        </p:grpSp>
-        <p:sp>
-          <p:nvSpPr>
-            <p:cNvPr id="36" name="TextBox 35"/>
-            <p:cNvSpPr txBox="1"/>
-            <p:nvPr/>
-          </p:nvSpPr>
-          <p:spPr>
-            <a:xfrm>
-              <a:off x="6415201" y="2305885"/>
-              <a:ext cx="892221" cy="692497"/>
-            </a:xfrm>
-            <a:prstGeom prst="rect">
-              <a:avLst/>
-            </a:prstGeom>
-            <a:noFill/>
-          </p:spPr>
-          <p:txBody>
-            <a:bodyPr wrap="square" rtlCol="0">
-              <a:spAutoFit/>
-            </a:bodyPr>
-            <a:lstStyle/>
-            <a:p>
-              <a:pPr algn="ctr"/>
-              <a:r>
-                <a:rPr lang="en-US" sz="3900" dirty="0" smtClean="0">
-                  <a:solidFill>
-                    <a:schemeClr val="bg1"/>
-                  </a:solidFill>
-                  <a:latin typeface="Arial Black" panose="020B0A04020102020204" pitchFamily="34" charset="0"/>
-                </a:rPr>
-                <a:t>15</a:t>
-              </a:r>
-              <a:endParaRPr lang="en-US" sz="3900" dirty="0">
-                <a:solidFill>
-                  <a:schemeClr val="bg1"/>
-                </a:solidFill>
-                <a:latin typeface="Arial Black" panose="020B0A04020102020204" pitchFamily="34" charset="0"/>
-              </a:endParaRPr>
-            </a:p>
-          </p:txBody>
-        </p:sp>
-        <p:sp>
-          <p:nvSpPr>
-            <p:cNvPr id="49" name="TextBox 48"/>
-            <p:cNvSpPr txBox="1"/>
-            <p:nvPr/>
-          </p:nvSpPr>
-          <p:spPr>
-            <a:xfrm>
-              <a:off x="-326173" y="1512724"/>
-              <a:ext cx="6435539" cy="584775"/>
-            </a:xfrm>
-            <a:prstGeom prst="rect">
-              <a:avLst/>
-            </a:prstGeom>
-            <a:noFill/>
-          </p:spPr>
-          <p:txBody>
-            <a:bodyPr wrap="square" rtlCol="0">
-              <a:spAutoFit/>
-            </a:bodyPr>
-            <a:lstStyle/>
-            <a:p>
-              <a:pPr algn="ctr"/>
-              <a:r>
-                <a:rPr lang="en-US" sz="3200" dirty="0" smtClean="0">
-                  <a:solidFill>
-                    <a:schemeClr val="bg1"/>
-                  </a:solidFill>
-                  <a:effectLst>
-                    <a:outerShdw blurRad="38100" dist="38100" dir="2700000" algn="tl">
-                      <a:srgbClr val="000000">
-                        <a:alpha val="43137"/>
-                      </a:srgbClr>
-                    </a:outerShdw>
-                  </a:effectLst>
-                  <a:latin typeface="Arial Black" panose="020B0A04020102020204" pitchFamily="34" charset="0"/>
-                </a:rPr>
-                <a:t>ICD STAFF</a:t>
-              </a:r>
-              <a:endParaRPr lang="en-US" sz="3200" dirty="0">
-                <a:solidFill>
-                  <a:schemeClr val="bg1"/>
-                </a:solidFill>
-                <a:effectLst>
-                  <a:outerShdw blurRad="38100" dist="38100" dir="2700000" algn="tl">
-                    <a:srgbClr val="000000">
-                      <a:alpha val="43137"/>
-                    </a:srgbClr>
-                  </a:outerShdw>
-                </a:effectLst>
-                <a:latin typeface="Arial Black" panose="020B0A04020102020204" pitchFamily="34" charset="0"/>
-              </a:endParaRPr>
-            </a:p>
-          </p:txBody>
-        </p:sp>
-      </p:grpSp>
-    </p:spTree>
-    <p:extLst>
-      <p:ext uri="{BB962C8B-B14F-4D97-AF65-F5344CB8AC3E}">
-        <p14:creationId xmlns:p14="http://schemas.microsoft.com/office/powerpoint/2010/main" val="977534897"/>
-      </p:ext>
-    </p:extLst>
-  </p:cSld>
-  <p:clrMapOvr>
-    <a:masterClrMapping/>
-  </p:clrMapOvr>
-  <p:transition spd="slow">
-    <p:push dir="r"/>
-  </p:transition>
-  <p:timing>
-    <p:tnLst>
-      <p:par>
-        <p:cTn id="1" dur="indefinite" restart="never" nodeType="tmRoot">
-          <p:childTnLst>
-            <p:seq concurrent="1" nextAc="seek">
-              <p:cTn id="2" dur="indefinite" nodeType="mainSeq">
-                <p:childTnLst>
-                  <p:par>
-                    <p:cTn id="3" fill="hold">
-                      <p:stCondLst>
-                        <p:cond delay="indefinite"/>
-                      </p:stCondLst>
-                      <p:childTnLst>
-                        <p:par>
-                          <p:cTn id="4" fill="hold">
-                            <p:stCondLst>
-                              <p:cond delay="0"/>
-                            </p:stCondLst>
-                            <p:childTnLst>
-                              <p:par>
-                                <p:cTn id="5" presetID="63" presetClass="path" presetSubtype="0" accel="50000" decel="50000" fill="hold" nodeType="clickEffect">
-                                  <p:stCondLst>
-                                    <p:cond delay="0"/>
-                                  </p:stCondLst>
-                                  <p:childTnLst>
-                                    <p:animMotion origin="layout" path="M 6.93889E-18 0 L 0.47279 0.00208 " pathEditMode="relative" rAng="0" ptsTypes="AA">
-                                      <p:cBhvr>
-                                        <p:cTn id="6" dur="2000" fill="hold"/>
-                                        <p:tgtEl>
-                                          <p:spTgt spid="41"/>
-                                        </p:tgtEl>
-                                        <p:attrNameLst>
-                                          <p:attrName>ppt_x</p:attrName>
-                                          <p:attrName>ppt_y</p:attrName>
-                                        </p:attrNameLst>
-                                      </p:cBhvr>
-                                      <p:rCtr x="23633" y="93"/>
-                                    </p:animMotion>
-                                  </p:childTnLst>
-                                </p:cTn>
-                              </p:par>
-                            </p:childTnLst>
-                          </p:cTn>
-                        </p:par>
-                      </p:childTnLst>
-                    </p:cTn>
-                  </p:par>
-                  <p:par>
-                    <p:cTn id="7" fill="hold">
-                      <p:stCondLst>
-                        <p:cond delay="indefinite"/>
-                      </p:stCondLst>
-                      <p:childTnLst>
-                        <p:par>
-                          <p:cTn id="8" fill="hold">
-                            <p:stCondLst>
-                              <p:cond delay="0"/>
-                            </p:stCondLst>
-                            <p:childTnLst>
-                              <p:par>
-                                <p:cTn id="9" presetID="63" presetClass="path" presetSubtype="0" accel="50000" decel="50000" fill="hold" nodeType="clickEffect">
-                                  <p:stCondLst>
-                                    <p:cond delay="0"/>
-                                  </p:stCondLst>
-                                  <p:childTnLst>
-                                    <p:animMotion origin="layout" path="M -3.33333E-6 0 L 0.47839 -0.00394 " pathEditMode="relative" rAng="0" ptsTypes="AA">
-                                      <p:cBhvr>
-                                        <p:cTn id="10" dur="2000" fill="hold"/>
-                                        <p:tgtEl>
-                                          <p:spTgt spid="44"/>
-                                        </p:tgtEl>
-                                        <p:attrNameLst>
-                                          <p:attrName>ppt_x</p:attrName>
-                                          <p:attrName>ppt_y</p:attrName>
-                                        </p:attrNameLst>
-                                      </p:cBhvr>
-                                      <p:rCtr x="23919" y="-208"/>
-                                    </p:animMotion>
-                                  </p:childTnLst>
-                                </p:cTn>
-                              </p:par>
-                            </p:childTnLst>
-                          </p:cTn>
-                        </p:par>
-                      </p:childTnLst>
-                    </p:cTn>
-                  </p:par>
-                  <p:par>
-                    <p:cTn id="11" fill="hold">
-                      <p:stCondLst>
-                        <p:cond delay="indefinite"/>
-                      </p:stCondLst>
-                      <p:childTnLst>
-                        <p:par>
-                          <p:cTn id="12" fill="hold">
-                            <p:stCondLst>
-                              <p:cond delay="0"/>
-                            </p:stCondLst>
-                            <p:childTnLst>
-                              <p:par>
-                                <p:cTn id="13" presetID="63" presetClass="path" presetSubtype="0" accel="50000" decel="50000" fill="hold" nodeType="clickEffect">
-                                  <p:stCondLst>
-                                    <p:cond delay="0"/>
-                                  </p:stCondLst>
-                                  <p:childTnLst>
-                                    <p:animMotion origin="layout" path="M 3.33333E-6 0 L 0.48398 -0.00394 " pathEditMode="relative" rAng="0" ptsTypes="AA">
-                                      <p:cBhvr>
-                                        <p:cTn id="14" dur="2000" fill="hold"/>
-                                        <p:tgtEl>
-                                          <p:spTgt spid="46"/>
-                                        </p:tgtEl>
-                                        <p:attrNameLst>
-                                          <p:attrName>ppt_x</p:attrName>
-                                          <p:attrName>ppt_y</p:attrName>
-                                        </p:attrNameLst>
-                                      </p:cBhvr>
-                                      <p:rCtr x="24193" y="-208"/>
-                                    </p:animMotion>
-                                  </p:childTnLst>
-                                </p:cTn>
-                              </p:par>
-                            </p:childTnLst>
-                          </p:cTn>
-                        </p:par>
-                      </p:childTnLst>
-                    </p:cTn>
-                  </p:par>
-                  <p:par>
-                    <p:cTn id="15" fill="hold">
-                      <p:stCondLst>
-                        <p:cond delay="indefinite"/>
-                      </p:stCondLst>
-                      <p:childTnLst>
-                        <p:par>
-                          <p:cTn id="16" fill="hold">
-                            <p:stCondLst>
-                              <p:cond delay="0"/>
-                            </p:stCondLst>
-                            <p:childTnLst>
-                              <p:par>
-                                <p:cTn id="17" presetID="63" presetClass="path" presetSubtype="0" accel="50000" decel="50000" fill="hold" nodeType="clickEffect">
-                                  <p:stCondLst>
-                                    <p:cond delay="0"/>
-                                  </p:stCondLst>
-                                  <p:childTnLst>
-                                    <p:animMotion origin="layout" path="M -2.77556E-17 -3.7037E-7 L 0.48893 0.00162 " pathEditMode="relative" rAng="0" ptsTypes="AA">
-                                      <p:cBhvr>
-                                        <p:cTn id="18" dur="2000" fill="hold"/>
-                                        <p:tgtEl>
-                                          <p:spTgt spid="48"/>
-                                        </p:tgtEl>
-                                        <p:attrNameLst>
-                                          <p:attrName>ppt_x</p:attrName>
-                                          <p:attrName>ppt_y</p:attrName>
-                                        </p:attrNameLst>
-                                      </p:cBhvr>
-                                      <p:rCtr x="24440" y="69"/>
-                                    </p:animMotion>
-                                  </p:childTnLst>
-                                </p:cTn>
-                              </p:par>
-                            </p:childTnLst>
-                          </p:cTn>
-                        </p:par>
-                      </p:childTnLst>
-                    </p:cTn>
-                  </p:par>
-                  <p:par>
-                    <p:cTn id="19" fill="hold">
-                      <p:stCondLst>
-                        <p:cond delay="indefinite"/>
-                      </p:stCondLst>
-                      <p:childTnLst>
-                        <p:par>
-                          <p:cTn id="20" fill="hold">
-                            <p:stCondLst>
-                              <p:cond delay="0"/>
-                            </p:stCondLst>
-                            <p:childTnLst>
-                              <p:par>
-                                <p:cTn id="21" presetID="63" presetClass="path" presetSubtype="0" accel="50000" decel="50000" fill="hold" nodeType="clickEffect">
-                                  <p:stCondLst>
-                                    <p:cond delay="0"/>
-                                  </p:stCondLst>
-                                  <p:childTnLst>
-                                    <p:animMotion origin="layout" path="M -3.33333E-6 7.40741E-7 L 0.49779 -0.00695 " pathEditMode="relative" rAng="0" ptsTypes="AA">
-                                      <p:cBhvr>
-                                        <p:cTn id="22" dur="2000" fill="hold"/>
-                                        <p:tgtEl>
-                                          <p:spTgt spid="50"/>
-                                        </p:tgtEl>
-                                        <p:attrNameLst>
-                                          <p:attrName>ppt_x</p:attrName>
-                                          <p:attrName>ppt_y</p:attrName>
-                                        </p:attrNameLst>
-                                      </p:cBhvr>
-                                      <p:rCtr x="24896" y="-347"/>
-                                    </p:animMotion>
-                                  </p:childTnLst>
-                                </p:cTn>
-                              </p:par>
-                            </p:childTnLst>
-                          </p:cTn>
-                        </p:par>
-                      </p:childTnLst>
-                    </p:cTn>
-                  </p:par>
-                </p:childTnLst>
-              </p:cTn>
-              <p:prevCondLst>
-                <p:cond evt="onPrev" delay="0">
-                  <p:tgtEl>
-                    <p:sldTgt/>
-                  </p:tgtEl>
-                </p:cond>
-              </p:prevCondLst>
-              <p:nextCondLst>
-                <p:cond evt="onNext" delay="0">
-                  <p:tgtEl>
-                    <p:sldTgt/>
-                  </p:tgtEl>
-                </p:cond>
-              </p:nextCondLst>
-            </p:seq>
-          </p:childTnLst>
-        </p:cTn>
-      </p:par>
-    </p:tnLst>
-  </p:timing>
-</p:sld>
-</file>
-
-<file path=ppt/slides/slide5.xml><?xml version="1.0" encoding="utf-8"?>
-<p:sld xmlns:a="http://schemas.openxmlformats.org/drawingml/2006/main" xmlns:r="http://schemas.openxmlformats.org/officeDocument/2006/relationships" xmlns:p="http://schemas.openxmlformats.org/presentationml/2006/main">
-  <p:cSld>
-    <p:bg>
-      <p:bgPr>
-        <a:solidFill>
-          <a:srgbClr val="6F6F6F"/>
-        </a:solidFill>
-        <a:effectLst/>
-      </p:bgPr>
-    </p:bg>
-    <p:spTree>
-      <p:nvGrpSpPr>
-        <p:cNvPr id="1" name=""/>
-        <p:cNvGrpSpPr/>
-        <p:nvPr/>
-      </p:nvGrpSpPr>
-      <p:grpSpPr>
-        <a:xfrm>
-          <a:off x="0" y="0"/>
-          <a:ext cx="0" cy="0"/>
-          <a:chOff x="0" y="0"/>
-          <a:chExt cx="0" cy="0"/>
-        </a:xfrm>
-      </p:grpSpPr>
-      <p:grpSp>
-        <p:nvGrpSpPr>
-          <p:cNvPr id="41" name="Group 40"/>
-          <p:cNvGrpSpPr/>
-          <p:nvPr/>
-        </p:nvGrpSpPr>
-        <p:grpSpPr>
-          <a:xfrm>
-            <a:off x="-7273744" y="0"/>
-            <a:ext cx="11406478" cy="6858000"/>
-            <a:chOff x="392517" y="10554"/>
-            <a:chExt cx="11406478" cy="6858000"/>
-          </a:xfrm>
-        </p:grpSpPr>
-        <p:grpSp>
-          <p:nvGrpSpPr>
-            <p:cNvPr id="39" name="Group 38"/>
-            <p:cNvGrpSpPr/>
-            <p:nvPr/>
-          </p:nvGrpSpPr>
-          <p:grpSpPr>
-            <a:xfrm>
-              <a:off x="392517" y="10554"/>
-              <a:ext cx="11406478" cy="6858000"/>
-              <a:chOff x="-5506534" y="0"/>
-              <a:chExt cx="11406478" cy="6858000"/>
-            </a:xfrm>
-          </p:grpSpPr>
-          <p:grpSp>
-            <p:nvGrpSpPr>
-              <p:cNvPr id="17" name="Group 16"/>
-              <p:cNvGrpSpPr/>
-              <p:nvPr/>
-            </p:nvGrpSpPr>
-            <p:grpSpPr>
-              <a:xfrm>
-                <a:off x="-5506534" y="0"/>
-                <a:ext cx="11366695" cy="6858000"/>
-                <a:chOff x="0" y="0"/>
-                <a:chExt cx="11366695" cy="6858000"/>
-              </a:xfrm>
-              <a:effectLst>
-                <a:outerShdw blurRad="50800" dist="38100" sx="60000" sy="60000" algn="l" rotWithShape="0">
-                  <a:prstClr val="black">
-                    <a:alpha val="60000"/>
-                  </a:prstClr>
-                </a:outerShdw>
-              </a:effectLst>
-            </p:grpSpPr>
-            <p:sp>
-              <p:nvSpPr>
-                <p:cNvPr id="15" name="Rectangle 14"/>
-                <p:cNvSpPr/>
-                <p:nvPr/>
-              </p:nvSpPr>
-              <p:spPr>
-                <a:xfrm>
-                  <a:off x="0" y="0"/>
-                  <a:ext cx="10635175" cy="6858000"/>
-                </a:xfrm>
-                <a:prstGeom prst="rect">
-                  <a:avLst/>
-                </a:prstGeom>
-                <a:solidFill>
-                  <a:srgbClr val="F4B54B"/>
-                </a:solidFill>
-                <a:ln>
-                  <a:noFill/>
-                </a:ln>
-                <a:effectLst>
-                  <a:outerShdw blurRad="50800" dist="38100" algn="l" rotWithShape="0">
-                    <a:prstClr val="black">
-                      <a:alpha val="40000"/>
-                    </a:prstClr>
-                  </a:outerShdw>
-                </a:effectLst>
-              </p:spPr>
-              <p:style>
-                <a:lnRef idx="2">
-                  <a:schemeClr val="accent1">
-                    <a:shade val="50000"/>
-                  </a:schemeClr>
-                </a:lnRef>
-                <a:fillRef idx="1">
-                  <a:schemeClr val="accent1"/>
-                </a:fillRef>
-                <a:effectRef idx="0">
-                  <a:schemeClr val="accent1"/>
-                </a:effectRef>
-                <a:fontRef idx="minor">
-                  <a:schemeClr val="lt1"/>
-                </a:fontRef>
-              </p:style>
-              <p:txBody>
-                <a:bodyPr rtlCol="0" anchor="ctr"/>
-                <a:lstStyle/>
-                <a:p>
-                  <a:pPr algn="ctr"/>
-                  <a:endParaRPr lang="en-US"/>
-                </a:p>
-              </p:txBody>
-            </p:sp>
-            <p:sp>
-              <p:nvSpPr>
-                <p:cNvPr id="16" name="Round Same Side Corner Rectangle 15"/>
-                <p:cNvSpPr/>
-                <p:nvPr/>
-              </p:nvSpPr>
-              <p:spPr>
-                <a:xfrm rot="5400000">
-                  <a:off x="10600006" y="5479368"/>
-                  <a:ext cx="801858" cy="731520"/>
-                </a:xfrm>
-                <a:prstGeom prst="round2SameRect">
-                  <a:avLst/>
-                </a:prstGeom>
-                <a:solidFill>
-                  <a:srgbClr val="F4B54B"/>
-                </a:solidFill>
-                <a:ln>
-                  <a:noFill/>
-                </a:ln>
-                <a:effectLst>
-                  <a:outerShdw blurRad="50800" dist="38100" algn="l" rotWithShape="0">
-                    <a:prstClr val="black">
-                      <a:alpha val="40000"/>
-                    </a:prstClr>
-                  </a:outerShdw>
-                </a:effectLst>
-              </p:spPr>
-              <p:style>
-                <a:lnRef idx="2">
-                  <a:schemeClr val="accent1">
-                    <a:shade val="50000"/>
-                  </a:schemeClr>
-                </a:lnRef>
-                <a:fillRef idx="1">
-                  <a:schemeClr val="accent1"/>
-                </a:fillRef>
-                <a:effectRef idx="0">
-                  <a:schemeClr val="accent1"/>
-                </a:effectRef>
-                <a:fontRef idx="minor">
-                  <a:schemeClr val="lt1"/>
-                </a:fontRef>
-              </p:style>
-              <p:txBody>
-                <a:bodyPr rtlCol="0" anchor="ctr"/>
-                <a:lstStyle/>
-                <a:p>
-                  <a:pPr algn="ctr"/>
-                  <a:endParaRPr lang="en-US" dirty="0"/>
-                </a:p>
-              </p:txBody>
-            </p:sp>
-          </p:grpSp>
-          <p:sp>
-            <p:nvSpPr>
-              <p:cNvPr id="32" name="TextBox 31"/>
-              <p:cNvSpPr txBox="1"/>
-              <p:nvPr/>
-            </p:nvSpPr>
-            <p:spPr>
-              <a:xfrm>
-                <a:off x="4891409" y="5496813"/>
-                <a:ext cx="1008535" cy="692497"/>
-              </a:xfrm>
-              <a:prstGeom prst="rect">
-                <a:avLst/>
-              </a:prstGeom>
-              <a:noFill/>
-            </p:spPr>
-            <p:txBody>
-              <a:bodyPr wrap="square" rtlCol="0">
-                <a:spAutoFit/>
-              </a:bodyPr>
-              <a:lstStyle/>
-              <a:p>
-                <a:pPr algn="ctr"/>
-                <a:r>
-                  <a:rPr lang="en-US" sz="3900" dirty="0" smtClean="0">
-                    <a:solidFill>
-                      <a:schemeClr val="bg1"/>
-                    </a:solidFill>
-                    <a:latin typeface="Arial Black" panose="020B0A04020102020204" pitchFamily="34" charset="0"/>
-                  </a:rPr>
-                  <a:t>16</a:t>
-                </a:r>
-                <a:endParaRPr lang="en-US" sz="3900" dirty="0">
-                  <a:solidFill>
-                    <a:schemeClr val="bg1"/>
-                  </a:solidFill>
-                  <a:latin typeface="Arial Black" panose="020B0A04020102020204" pitchFamily="34" charset="0"/>
-                </a:endParaRPr>
-              </a:p>
-            </p:txBody>
-          </p:sp>
-        </p:grpSp>
-        <p:sp>
-          <p:nvSpPr>
-            <p:cNvPr id="40" name="TextBox 39"/>
-            <p:cNvSpPr txBox="1"/>
-            <p:nvPr/>
-          </p:nvSpPr>
-          <p:spPr>
-            <a:xfrm>
-              <a:off x="3867866" y="1529377"/>
-              <a:ext cx="6241079" cy="1938992"/>
-            </a:xfrm>
-            <a:prstGeom prst="rect">
-              <a:avLst/>
-            </a:prstGeom>
-            <a:noFill/>
-          </p:spPr>
-          <p:txBody>
-            <a:bodyPr wrap="square" rtlCol="0">
-              <a:spAutoFit/>
-            </a:bodyPr>
-            <a:lstStyle/>
-            <a:p>
-              <a:pPr algn="ctr"/>
-              <a:r>
-                <a:rPr lang="en-US" sz="4000" dirty="0" smtClean="0">
-                  <a:solidFill>
-                    <a:schemeClr val="bg1"/>
-                  </a:solidFill>
-                  <a:effectLst>
-                    <a:outerShdw blurRad="38100" dist="38100" dir="2700000" algn="tl">
-                      <a:srgbClr val="000000">
-                        <a:alpha val="43137"/>
-                      </a:srgbClr>
-                    </a:outerShdw>
-                  </a:effectLst>
-                  <a:latin typeface="Arial Black" panose="020B0A04020102020204" pitchFamily="34" charset="0"/>
-                </a:rPr>
-                <a:t>CC MANAGER</a:t>
-              </a:r>
-            </a:p>
-            <a:p>
-              <a:pPr algn="ctr"/>
-              <a:r>
-                <a:rPr lang="en-US" sz="4000" dirty="0" smtClean="0">
-                  <a:solidFill>
-                    <a:schemeClr val="bg1"/>
-                  </a:solidFill>
-                  <a:effectLst>
-                    <a:outerShdw blurRad="38100" dist="38100" dir="2700000" algn="tl">
-                      <a:srgbClr val="000000">
-                        <a:alpha val="43137"/>
-                      </a:srgbClr>
-                    </a:outerShdw>
-                  </a:effectLst>
-                  <a:latin typeface="Arial Black" panose="020B0A04020102020204" pitchFamily="34" charset="0"/>
-                </a:rPr>
-                <a:t>= VMG (INVOICE)</a:t>
-              </a:r>
-            </a:p>
-            <a:p>
-              <a:pPr algn="ctr"/>
-              <a:endParaRPr lang="en-US" sz="4000" dirty="0">
-                <a:solidFill>
-                  <a:schemeClr val="bg1"/>
-                </a:solidFill>
-                <a:effectLst>
-                  <a:outerShdw blurRad="38100" dist="38100" dir="2700000" algn="tl">
-                    <a:srgbClr val="000000">
-                      <a:alpha val="43137"/>
-                    </a:srgbClr>
-                  </a:outerShdw>
-                </a:effectLst>
-                <a:latin typeface="Arial Black" panose="020B0A04020102020204" pitchFamily="34" charset="0"/>
-              </a:endParaRPr>
-            </a:p>
-          </p:txBody>
-        </p:sp>
-      </p:grpSp>
-      <p:grpSp>
-        <p:nvGrpSpPr>
-          <p:cNvPr id="44" name="Group 43"/>
-          <p:cNvGrpSpPr/>
-          <p:nvPr/>
-        </p:nvGrpSpPr>
-        <p:grpSpPr>
-          <a:xfrm>
-            <a:off x="-8391454" y="0"/>
-            <a:ext cx="11372915" cy="6858000"/>
-            <a:chOff x="-725193" y="10554"/>
-            <a:chExt cx="11372915" cy="6858000"/>
-          </a:xfrm>
-        </p:grpSpPr>
-        <p:grpSp>
-          <p:nvGrpSpPr>
-            <p:cNvPr id="18" name="Group 17"/>
-            <p:cNvGrpSpPr/>
-            <p:nvPr/>
-          </p:nvGrpSpPr>
-          <p:grpSpPr>
-            <a:xfrm>
-              <a:off x="-725193" y="10554"/>
-              <a:ext cx="11366695" cy="6858000"/>
-              <a:chOff x="0" y="0"/>
-              <a:chExt cx="11366695" cy="6858000"/>
-            </a:xfrm>
-            <a:effectLst>
-              <a:outerShdw blurRad="50800" dist="38100" sx="60000" sy="60000" algn="l" rotWithShape="0">
-                <a:prstClr val="black">
-                  <a:alpha val="60000"/>
-                </a:prstClr>
-              </a:outerShdw>
-            </a:effectLst>
-          </p:grpSpPr>
-          <p:sp>
-            <p:nvSpPr>
-              <p:cNvPr id="19" name="Rectangle 18"/>
-              <p:cNvSpPr/>
-              <p:nvPr/>
-            </p:nvSpPr>
-            <p:spPr>
-              <a:xfrm>
-                <a:off x="0" y="0"/>
-                <a:ext cx="10635175" cy="6858000"/>
-              </a:xfrm>
-              <a:prstGeom prst="rect">
-                <a:avLst/>
-              </a:prstGeom>
-              <a:solidFill>
-                <a:srgbClr val="A2C84E"/>
-              </a:solidFill>
-              <a:ln>
-                <a:noFill/>
-              </a:ln>
-              <a:effectLst>
-                <a:outerShdw blurRad="50800" dist="38100" algn="l" rotWithShape="0">
-                  <a:prstClr val="black">
-                    <a:alpha val="40000"/>
-                  </a:prstClr>
-                </a:outerShdw>
-              </a:effectLst>
-            </p:spPr>
-            <p:style>
-              <a:lnRef idx="2">
-                <a:schemeClr val="accent1">
-                  <a:shade val="50000"/>
-                </a:schemeClr>
-              </a:lnRef>
-              <a:fillRef idx="1">
-                <a:schemeClr val="accent1"/>
-              </a:fillRef>
-              <a:effectRef idx="0">
-                <a:schemeClr val="accent1"/>
-              </a:effectRef>
-              <a:fontRef idx="minor">
-                <a:schemeClr val="lt1"/>
-              </a:fontRef>
-            </p:style>
-            <p:txBody>
-              <a:bodyPr rtlCol="0" anchor="ctr"/>
-              <a:lstStyle/>
-              <a:p>
-                <a:pPr algn="ctr"/>
-                <a:endParaRPr lang="en-US"/>
-              </a:p>
-            </p:txBody>
-          </p:sp>
-          <p:sp>
-            <p:nvSpPr>
-              <p:cNvPr id="20" name="Round Same Side Corner Rectangle 19"/>
-              <p:cNvSpPr/>
-              <p:nvPr/>
-            </p:nvSpPr>
-            <p:spPr>
-              <a:xfrm rot="5400000">
-                <a:off x="10600006" y="4677510"/>
-                <a:ext cx="801858" cy="731520"/>
-              </a:xfrm>
-              <a:prstGeom prst="round2SameRect">
-                <a:avLst/>
-              </a:prstGeom>
-              <a:solidFill>
-                <a:srgbClr val="A2C84E"/>
-              </a:solidFill>
-              <a:ln>
-                <a:noFill/>
-              </a:ln>
-              <a:effectLst>
-                <a:outerShdw blurRad="50800" dist="38100" algn="l" rotWithShape="0">
-                  <a:prstClr val="black">
-                    <a:alpha val="40000"/>
-                  </a:prstClr>
-                </a:outerShdw>
-              </a:effectLst>
-            </p:spPr>
-            <p:style>
-              <a:lnRef idx="2">
-                <a:schemeClr val="accent1">
-                  <a:shade val="50000"/>
-                </a:schemeClr>
-              </a:lnRef>
-              <a:fillRef idx="1">
-                <a:schemeClr val="accent1"/>
-              </a:fillRef>
-              <a:effectRef idx="0">
-                <a:schemeClr val="accent1"/>
-              </a:effectRef>
-              <a:fontRef idx="minor">
-                <a:schemeClr val="lt1"/>
-              </a:fontRef>
-            </p:style>
-            <p:txBody>
-              <a:bodyPr rtlCol="0" anchor="ctr"/>
-              <a:lstStyle/>
-              <a:p>
-                <a:pPr algn="ctr"/>
-                <a:endParaRPr lang="en-US"/>
-              </a:p>
-            </p:txBody>
-          </p:sp>
-        </p:grpSp>
-        <p:sp>
-          <p:nvSpPr>
-            <p:cNvPr id="33" name="TextBox 32"/>
-            <p:cNvSpPr txBox="1"/>
-            <p:nvPr/>
-          </p:nvSpPr>
-          <p:spPr>
-            <a:xfrm>
-              <a:off x="9742711" y="4688153"/>
-              <a:ext cx="905011" cy="692497"/>
-            </a:xfrm>
-            <a:prstGeom prst="rect">
-              <a:avLst/>
-            </a:prstGeom>
-            <a:noFill/>
-          </p:spPr>
-          <p:txBody>
-            <a:bodyPr wrap="square" rtlCol="0">
-              <a:spAutoFit/>
-            </a:bodyPr>
-            <a:lstStyle/>
-            <a:p>
-              <a:pPr algn="ctr"/>
-              <a:r>
-                <a:rPr lang="en-US" sz="3900" dirty="0" smtClean="0">
-                  <a:solidFill>
-                    <a:schemeClr val="bg1"/>
-                  </a:solidFill>
-                  <a:latin typeface="Arial Black" panose="020B0A04020102020204" pitchFamily="34" charset="0"/>
-                </a:rPr>
-                <a:t>17</a:t>
-              </a:r>
-              <a:endParaRPr lang="en-US" sz="3900" dirty="0">
-                <a:solidFill>
-                  <a:schemeClr val="bg1"/>
-                </a:solidFill>
-                <a:latin typeface="Arial Black" panose="020B0A04020102020204" pitchFamily="34" charset="0"/>
-              </a:endParaRPr>
-            </a:p>
-          </p:txBody>
-        </p:sp>
-        <p:sp>
-          <p:nvSpPr>
-            <p:cNvPr id="42" name="TextBox 41"/>
-            <p:cNvSpPr txBox="1"/>
-            <p:nvPr/>
-          </p:nvSpPr>
-          <p:spPr>
-            <a:xfrm>
-              <a:off x="2826900" y="2213289"/>
-              <a:ext cx="6417883" cy="1077218"/>
-            </a:xfrm>
-            <a:prstGeom prst="rect">
-              <a:avLst/>
-            </a:prstGeom>
-            <a:noFill/>
-          </p:spPr>
-          <p:txBody>
-            <a:bodyPr wrap="square" rtlCol="0">
-              <a:spAutoFit/>
-            </a:bodyPr>
-            <a:lstStyle/>
-            <a:p>
-              <a:pPr algn="ctr"/>
-              <a:r>
-                <a:rPr lang="en-US" sz="3200" dirty="0" smtClean="0">
-                  <a:solidFill>
-                    <a:schemeClr val="bg1"/>
-                  </a:solidFill>
-                  <a:effectLst>
-                    <a:outerShdw blurRad="38100" dist="38100" dir="2700000" algn="tl">
-                      <a:srgbClr val="000000">
-                        <a:alpha val="43137"/>
-                      </a:srgbClr>
-                    </a:outerShdw>
-                  </a:effectLst>
-                  <a:latin typeface="Arial Black" panose="020B0A04020102020204" pitchFamily="34" charset="0"/>
-                </a:rPr>
-                <a:t>MANUAL DOC SERIES</a:t>
-              </a:r>
-            </a:p>
-            <a:p>
-              <a:pPr algn="ctr"/>
-              <a:r>
-                <a:rPr lang="en-US" sz="3200" dirty="0" smtClean="0">
-                  <a:solidFill>
-                    <a:schemeClr val="bg1"/>
-                  </a:solidFill>
-                  <a:effectLst>
-                    <a:outerShdw blurRad="38100" dist="38100" dir="2700000" algn="tl">
-                      <a:srgbClr val="000000">
-                        <a:alpha val="43137"/>
-                      </a:srgbClr>
-                    </a:outerShdw>
-                  </a:effectLst>
-                  <a:latin typeface="Arial Black" panose="020B0A04020102020204" pitchFamily="34" charset="0"/>
-                </a:rPr>
-                <a:t>= (MANUAL INVOICE)</a:t>
-              </a:r>
-              <a:endParaRPr lang="en-US" sz="3200" dirty="0">
-                <a:solidFill>
-                  <a:schemeClr val="bg1"/>
-                </a:solidFill>
-                <a:effectLst>
-                  <a:outerShdw blurRad="38100" dist="38100" dir="2700000" algn="tl">
-                    <a:srgbClr val="000000">
-                      <a:alpha val="43137"/>
-                    </a:srgbClr>
-                  </a:outerShdw>
-                </a:effectLst>
-                <a:latin typeface="Arial Black" panose="020B0A04020102020204" pitchFamily="34" charset="0"/>
-              </a:endParaRPr>
-            </a:p>
-          </p:txBody>
-        </p:sp>
-      </p:grpSp>
-      <p:grpSp>
-        <p:nvGrpSpPr>
-          <p:cNvPr id="46" name="Group 45"/>
-          <p:cNvGrpSpPr/>
-          <p:nvPr/>
-        </p:nvGrpSpPr>
-        <p:grpSpPr>
-          <a:xfrm>
-            <a:off x="-9509164" y="9765"/>
-            <a:ext cx="11419541" cy="6858000"/>
-            <a:chOff x="-1842903" y="39369"/>
-            <a:chExt cx="11419541" cy="6858000"/>
-          </a:xfrm>
-        </p:grpSpPr>
-        <p:grpSp>
-          <p:nvGrpSpPr>
-            <p:cNvPr id="21" name="Group 20"/>
-            <p:cNvGrpSpPr/>
-            <p:nvPr/>
-          </p:nvGrpSpPr>
-          <p:grpSpPr>
-            <a:xfrm>
-              <a:off x="-1842903" y="39369"/>
-              <a:ext cx="11366695" cy="6858000"/>
-              <a:chOff x="0" y="28815"/>
-              <a:chExt cx="11366695" cy="6858000"/>
-            </a:xfrm>
-            <a:solidFill>
-              <a:srgbClr val="E7BF5F"/>
-            </a:solidFill>
-            <a:effectLst>
-              <a:outerShdw blurRad="50800" dist="38100" sx="60000" sy="60000" algn="l" rotWithShape="0">
-                <a:prstClr val="black">
-                  <a:alpha val="60000"/>
-                </a:prstClr>
-              </a:outerShdw>
-            </a:effectLst>
-          </p:grpSpPr>
-          <p:sp>
-            <p:nvSpPr>
-              <p:cNvPr id="22" name="Rectangle 21"/>
-              <p:cNvSpPr/>
-              <p:nvPr/>
-            </p:nvSpPr>
-            <p:spPr>
-              <a:xfrm>
-                <a:off x="0" y="28815"/>
-                <a:ext cx="10635175" cy="6858000"/>
-              </a:xfrm>
-              <a:prstGeom prst="rect">
-                <a:avLst/>
-              </a:prstGeom>
-              <a:solidFill>
-                <a:srgbClr val="4BC298"/>
-              </a:solidFill>
-              <a:ln>
-                <a:noFill/>
-              </a:ln>
-              <a:effectLst>
-                <a:outerShdw blurRad="50800" dist="38100" algn="l" rotWithShape="0">
-                  <a:prstClr val="black">
-                    <a:alpha val="40000"/>
-                  </a:prstClr>
-                </a:outerShdw>
-              </a:effectLst>
-            </p:spPr>
-            <p:style>
-              <a:lnRef idx="2">
-                <a:schemeClr val="accent1">
-                  <a:shade val="50000"/>
-                </a:schemeClr>
-              </a:lnRef>
-              <a:fillRef idx="1">
-                <a:schemeClr val="accent1"/>
-              </a:fillRef>
-              <a:effectRef idx="0">
-                <a:schemeClr val="accent1"/>
-              </a:effectRef>
-              <a:fontRef idx="minor">
-                <a:schemeClr val="lt1"/>
-              </a:fontRef>
-            </p:style>
-            <p:txBody>
-              <a:bodyPr rtlCol="0" anchor="ctr"/>
-              <a:lstStyle/>
-              <a:p>
-                <a:pPr algn="ctr"/>
-                <a:endParaRPr lang="en-US"/>
-              </a:p>
-            </p:txBody>
-          </p:sp>
-          <p:sp>
-            <p:nvSpPr>
-              <p:cNvPr id="23" name="Round Same Side Corner Rectangle 22"/>
-              <p:cNvSpPr/>
-              <p:nvPr/>
-            </p:nvSpPr>
-            <p:spPr>
-              <a:xfrm rot="5400000">
-                <a:off x="10600006" y="3875652"/>
-                <a:ext cx="801858" cy="731520"/>
-              </a:xfrm>
-              <a:prstGeom prst="round2SameRect">
-                <a:avLst/>
-              </a:prstGeom>
-              <a:solidFill>
-                <a:srgbClr val="4BC298"/>
-              </a:solidFill>
-              <a:ln>
-                <a:noFill/>
-              </a:ln>
-              <a:effectLst>
-                <a:outerShdw blurRad="50800" dist="38100" algn="l" rotWithShape="0">
-                  <a:prstClr val="black">
-                    <a:alpha val="40000"/>
-                  </a:prstClr>
-                </a:outerShdw>
-              </a:effectLst>
-            </p:spPr>
-            <p:style>
-              <a:lnRef idx="2">
-                <a:schemeClr val="accent1">
-                  <a:shade val="50000"/>
-                </a:schemeClr>
-              </a:lnRef>
-              <a:fillRef idx="1">
-                <a:schemeClr val="accent1"/>
-              </a:fillRef>
-              <a:effectRef idx="0">
-                <a:schemeClr val="accent1"/>
-              </a:effectRef>
-              <a:fontRef idx="minor">
-                <a:schemeClr val="lt1"/>
-              </a:fontRef>
-            </p:style>
-            <p:txBody>
-              <a:bodyPr rtlCol="0" anchor="ctr"/>
-              <a:lstStyle/>
-              <a:p>
-                <a:pPr algn="ctr"/>
-                <a:endParaRPr lang="en-US"/>
-              </a:p>
-            </p:txBody>
-          </p:sp>
-        </p:grpSp>
-        <p:sp>
-          <p:nvSpPr>
-            <p:cNvPr id="34" name="TextBox 33"/>
-            <p:cNvSpPr txBox="1"/>
-            <p:nvPr/>
-          </p:nvSpPr>
-          <p:spPr>
-            <a:xfrm>
-              <a:off x="8611453" y="3899692"/>
-              <a:ext cx="965185" cy="692497"/>
-            </a:xfrm>
-            <a:prstGeom prst="rect">
-              <a:avLst/>
-            </a:prstGeom>
-            <a:noFill/>
-          </p:spPr>
-          <p:txBody>
-            <a:bodyPr wrap="square" rtlCol="0">
-              <a:spAutoFit/>
-            </a:bodyPr>
-            <a:lstStyle/>
-            <a:p>
-              <a:pPr algn="ctr"/>
-              <a:r>
-                <a:rPr lang="en-US" sz="3900" dirty="0" smtClean="0">
-                  <a:solidFill>
-                    <a:schemeClr val="bg1"/>
-                  </a:solidFill>
-                  <a:latin typeface="Arial Black" panose="020B0A04020102020204" pitchFamily="34" charset="0"/>
-                </a:rPr>
-                <a:t>18</a:t>
-              </a:r>
-              <a:endParaRPr lang="en-US" sz="3900" dirty="0">
-                <a:solidFill>
-                  <a:schemeClr val="bg1"/>
-                </a:solidFill>
-                <a:latin typeface="Arial Black" panose="020B0A04020102020204" pitchFamily="34" charset="0"/>
-              </a:endParaRPr>
-            </a:p>
-          </p:txBody>
-        </p:sp>
-        <p:sp>
-          <p:nvSpPr>
-            <p:cNvPr id="45" name="TextBox 44"/>
-            <p:cNvSpPr txBox="1"/>
-            <p:nvPr/>
-          </p:nvSpPr>
-          <p:spPr>
-            <a:xfrm>
-              <a:off x="1589800" y="2232339"/>
-              <a:ext cx="6362211" cy="1569660"/>
-            </a:xfrm>
-            <a:prstGeom prst="rect">
-              <a:avLst/>
-            </a:prstGeom>
-            <a:noFill/>
-          </p:spPr>
-          <p:txBody>
-            <a:bodyPr wrap="square" rtlCol="0">
-              <a:spAutoFit/>
-            </a:bodyPr>
-            <a:lstStyle/>
-            <a:p>
-              <a:pPr algn="ctr"/>
-              <a:r>
-                <a:rPr lang="en-US" sz="3200" dirty="0" smtClean="0">
-                  <a:solidFill>
-                    <a:schemeClr val="bg1"/>
-                  </a:solidFill>
-                  <a:effectLst>
-                    <a:outerShdw blurRad="38100" dist="38100" dir="2700000" algn="tl">
-                      <a:srgbClr val="000000">
-                        <a:alpha val="43137"/>
-                      </a:srgbClr>
-                    </a:outerShdw>
-                  </a:effectLst>
-                  <a:latin typeface="Arial Black" panose="020B0A04020102020204" pitchFamily="34" charset="0"/>
-                </a:rPr>
-                <a:t>CUSTOMER REF NUMBER</a:t>
-              </a:r>
-            </a:p>
-            <a:p>
-              <a:pPr algn="ctr"/>
-              <a:r>
-                <a:rPr lang="en-US" sz="3200" dirty="0" smtClean="0">
-                  <a:solidFill>
-                    <a:schemeClr val="bg1"/>
-                  </a:solidFill>
-                  <a:effectLst>
-                    <a:outerShdw blurRad="38100" dist="38100" dir="2700000" algn="tl">
-                      <a:srgbClr val="000000">
-                        <a:alpha val="43137"/>
-                      </a:srgbClr>
-                    </a:outerShdw>
-                  </a:effectLst>
-                  <a:latin typeface="Arial Black" panose="020B0A04020102020204" pitchFamily="34" charset="0"/>
-                </a:rPr>
-                <a:t>(HEADER) = MANUAL INVOICE</a:t>
-              </a:r>
-              <a:endParaRPr lang="en-US" sz="3200" dirty="0">
-                <a:solidFill>
-                  <a:schemeClr val="bg1"/>
-                </a:solidFill>
-                <a:effectLst>
-                  <a:outerShdw blurRad="38100" dist="38100" dir="2700000" algn="tl">
-                    <a:srgbClr val="000000">
-                      <a:alpha val="43137"/>
-                    </a:srgbClr>
-                  </a:outerShdw>
-                </a:effectLst>
-                <a:latin typeface="Arial Black" panose="020B0A04020102020204" pitchFamily="34" charset="0"/>
-              </a:endParaRPr>
-            </a:p>
-          </p:txBody>
-        </p:sp>
-      </p:grpSp>
-    </p:spTree>
-    <p:extLst>
-      <p:ext uri="{BB962C8B-B14F-4D97-AF65-F5344CB8AC3E}">
-        <p14:creationId xmlns:p14="http://schemas.microsoft.com/office/powerpoint/2010/main" val="330328489"/>
-      </p:ext>
-    </p:extLst>
-  </p:cSld>
-  <p:clrMapOvr>
-    <a:masterClrMapping/>
-  </p:clrMapOvr>
-  <mc:AlternateContent xmlns:mc="http://schemas.openxmlformats.org/markup-compatibility/2006" xmlns:p14="http://schemas.microsoft.com/office/powerpoint/2010/main">
-    <mc:Choice Requires="p14">
-      <p:transition spd="slow" p14:dur="1300">
-        <p14:pan dir="r"/>
-      </p:transition>
-    </mc:Choice>
-    <mc:Fallback xmlns="">
-      <p:transition spd="slow">
-        <p:fade/>
-      </p:transition>
-    </mc:Fallback>
-  </mc:AlternateContent>
-  <p:timing>
-    <p:tnLst>
-      <p:par>
-        <p:cTn id="1" dur="indefinite" restart="never" nodeType="tmRoot">
-          <p:childTnLst>
-            <p:seq concurrent="1" nextAc="seek">
-              <p:cTn id="2" dur="indefinite" nodeType="mainSeq">
-                <p:childTnLst>
-                  <p:par>
-                    <p:cTn id="3" fill="hold">
-                      <p:stCondLst>
-                        <p:cond delay="indefinite"/>
-                      </p:stCondLst>
-                      <p:childTnLst>
-                        <p:par>
-                          <p:cTn id="4" fill="hold">
-                            <p:stCondLst>
-                              <p:cond delay="0"/>
-                            </p:stCondLst>
-                            <p:childTnLst>
-                              <p:par>
-                                <p:cTn id="5" presetID="63" presetClass="path" presetSubtype="0" accel="50000" decel="50000" fill="hold" nodeType="clickEffect">
-                                  <p:stCondLst>
-                                    <p:cond delay="0"/>
-                                  </p:stCondLst>
-                                  <p:childTnLst>
-                                    <p:animMotion origin="layout" path="M -3.95833E-6 0 L 0.47279 0.00208 " pathEditMode="relative" rAng="0" ptsTypes="AA">
-                                      <p:cBhvr>
-                                        <p:cTn id="6" dur="2000" fill="hold"/>
-                                        <p:tgtEl>
-                                          <p:spTgt spid="41"/>
-                                        </p:tgtEl>
-                                        <p:attrNameLst>
-                                          <p:attrName>ppt_x</p:attrName>
-                                          <p:attrName>ppt_y</p:attrName>
-                                        </p:attrNameLst>
-                                      </p:cBhvr>
-                                      <p:rCtr x="23633" y="93"/>
-                                    </p:animMotion>
-                                  </p:childTnLst>
-                                </p:cTn>
-                              </p:par>
-                            </p:childTnLst>
-                          </p:cTn>
-                        </p:par>
-                      </p:childTnLst>
-                    </p:cTn>
-                  </p:par>
-                  <p:par>
-                    <p:cTn id="7" fill="hold">
-                      <p:stCondLst>
-                        <p:cond delay="indefinite"/>
-                      </p:stCondLst>
-                      <p:childTnLst>
-                        <p:par>
-                          <p:cTn id="8" fill="hold">
-                            <p:stCondLst>
-                              <p:cond delay="0"/>
-                            </p:stCondLst>
-                            <p:childTnLst>
-                              <p:par>
-                                <p:cTn id="9" presetID="63" presetClass="path" presetSubtype="0" accel="50000" decel="50000" fill="hold" nodeType="clickEffect">
-                                  <p:stCondLst>
-                                    <p:cond delay="0"/>
-                                  </p:stCondLst>
-                                  <p:childTnLst>
-                                    <p:animMotion origin="layout" path="M -5E-6 0 L 0.47839 -0.00394 " pathEditMode="relative" rAng="0" ptsTypes="AA">
-                                      <p:cBhvr>
-                                        <p:cTn id="10" dur="2000" fill="hold"/>
-                                        <p:tgtEl>
-                                          <p:spTgt spid="44"/>
-                                        </p:tgtEl>
-                                        <p:attrNameLst>
-                                          <p:attrName>ppt_x</p:attrName>
-                                          <p:attrName>ppt_y</p:attrName>
-                                        </p:attrNameLst>
-                                      </p:cBhvr>
-                                      <p:rCtr x="23919" y="-208"/>
-                                    </p:animMotion>
-                                  </p:childTnLst>
-                                </p:cTn>
-                              </p:par>
-                            </p:childTnLst>
-                          </p:cTn>
-                        </p:par>
-                      </p:childTnLst>
-                    </p:cTn>
-                  </p:par>
-                  <p:par>
-                    <p:cTn id="11" fill="hold">
-                      <p:stCondLst>
-                        <p:cond delay="indefinite"/>
-                      </p:stCondLst>
-                      <p:childTnLst>
-                        <p:par>
-                          <p:cTn id="12" fill="hold">
-                            <p:stCondLst>
-                              <p:cond delay="0"/>
-                            </p:stCondLst>
-                            <p:childTnLst>
-                              <p:par>
-                                <p:cTn id="13" presetID="63" presetClass="path" presetSubtype="0" accel="50000" decel="50000" fill="hold" nodeType="clickEffect">
-                                  <p:stCondLst>
-                                    <p:cond delay="0"/>
-                                  </p:stCondLst>
-                                  <p:childTnLst>
-                                    <p:animMotion origin="layout" path="M -1.45833E-6 1.11111E-6 L 0.48399 -0.00394 " pathEditMode="relative" rAng="0" ptsTypes="AA">
-                                      <p:cBhvr>
-                                        <p:cTn id="14" dur="2000" fill="hold"/>
-                                        <p:tgtEl>
-                                          <p:spTgt spid="46"/>
-                                        </p:tgtEl>
-                                        <p:attrNameLst>
-                                          <p:attrName>ppt_x</p:attrName>
-                                          <p:attrName>ppt_y</p:attrName>
-                                        </p:attrNameLst>
-                                      </p:cBhvr>
-                                      <p:rCtr x="24206" y="-208"/>
-                                    </p:animMotion>
-                                  </p:childTnLst>
-                                </p:cTn>
-                              </p:par>
-                            </p:childTnLst>
-                          </p:cTn>
-                        </p:par>
-                      </p:childTnLst>
-                    </p:cTn>
-                  </p:par>
-                </p:childTnLst>
-              </p:cTn>
-              <p:prevCondLst>
-                <p:cond evt="onPrev" delay="0">
-                  <p:tgtEl>
-                    <p:sldTgt/>
-                  </p:tgtEl>
-                </p:cond>
-              </p:prevCondLst>
-              <p:nextCondLst>
-                <p:cond evt="onNext" delay="0">
-                  <p:tgtEl>
-                    <p:sldTgt/>
-                  </p:tgtEl>
-                </p:cond>
-              </p:nextCondLst>
-            </p:seq>
-          </p:childTnLst>
-        </p:cTn>
-      </p:par>
-    </p:tnLst>
-  </p:timing>
-</p:sld>
-</file>
-
-<file path=ppt/slides/slide6.xml><?xml version="1.0" encoding="utf-8"?>
-<p:sld xmlns:a="http://schemas.openxmlformats.org/drawingml/2006/main" xmlns:r="http://schemas.openxmlformats.org/officeDocument/2006/relationships" xmlns:p="http://schemas.openxmlformats.org/presentationml/2006/main">
-  <p:cSld>
-    <p:bg>
-      <p:bgPr>
-        <a:solidFill>
-          <a:srgbClr val="6F6F6F"/>
-        </a:solidFill>
-        <a:effectLst/>
-      </p:bgPr>
-    </p:bg>
-    <p:spTree>
-      <p:nvGrpSpPr>
-        <p:cNvPr id="1" name=""/>
-        <p:cNvGrpSpPr/>
-        <p:nvPr/>
-      </p:nvGrpSpPr>
-      <p:grpSpPr>
-        <a:xfrm>
-          <a:off x="0" y="0"/>
-          <a:ext cx="0" cy="0"/>
-          <a:chOff x="0" y="0"/>
-          <a:chExt cx="0" cy="0"/>
-        </a:xfrm>
-      </p:grpSpPr>
       <p:sp>
         <p:nvSpPr>
           <p:cNvPr id="4" name="TextBox 3"/>
@@ -8913,7 +5669,7 @@
 </p:sld>
 </file>
 
-<file path=ppt/slides/slide7.xml><?xml version="1.0" encoding="utf-8"?>
+<file path=ppt/slides/slide4.xml><?xml version="1.0" encoding="utf-8"?>
 <p:sld xmlns:a="http://schemas.openxmlformats.org/drawingml/2006/main" xmlns:r="http://schemas.openxmlformats.org/officeDocument/2006/relationships" xmlns:p="http://schemas.openxmlformats.org/presentationml/2006/main">
   <p:cSld>
     <p:bg>

--- a/R-UDF FORE SALES ORDER AR INVOICE ORDER TYPE.pptx
+++ b/R-UDF FORE SALES ORDER AR INVOICE ORDER TYPE.pptx
@@ -3321,23 +3321,7 @@
                   </a:effectLst>
                   <a:latin typeface="Arial Black" panose="020B0A04020102020204" pitchFamily="34" charset="0"/>
                 </a:rPr>
-                <a:t>JOB ORDER </a:t>
-              </a:r>
-              <a:r>
-                <a:rPr lang="en-US" sz="2400" dirty="0" smtClean="0">
-                  <a:solidFill>
-                    <a:schemeClr val="bg1"/>
-                  </a:solidFill>
-                  <a:effectLst>
-                    <a:outerShdw blurRad="38100" dist="38100" dir="2700000" algn="tl">
-                      <a:srgbClr val="000000">
-                        <a:alpha val="43137"/>
-                      </a:srgbClr>
-                    </a:outerShdw>
-                  </a:effectLst>
-                  <a:latin typeface="Arial Black" panose="020B0A04020102020204" pitchFamily="34" charset="0"/>
-                </a:rPr>
-                <a:t>#</a:t>
+                <a:t>JOB ORDER #</a:t>
               </a:r>
             </a:p>
             <a:p>
@@ -4645,8 +4629,14 @@
                   </a:solidFill>
                   <a:latin typeface="Arial Black" panose="020B0A04020102020204" pitchFamily="34" charset="0"/>
                 </a:rPr>
-                <a:t>4</a:t>
+                <a:t>&gt;</a:t>
               </a:r>
+              <a:endParaRPr lang="en-US" sz="4400" dirty="0">
+                <a:solidFill>
+                  <a:schemeClr val="bg1"/>
+                </a:solidFill>
+                <a:latin typeface="Arial Black" panose="020B0A04020102020204" pitchFamily="34" charset="0"/>
+              </a:endParaRPr>
             </a:p>
           </p:txBody>
         </p:sp>
@@ -5148,8 +5138,14 @@
                   </a:solidFill>
                   <a:latin typeface="Arial Black" panose="020B0A04020102020204" pitchFamily="34" charset="0"/>
                 </a:rPr>
-                <a:t>5</a:t>
+                <a:t>&gt;</a:t>
               </a:r>
+              <a:endParaRPr lang="en-US" sz="4400" dirty="0">
+                <a:solidFill>
+                  <a:schemeClr val="bg1"/>
+                </a:solidFill>
+                <a:latin typeface="Arial Black" panose="020B0A04020102020204" pitchFamily="34" charset="0"/>
+              </a:endParaRPr>
             </a:p>
           </p:txBody>
         </p:sp>
